--- a/project_srgan.pptx
+++ b/project_srgan.pptx
@@ -11,6 +11,8 @@
     <p:sldId id="259" r:id="rId5"/>
     <p:sldId id="260" r:id="rId6"/>
     <p:sldId id="261" r:id="rId7"/>
+    <p:sldId id="262" r:id="rId8"/>
+    <p:sldId id="263" r:id="rId9"/>
   </p:sldIdLst>
   <p:sldSz cx="12192000" cy="6858000"/>
   <p:notesSz cx="6858000" cy="9144000"/>
@@ -174,7 +176,7 @@
           <a:noFill/>
           <a:extLst>
             <a:ext uri="{909E8E84-426E-40dd-AFC4-6F175D3DCCD1}">
-              <a14:hiddenFill xmlns:a14="http://schemas.microsoft.com/office/drawing/2010/main" xmlns="">
+              <a14:hiddenFill xmlns="" xmlns:a14="http://schemas.microsoft.com/office/drawing/2010/main">
                 <a:solidFill>
                   <a:srgbClr val="FFFFFF"/>
                 </a:solidFill>
@@ -233,7 +235,7 @@
             </a:ln>
             <a:extLst>
               <a:ext uri="{91240B29-F687-4f45-9708-019B960494DF}">
-                <a14:hiddenLine xmlns:a14="http://schemas.microsoft.com/office/drawing/2010/main" xmlns="" w="9525">
+                <a14:hiddenLine xmlns="" xmlns:a14="http://schemas.microsoft.com/office/drawing/2010/main" w="9525">
                   <a:solidFill>
                     <a:srgbClr val="000000"/>
                   </a:solidFill>
@@ -323,7 +325,7 @@
             </a:ln>
             <a:extLst>
               <a:ext uri="{91240B29-F687-4f45-9708-019B960494DF}">
-                <a14:hiddenLine xmlns:a14="http://schemas.microsoft.com/office/drawing/2010/main" xmlns="" w="9525">
+                <a14:hiddenLine xmlns="" xmlns:a14="http://schemas.microsoft.com/office/drawing/2010/main" w="9525">
                   <a:solidFill>
                     <a:srgbClr val="000000"/>
                   </a:solidFill>
@@ -413,7 +415,7 @@
             </a:ln>
             <a:extLst>
               <a:ext uri="{91240B29-F687-4f45-9708-019B960494DF}">
-                <a14:hiddenLine xmlns:a14="http://schemas.microsoft.com/office/drawing/2010/main" xmlns="" w="9525">
+                <a14:hiddenLine xmlns="" xmlns:a14="http://schemas.microsoft.com/office/drawing/2010/main" w="9525">
                   <a:solidFill>
                     <a:srgbClr val="000000"/>
                   </a:solidFill>
@@ -447,7 +449,7 @@
             </a:ln>
             <a:extLst>
               <a:ext uri="{91240B29-F687-4f45-9708-019B960494DF}">
-                <a14:hiddenLine xmlns:a14="http://schemas.microsoft.com/office/drawing/2010/main" xmlns="" w="9525">
+                <a14:hiddenLine xmlns="" xmlns:a14="http://schemas.microsoft.com/office/drawing/2010/main" w="9525">
                   <a:solidFill>
                     <a:srgbClr val="000000"/>
                   </a:solidFill>
@@ -537,7 +539,7 @@
             </a:ln>
             <a:extLst>
               <a:ext uri="{91240B29-F687-4f45-9708-019B960494DF}">
-                <a14:hiddenLine xmlns:a14="http://schemas.microsoft.com/office/drawing/2010/main" xmlns="" w="9525">
+                <a14:hiddenLine xmlns="" xmlns:a14="http://schemas.microsoft.com/office/drawing/2010/main" w="9525">
                   <a:solidFill>
                     <a:srgbClr val="000000"/>
                   </a:solidFill>
@@ -599,7 +601,7 @@
             </a:ln>
             <a:extLst>
               <a:ext uri="{91240B29-F687-4f45-9708-019B960494DF}">
-                <a14:hiddenLine xmlns:a14="http://schemas.microsoft.com/office/drawing/2010/main" xmlns="" w="9525">
+                <a14:hiddenLine xmlns="" xmlns:a14="http://schemas.microsoft.com/office/drawing/2010/main" w="9525">
                   <a:solidFill>
                     <a:srgbClr val="000000"/>
                   </a:solidFill>
@@ -661,7 +663,7 @@
             </a:ln>
             <a:extLst>
               <a:ext uri="{91240B29-F687-4f45-9708-019B960494DF}">
-                <a14:hiddenLine xmlns:a14="http://schemas.microsoft.com/office/drawing/2010/main" xmlns="" w="9525">
+                <a14:hiddenLine xmlns="" xmlns:a14="http://schemas.microsoft.com/office/drawing/2010/main" w="9525">
                   <a:solidFill>
                     <a:srgbClr val="000000"/>
                   </a:solidFill>
@@ -751,7 +753,7 @@
             </a:ln>
             <a:extLst>
               <a:ext uri="{91240B29-F687-4f45-9708-019B960494DF}">
-                <a14:hiddenLine xmlns:a14="http://schemas.microsoft.com/office/drawing/2010/main" xmlns="" w="9525">
+                <a14:hiddenLine xmlns="" xmlns:a14="http://schemas.microsoft.com/office/drawing/2010/main" w="9525">
                   <a:solidFill>
                     <a:srgbClr val="000000"/>
                   </a:solidFill>
@@ -813,7 +815,7 @@
             </a:ln>
             <a:extLst>
               <a:ext uri="{91240B29-F687-4f45-9708-019B960494DF}">
-                <a14:hiddenLine xmlns:a14="http://schemas.microsoft.com/office/drawing/2010/main" xmlns="" w="9525">
+                <a14:hiddenLine xmlns="" xmlns:a14="http://schemas.microsoft.com/office/drawing/2010/main" w="9525">
                   <a:solidFill>
                     <a:srgbClr val="000000"/>
                   </a:solidFill>
@@ -875,7 +877,7 @@
             </a:ln>
             <a:extLst>
               <a:ext uri="{91240B29-F687-4f45-9708-019B960494DF}">
-                <a14:hiddenLine xmlns:a14="http://schemas.microsoft.com/office/drawing/2010/main" xmlns="" w="9525">
+                <a14:hiddenLine xmlns="" xmlns:a14="http://schemas.microsoft.com/office/drawing/2010/main" w="9525">
                   <a:solidFill>
                     <a:srgbClr val="000000"/>
                   </a:solidFill>
@@ -965,7 +967,7 @@
             </a:ln>
             <a:extLst>
               <a:ext uri="{91240B29-F687-4f45-9708-019B960494DF}">
-                <a14:hiddenLine xmlns:a14="http://schemas.microsoft.com/office/drawing/2010/main" xmlns="" w="9525">
+                <a14:hiddenLine xmlns="" xmlns:a14="http://schemas.microsoft.com/office/drawing/2010/main" w="9525">
                   <a:solidFill>
                     <a:srgbClr val="000000"/>
                   </a:solidFill>
@@ -1055,7 +1057,7 @@
             </a:ln>
             <a:extLst>
               <a:ext uri="{91240B29-F687-4f45-9708-019B960494DF}">
-                <a14:hiddenLine xmlns:a14="http://schemas.microsoft.com/office/drawing/2010/main" xmlns="" w="9525">
+                <a14:hiddenLine xmlns="" xmlns:a14="http://schemas.microsoft.com/office/drawing/2010/main" w="9525">
                   <a:solidFill>
                     <a:srgbClr val="000000"/>
                   </a:solidFill>
@@ -1117,7 +1119,7 @@
             </a:ln>
             <a:extLst>
               <a:ext uri="{91240B29-F687-4f45-9708-019B960494DF}">
-                <a14:hiddenLine xmlns:a14="http://schemas.microsoft.com/office/drawing/2010/main" xmlns="" w="9525">
+                <a14:hiddenLine xmlns="" xmlns:a14="http://schemas.microsoft.com/office/drawing/2010/main" w="9525">
                   <a:solidFill>
                     <a:srgbClr val="000000"/>
                   </a:solidFill>
@@ -1227,7 +1229,7 @@
             </a:ln>
             <a:extLst>
               <a:ext uri="{91240B29-F687-4f45-9708-019B960494DF}">
-                <a14:hiddenLine xmlns:a14="http://schemas.microsoft.com/office/drawing/2010/main" xmlns="" w="9525">
+                <a14:hiddenLine xmlns="" xmlns:a14="http://schemas.microsoft.com/office/drawing/2010/main" w="9525">
                   <a:solidFill>
                     <a:srgbClr val="000000"/>
                   </a:solidFill>
@@ -1289,7 +1291,7 @@
             </a:ln>
             <a:extLst>
               <a:ext uri="{91240B29-F687-4f45-9708-019B960494DF}">
-                <a14:hiddenLine xmlns:a14="http://schemas.microsoft.com/office/drawing/2010/main" xmlns="" w="9525">
+                <a14:hiddenLine xmlns="" xmlns:a14="http://schemas.microsoft.com/office/drawing/2010/main" w="9525">
                   <a:solidFill>
                     <a:srgbClr val="000000"/>
                   </a:solidFill>
@@ -1379,7 +1381,7 @@
             </a:ln>
             <a:extLst>
               <a:ext uri="{91240B29-F687-4f45-9708-019B960494DF}">
-                <a14:hiddenLine xmlns:a14="http://schemas.microsoft.com/office/drawing/2010/main" xmlns="" w="9525">
+                <a14:hiddenLine xmlns="" xmlns:a14="http://schemas.microsoft.com/office/drawing/2010/main" w="9525">
                   <a:solidFill>
                     <a:srgbClr val="000000"/>
                   </a:solidFill>
@@ -1469,7 +1471,7 @@
             </a:ln>
             <a:extLst>
               <a:ext uri="{91240B29-F687-4f45-9708-019B960494DF}">
-                <a14:hiddenLine xmlns:a14="http://schemas.microsoft.com/office/drawing/2010/main" xmlns="" w="9525">
+                <a14:hiddenLine xmlns="" xmlns:a14="http://schemas.microsoft.com/office/drawing/2010/main" w="9525">
                   <a:solidFill>
                     <a:srgbClr val="000000"/>
                   </a:solidFill>
@@ -1531,7 +1533,7 @@
             </a:ln>
             <a:extLst>
               <a:ext uri="{91240B29-F687-4f45-9708-019B960494DF}">
-                <a14:hiddenLine xmlns:a14="http://schemas.microsoft.com/office/drawing/2010/main" xmlns="" w="9525">
+                <a14:hiddenLine xmlns="" xmlns:a14="http://schemas.microsoft.com/office/drawing/2010/main" w="9525">
                   <a:solidFill>
                     <a:srgbClr val="000000"/>
                   </a:solidFill>
@@ -1621,7 +1623,7 @@
             </a:ln>
             <a:extLst>
               <a:ext uri="{91240B29-F687-4f45-9708-019B960494DF}">
-                <a14:hiddenLine xmlns:a14="http://schemas.microsoft.com/office/drawing/2010/main" xmlns="" w="9525">
+                <a14:hiddenLine xmlns="" xmlns:a14="http://schemas.microsoft.com/office/drawing/2010/main" w="9525">
                   <a:solidFill>
                     <a:srgbClr val="000000"/>
                   </a:solidFill>
@@ -1711,7 +1713,7 @@
             </a:ln>
             <a:extLst>
               <a:ext uri="{91240B29-F687-4f45-9708-019B960494DF}">
-                <a14:hiddenLine xmlns:a14="http://schemas.microsoft.com/office/drawing/2010/main" xmlns="" w="9525">
+                <a14:hiddenLine xmlns="" xmlns:a14="http://schemas.microsoft.com/office/drawing/2010/main" w="9525">
                   <a:solidFill>
                     <a:srgbClr val="000000"/>
                   </a:solidFill>
@@ -1767,7 +1769,7 @@
             </a:ln>
             <a:extLst>
               <a:ext uri="{91240B29-F687-4f45-9708-019B960494DF}">
-                <a14:hiddenLine xmlns:a14="http://schemas.microsoft.com/office/drawing/2010/main" xmlns="" w="9525">
+                <a14:hiddenLine xmlns="" xmlns:a14="http://schemas.microsoft.com/office/drawing/2010/main" w="9525">
                   <a:solidFill>
                     <a:srgbClr val="000000"/>
                   </a:solidFill>
@@ -1857,7 +1859,7 @@
             </a:ln>
             <a:extLst>
               <a:ext uri="{91240B29-F687-4f45-9708-019B960494DF}">
-                <a14:hiddenLine xmlns:a14="http://schemas.microsoft.com/office/drawing/2010/main" xmlns="" w="9525">
+                <a14:hiddenLine xmlns="" xmlns:a14="http://schemas.microsoft.com/office/drawing/2010/main" w="9525">
                   <a:solidFill>
                     <a:srgbClr val="000000"/>
                   </a:solidFill>
@@ -1913,7 +1915,7 @@
             </a:ln>
             <a:extLst>
               <a:ext uri="{91240B29-F687-4f45-9708-019B960494DF}">
-                <a14:hiddenLine xmlns:a14="http://schemas.microsoft.com/office/drawing/2010/main" xmlns="" w="9525">
+                <a14:hiddenLine xmlns="" xmlns:a14="http://schemas.microsoft.com/office/drawing/2010/main" w="9525">
                   <a:solidFill>
                     <a:srgbClr val="000000"/>
                   </a:solidFill>
@@ -2003,7 +2005,7 @@
             </a:ln>
             <a:extLst>
               <a:ext uri="{91240B29-F687-4f45-9708-019B960494DF}">
-                <a14:hiddenLine xmlns:a14="http://schemas.microsoft.com/office/drawing/2010/main" xmlns="" w="9525">
+                <a14:hiddenLine xmlns="" xmlns:a14="http://schemas.microsoft.com/office/drawing/2010/main" w="9525">
                   <a:solidFill>
                     <a:srgbClr val="000000"/>
                   </a:solidFill>
@@ -2071,7 +2073,7 @@
             </a:ln>
             <a:extLst>
               <a:ext uri="{91240B29-F687-4f45-9708-019B960494DF}">
-                <a14:hiddenLine xmlns:a14="http://schemas.microsoft.com/office/drawing/2010/main" xmlns="" w="9525">
+                <a14:hiddenLine xmlns="" xmlns:a14="http://schemas.microsoft.com/office/drawing/2010/main" w="9525">
                   <a:solidFill>
                     <a:srgbClr val="000000"/>
                   </a:solidFill>
@@ -2161,7 +2163,7 @@
             </a:ln>
             <a:extLst>
               <a:ext uri="{91240B29-F687-4f45-9708-019B960494DF}">
-                <a14:hiddenLine xmlns:a14="http://schemas.microsoft.com/office/drawing/2010/main" xmlns="" w="9525">
+                <a14:hiddenLine xmlns="" xmlns:a14="http://schemas.microsoft.com/office/drawing/2010/main" w="9525">
                   <a:solidFill>
                     <a:srgbClr val="000000"/>
                   </a:solidFill>
@@ -2229,7 +2231,7 @@
             </a:ln>
             <a:extLst>
               <a:ext uri="{91240B29-F687-4f45-9708-019B960494DF}">
-                <a14:hiddenLine xmlns:a14="http://schemas.microsoft.com/office/drawing/2010/main" xmlns="" w="9525">
+                <a14:hiddenLine xmlns="" xmlns:a14="http://schemas.microsoft.com/office/drawing/2010/main" w="9525">
                   <a:solidFill>
                     <a:srgbClr val="000000"/>
                   </a:solidFill>
@@ -2319,7 +2321,7 @@
             </a:ln>
             <a:extLst>
               <a:ext uri="{91240B29-F687-4f45-9708-019B960494DF}">
-                <a14:hiddenLine xmlns:a14="http://schemas.microsoft.com/office/drawing/2010/main" xmlns="" w="9525">
+                <a14:hiddenLine xmlns="" xmlns:a14="http://schemas.microsoft.com/office/drawing/2010/main" w="9525">
                   <a:solidFill>
                     <a:srgbClr val="000000"/>
                   </a:solidFill>
@@ -2353,7 +2355,7 @@
             </a:ln>
             <a:extLst>
               <a:ext uri="{91240B29-F687-4f45-9708-019B960494DF}">
-                <a14:hiddenLine xmlns:a14="http://schemas.microsoft.com/office/drawing/2010/main" xmlns="" w="9525">
+                <a14:hiddenLine xmlns="" xmlns:a14="http://schemas.microsoft.com/office/drawing/2010/main" w="9525">
                   <a:solidFill>
                     <a:srgbClr val="000000"/>
                   </a:solidFill>
@@ -2443,7 +2445,7 @@
             </a:ln>
             <a:extLst>
               <a:ext uri="{91240B29-F687-4f45-9708-019B960494DF}">
-                <a14:hiddenLine xmlns:a14="http://schemas.microsoft.com/office/drawing/2010/main" xmlns="" w="9525">
+                <a14:hiddenLine xmlns="" xmlns:a14="http://schemas.microsoft.com/office/drawing/2010/main" w="9525">
                   <a:solidFill>
                     <a:srgbClr val="000000"/>
                   </a:solidFill>
@@ -2505,7 +2507,7 @@
             </a:ln>
             <a:extLst>
               <a:ext uri="{91240B29-F687-4f45-9708-019B960494DF}">
-                <a14:hiddenLine xmlns:a14="http://schemas.microsoft.com/office/drawing/2010/main" xmlns="" w="9525">
+                <a14:hiddenLine xmlns="" xmlns:a14="http://schemas.microsoft.com/office/drawing/2010/main" w="9525">
                   <a:solidFill>
                     <a:srgbClr val="000000"/>
                   </a:solidFill>
@@ -2567,7 +2569,7 @@
             </a:ln>
             <a:extLst>
               <a:ext uri="{91240B29-F687-4f45-9708-019B960494DF}">
-                <a14:hiddenLine xmlns:a14="http://schemas.microsoft.com/office/drawing/2010/main" xmlns="" w="9525">
+                <a14:hiddenLine xmlns="" xmlns:a14="http://schemas.microsoft.com/office/drawing/2010/main" w="9525">
                   <a:solidFill>
                     <a:srgbClr val="000000"/>
                   </a:solidFill>
@@ -2657,7 +2659,7 @@
             </a:ln>
             <a:extLst>
               <a:ext uri="{91240B29-F687-4f45-9708-019B960494DF}">
-                <a14:hiddenLine xmlns:a14="http://schemas.microsoft.com/office/drawing/2010/main" xmlns="" w="9525">
+                <a14:hiddenLine xmlns="" xmlns:a14="http://schemas.microsoft.com/office/drawing/2010/main" w="9525">
                   <a:solidFill>
                     <a:srgbClr val="000000"/>
                   </a:solidFill>
@@ -2725,7 +2727,7 @@
             </a:ln>
             <a:extLst>
               <a:ext uri="{91240B29-F687-4f45-9708-019B960494DF}">
-                <a14:hiddenLine xmlns:a14="http://schemas.microsoft.com/office/drawing/2010/main" xmlns="" w="9525">
+                <a14:hiddenLine xmlns="" xmlns:a14="http://schemas.microsoft.com/office/drawing/2010/main" w="9525">
                   <a:solidFill>
                     <a:srgbClr val="000000"/>
                   </a:solidFill>
@@ -2787,7 +2789,7 @@
             </a:ln>
             <a:extLst>
               <a:ext uri="{91240B29-F687-4f45-9708-019B960494DF}">
-                <a14:hiddenLine xmlns:a14="http://schemas.microsoft.com/office/drawing/2010/main" xmlns="" w="9525">
+                <a14:hiddenLine xmlns="" xmlns:a14="http://schemas.microsoft.com/office/drawing/2010/main" w="9525">
                   <a:solidFill>
                     <a:srgbClr val="000000"/>
                   </a:solidFill>
@@ -2877,7 +2879,7 @@
             </a:ln>
             <a:extLst>
               <a:ext uri="{91240B29-F687-4f45-9708-019B960494DF}">
-                <a14:hiddenLine xmlns:a14="http://schemas.microsoft.com/office/drawing/2010/main" xmlns="" w="9525">
+                <a14:hiddenLine xmlns="" xmlns:a14="http://schemas.microsoft.com/office/drawing/2010/main" w="9525">
                   <a:solidFill>
                     <a:srgbClr val="000000"/>
                   </a:solidFill>
@@ -2939,7 +2941,7 @@
             </a:ln>
             <a:extLst>
               <a:ext uri="{91240B29-F687-4f45-9708-019B960494DF}">
-                <a14:hiddenLine xmlns:a14="http://schemas.microsoft.com/office/drawing/2010/main" xmlns="" w="9525">
+                <a14:hiddenLine xmlns="" xmlns:a14="http://schemas.microsoft.com/office/drawing/2010/main" w="9525">
                   <a:solidFill>
                     <a:srgbClr val="000000"/>
                   </a:solidFill>
@@ -3029,7 +3031,7 @@
             </a:ln>
             <a:extLst>
               <a:ext uri="{91240B29-F687-4f45-9708-019B960494DF}">
-                <a14:hiddenLine xmlns:a14="http://schemas.microsoft.com/office/drawing/2010/main" xmlns="" w="9525">
+                <a14:hiddenLine xmlns="" xmlns:a14="http://schemas.microsoft.com/office/drawing/2010/main" w="9525">
                   <a:solidFill>
                     <a:srgbClr val="000000"/>
                   </a:solidFill>
@@ -3091,7 +3093,7 @@
             </a:ln>
             <a:extLst>
               <a:ext uri="{91240B29-F687-4f45-9708-019B960494DF}">
-                <a14:hiddenLine xmlns:a14="http://schemas.microsoft.com/office/drawing/2010/main" xmlns="" w="9525">
+                <a14:hiddenLine xmlns="" xmlns:a14="http://schemas.microsoft.com/office/drawing/2010/main" w="9525">
                   <a:solidFill>
                     <a:srgbClr val="000000"/>
                   </a:solidFill>
@@ -3181,7 +3183,7 @@
             </a:ln>
             <a:extLst>
               <a:ext uri="{91240B29-F687-4f45-9708-019B960494DF}">
-                <a14:hiddenLine xmlns:a14="http://schemas.microsoft.com/office/drawing/2010/main" xmlns="" w="9525">
+                <a14:hiddenLine xmlns="" xmlns:a14="http://schemas.microsoft.com/office/drawing/2010/main" w="9525">
                   <a:solidFill>
                     <a:srgbClr val="000000"/>
                   </a:solidFill>
@@ -3215,7 +3217,7 @@
             </a:ln>
             <a:extLst>
               <a:ext uri="{91240B29-F687-4f45-9708-019B960494DF}">
-                <a14:hiddenLine xmlns:a14="http://schemas.microsoft.com/office/drawing/2010/main" xmlns="" w="9525">
+                <a14:hiddenLine xmlns="" xmlns:a14="http://schemas.microsoft.com/office/drawing/2010/main" w="9525">
                   <a:solidFill>
                     <a:srgbClr val="000000"/>
                   </a:solidFill>
@@ -3280,7 +3282,7 @@
             </a:ln>
             <a:extLst>
               <a:ext uri="{91240B29-F687-4f45-9708-019B960494DF}">
-                <a14:hiddenLine xmlns:a14="http://schemas.microsoft.com/office/drawing/2010/main" xmlns="" w="9525">
+                <a14:hiddenLine xmlns="" xmlns:a14="http://schemas.microsoft.com/office/drawing/2010/main" w="9525">
                   <a:solidFill>
                     <a:srgbClr val="000000"/>
                   </a:solidFill>
@@ -3370,7 +3372,7 @@
             </a:ln>
             <a:extLst>
               <a:ext uri="{91240B29-F687-4f45-9708-019B960494DF}">
-                <a14:hiddenLine xmlns:a14="http://schemas.microsoft.com/office/drawing/2010/main" xmlns="" w="9525">
+                <a14:hiddenLine xmlns="" xmlns:a14="http://schemas.microsoft.com/office/drawing/2010/main" w="9525">
                   <a:solidFill>
                     <a:srgbClr val="000000"/>
                   </a:solidFill>
@@ -3432,7 +3434,7 @@
             </a:ln>
             <a:extLst>
               <a:ext uri="{91240B29-F687-4f45-9708-019B960494DF}">
-                <a14:hiddenLine xmlns:a14="http://schemas.microsoft.com/office/drawing/2010/main" xmlns="" w="9525">
+                <a14:hiddenLine xmlns="" xmlns:a14="http://schemas.microsoft.com/office/drawing/2010/main" w="9525">
                   <a:solidFill>
                     <a:srgbClr val="000000"/>
                   </a:solidFill>
@@ -3522,7 +3524,7 @@
             </a:ln>
             <a:extLst>
               <a:ext uri="{91240B29-F687-4f45-9708-019B960494DF}">
-                <a14:hiddenLine xmlns:a14="http://schemas.microsoft.com/office/drawing/2010/main" xmlns="" w="9525">
+                <a14:hiddenLine xmlns="" xmlns:a14="http://schemas.microsoft.com/office/drawing/2010/main" w="9525">
                   <a:solidFill>
                     <a:srgbClr val="000000"/>
                   </a:solidFill>
@@ -3612,7 +3614,7 @@
             </a:ln>
             <a:extLst>
               <a:ext uri="{91240B29-F687-4f45-9708-019B960494DF}">
-                <a14:hiddenLine xmlns:a14="http://schemas.microsoft.com/office/drawing/2010/main" xmlns="" w="9525">
+                <a14:hiddenLine xmlns="" xmlns:a14="http://schemas.microsoft.com/office/drawing/2010/main" w="9525">
                   <a:solidFill>
                     <a:srgbClr val="000000"/>
                   </a:solidFill>
@@ -3677,7 +3679,7 @@
             </a:ln>
             <a:extLst>
               <a:ext uri="{91240B29-F687-4f45-9708-019B960494DF}">
-                <a14:hiddenLine xmlns:a14="http://schemas.microsoft.com/office/drawing/2010/main" xmlns="" w="9525">
+                <a14:hiddenLine xmlns="" xmlns:a14="http://schemas.microsoft.com/office/drawing/2010/main" w="9525">
                   <a:solidFill>
                     <a:srgbClr val="000000"/>
                   </a:solidFill>
@@ -3739,7 +3741,7 @@
             </a:ln>
             <a:extLst>
               <a:ext uri="{91240B29-F687-4f45-9708-019B960494DF}">
-                <a14:hiddenLine xmlns:a14="http://schemas.microsoft.com/office/drawing/2010/main" xmlns="" w="9525">
+                <a14:hiddenLine xmlns="" xmlns:a14="http://schemas.microsoft.com/office/drawing/2010/main" w="9525">
                   <a:solidFill>
                     <a:srgbClr val="000000"/>
                   </a:solidFill>
@@ -3829,7 +3831,7 @@
             </a:ln>
             <a:extLst>
               <a:ext uri="{91240B29-F687-4f45-9708-019B960494DF}">
-                <a14:hiddenLine xmlns:a14="http://schemas.microsoft.com/office/drawing/2010/main" xmlns="" w="9525">
+                <a14:hiddenLine xmlns="" xmlns:a14="http://schemas.microsoft.com/office/drawing/2010/main" w="9525">
                   <a:solidFill>
                     <a:srgbClr val="000000"/>
                   </a:solidFill>
@@ -3919,7 +3921,7 @@
             </a:ln>
             <a:extLst>
               <a:ext uri="{91240B29-F687-4f45-9708-019B960494DF}">
-                <a14:hiddenLine xmlns:a14="http://schemas.microsoft.com/office/drawing/2010/main" xmlns="" w="9525">
+                <a14:hiddenLine xmlns="" xmlns:a14="http://schemas.microsoft.com/office/drawing/2010/main" w="9525">
                   <a:solidFill>
                     <a:srgbClr val="000000"/>
                   </a:solidFill>
@@ -3981,7 +3983,7 @@
             </a:ln>
             <a:extLst>
               <a:ext uri="{91240B29-F687-4f45-9708-019B960494DF}">
-                <a14:hiddenLine xmlns:a14="http://schemas.microsoft.com/office/drawing/2010/main" xmlns="" w="9525">
+                <a14:hiddenLine xmlns="" xmlns:a14="http://schemas.microsoft.com/office/drawing/2010/main" w="9525">
                   <a:solidFill>
                     <a:srgbClr val="000000"/>
                   </a:solidFill>
@@ -4101,7 +4103,7 @@
             </a:ln>
             <a:extLst>
               <a:ext uri="{91240B29-F687-4f45-9708-019B960494DF}">
-                <a14:hiddenLine xmlns:a14="http://schemas.microsoft.com/office/drawing/2010/main" xmlns="" w="9525">
+                <a14:hiddenLine xmlns="" xmlns:a14="http://schemas.microsoft.com/office/drawing/2010/main" w="9525">
                   <a:solidFill>
                     <a:srgbClr val="000000"/>
                   </a:solidFill>
@@ -4169,7 +4171,7 @@
             </a:ln>
             <a:extLst>
               <a:ext uri="{91240B29-F687-4f45-9708-019B960494DF}">
-                <a14:hiddenLine xmlns:a14="http://schemas.microsoft.com/office/drawing/2010/main" xmlns="" w="9525">
+                <a14:hiddenLine xmlns="" xmlns:a14="http://schemas.microsoft.com/office/drawing/2010/main" w="9525">
                   <a:solidFill>
                     <a:srgbClr val="000000"/>
                   </a:solidFill>
@@ -4259,7 +4261,7 @@
             </a:ln>
             <a:extLst>
               <a:ext uri="{91240B29-F687-4f45-9708-019B960494DF}">
-                <a14:hiddenLine xmlns:a14="http://schemas.microsoft.com/office/drawing/2010/main" xmlns="" w="9525">
+                <a14:hiddenLine xmlns="" xmlns:a14="http://schemas.microsoft.com/office/drawing/2010/main" w="9525">
                   <a:solidFill>
                     <a:srgbClr val="000000"/>
                   </a:solidFill>
@@ -4399,7 +4401,7 @@
           <a:p>
             <a:fld id="{FBA01FE2-1031-B943-BABC-7A6E3F1E80D7}" type="datetimeFigureOut">
               <a:rPr lang="en-US" smtClean="0"/>
-              <a:t>12/13/18</a:t>
+              <a:t>12/14/18</a:t>
             </a:fld>
             <a:endParaRPr lang="en-US"/>
           </a:p>
@@ -4666,7 +4668,7 @@
           <a:p>
             <a:fld id="{FBA01FE2-1031-B943-BABC-7A6E3F1E80D7}" type="datetimeFigureOut">
               <a:rPr lang="en-US" smtClean="0"/>
-              <a:t>12/13/18</a:t>
+              <a:t>12/14/18</a:t>
             </a:fld>
             <a:endParaRPr lang="en-US"/>
           </a:p>
@@ -4862,7 +4864,7 @@
           <a:p>
             <a:fld id="{FBA01FE2-1031-B943-BABC-7A6E3F1E80D7}" type="datetimeFigureOut">
               <a:rPr lang="en-US" smtClean="0"/>
-              <a:t>12/13/18</a:t>
+              <a:t>12/14/18</a:t>
             </a:fld>
             <a:endParaRPr lang="en-US"/>
           </a:p>
@@ -5125,7 +5127,7 @@
           <a:p>
             <a:fld id="{FBA01FE2-1031-B943-BABC-7A6E3F1E80D7}" type="datetimeFigureOut">
               <a:rPr lang="en-US" smtClean="0"/>
-              <a:t>12/13/18</a:t>
+              <a:t>12/14/18</a:t>
             </a:fld>
             <a:endParaRPr lang="en-US"/>
           </a:p>
@@ -5559,7 +5561,7 @@
           <a:p>
             <a:fld id="{FBA01FE2-1031-B943-BABC-7A6E3F1E80D7}" type="datetimeFigureOut">
               <a:rPr lang="en-US" smtClean="0"/>
-              <a:t>12/13/18</a:t>
+              <a:t>12/14/18</a:t>
             </a:fld>
             <a:endParaRPr lang="en-US"/>
           </a:p>
@@ -6105,7 +6107,7 @@
           <a:p>
             <a:fld id="{FBA01FE2-1031-B943-BABC-7A6E3F1E80D7}" type="datetimeFigureOut">
               <a:rPr lang="en-US" smtClean="0"/>
-              <a:t>12/13/18</a:t>
+              <a:t>12/14/18</a:t>
             </a:fld>
             <a:endParaRPr lang="en-US"/>
           </a:p>
@@ -6825,7 +6827,7 @@
           <a:p>
             <a:fld id="{FBA01FE2-1031-B943-BABC-7A6E3F1E80D7}" type="datetimeFigureOut">
               <a:rPr lang="en-US" smtClean="0"/>
-              <a:t>12/13/18</a:t>
+              <a:t>12/14/18</a:t>
             </a:fld>
             <a:endParaRPr lang="en-US"/>
           </a:p>
@@ -6995,7 +6997,7 @@
           <a:p>
             <a:fld id="{FBA01FE2-1031-B943-BABC-7A6E3F1E80D7}" type="datetimeFigureOut">
               <a:rPr lang="en-US" smtClean="0"/>
-              <a:t>12/13/18</a:t>
+              <a:t>12/14/18</a:t>
             </a:fld>
             <a:endParaRPr lang="en-US"/>
           </a:p>
@@ -7175,7 +7177,7 @@
           <a:p>
             <a:fld id="{FBA01FE2-1031-B943-BABC-7A6E3F1E80D7}" type="datetimeFigureOut">
               <a:rPr lang="en-US" smtClean="0"/>
-              <a:t>12/13/18</a:t>
+              <a:t>12/14/18</a:t>
             </a:fld>
             <a:endParaRPr lang="en-US"/>
           </a:p>
@@ -7345,7 +7347,7 @@
           <a:p>
             <a:fld id="{FBA01FE2-1031-B943-BABC-7A6E3F1E80D7}" type="datetimeFigureOut">
               <a:rPr lang="en-US" smtClean="0"/>
-              <a:t>12/13/18</a:t>
+              <a:t>12/14/18</a:t>
             </a:fld>
             <a:endParaRPr lang="en-US"/>
           </a:p>
@@ -7595,7 +7597,7 @@
           <a:p>
             <a:fld id="{FBA01FE2-1031-B943-BABC-7A6E3F1E80D7}" type="datetimeFigureOut">
               <a:rPr lang="en-US" smtClean="0"/>
-              <a:t>12/13/18</a:t>
+              <a:t>12/14/18</a:t>
             </a:fld>
             <a:endParaRPr lang="en-US"/>
           </a:p>
@@ -7827,7 +7829,7 @@
           <a:p>
             <a:fld id="{FBA01FE2-1031-B943-BABC-7A6E3F1E80D7}" type="datetimeFigureOut">
               <a:rPr lang="en-US" smtClean="0"/>
-              <a:t>12/13/18</a:t>
+              <a:t>12/14/18</a:t>
             </a:fld>
             <a:endParaRPr lang="en-US"/>
           </a:p>
@@ -8208,7 +8210,7 @@
           <a:p>
             <a:fld id="{FBA01FE2-1031-B943-BABC-7A6E3F1E80D7}" type="datetimeFigureOut">
               <a:rPr lang="en-US" smtClean="0"/>
-              <a:t>12/13/18</a:t>
+              <a:t>12/14/18</a:t>
             </a:fld>
             <a:endParaRPr lang="en-US"/>
           </a:p>
@@ -8326,7 +8328,7 @@
           <a:p>
             <a:fld id="{FBA01FE2-1031-B943-BABC-7A6E3F1E80D7}" type="datetimeFigureOut">
               <a:rPr lang="en-US" smtClean="0"/>
-              <a:t>12/13/18</a:t>
+              <a:t>12/14/18</a:t>
             </a:fld>
             <a:endParaRPr lang="en-US"/>
           </a:p>
@@ -8421,7 +8423,7 @@
           <a:p>
             <a:fld id="{FBA01FE2-1031-B943-BABC-7A6E3F1E80D7}" type="datetimeFigureOut">
               <a:rPr lang="en-US" smtClean="0"/>
-              <a:t>12/13/18</a:t>
+              <a:t>12/14/18</a:t>
             </a:fld>
             <a:endParaRPr lang="en-US"/>
           </a:p>
@@ -8670,7 +8672,7 @@
           <a:p>
             <a:fld id="{FBA01FE2-1031-B943-BABC-7A6E3F1E80D7}" type="datetimeFigureOut">
               <a:rPr lang="en-US" smtClean="0"/>
-              <a:t>12/13/18</a:t>
+              <a:t>12/14/18</a:t>
             </a:fld>
             <a:endParaRPr lang="en-US"/>
           </a:p>
@@ -8950,7 +8952,7 @@
           <a:p>
             <a:fld id="{FBA01FE2-1031-B943-BABC-7A6E3F1E80D7}" type="datetimeFigureOut">
               <a:rPr lang="en-US" smtClean="0"/>
-              <a:t>12/13/18</a:t>
+              <a:t>12/14/18</a:t>
             </a:fld>
             <a:endParaRPr lang="en-US"/>
           </a:p>
@@ -9073,7 +9075,7 @@
           <a:noFill/>
           <a:extLst>
             <a:ext uri="{909E8E84-426E-40dd-AFC4-6F175D3DCCD1}">
-              <a14:hiddenFill xmlns:a14="http://schemas.microsoft.com/office/drawing/2010/main" xmlns="">
+              <a14:hiddenFill xmlns="" xmlns:a14="http://schemas.microsoft.com/office/drawing/2010/main">
                 <a:solidFill>
                   <a:srgbClr val="FFFFFF"/>
                 </a:solidFill>
@@ -9147,7 +9149,7 @@
               </a:ln>
               <a:extLst>
                 <a:ext uri="{91240B29-F687-4f45-9708-019B960494DF}">
-                  <a14:hiddenLine xmlns:a14="http://schemas.microsoft.com/office/drawing/2010/main" xmlns="" w="9525">
+                  <a14:hiddenLine xmlns="" xmlns:a14="http://schemas.microsoft.com/office/drawing/2010/main" w="9525">
                     <a:solidFill>
                       <a:srgbClr val="000000"/>
                     </a:solidFill>
@@ -9237,7 +9239,7 @@
               </a:ln>
               <a:extLst>
                 <a:ext uri="{91240B29-F687-4f45-9708-019B960494DF}">
-                  <a14:hiddenLine xmlns:a14="http://schemas.microsoft.com/office/drawing/2010/main" xmlns="" w="9525">
+                  <a14:hiddenLine xmlns="" xmlns:a14="http://schemas.microsoft.com/office/drawing/2010/main" w="9525">
                     <a:solidFill>
                       <a:srgbClr val="000000"/>
                     </a:solidFill>
@@ -9327,7 +9329,7 @@
               </a:ln>
               <a:extLst>
                 <a:ext uri="{91240B29-F687-4f45-9708-019B960494DF}">
-                  <a14:hiddenLine xmlns:a14="http://schemas.microsoft.com/office/drawing/2010/main" xmlns="" w="9525">
+                  <a14:hiddenLine xmlns="" xmlns:a14="http://schemas.microsoft.com/office/drawing/2010/main" w="9525">
                     <a:solidFill>
                       <a:srgbClr val="000000"/>
                     </a:solidFill>
@@ -9389,7 +9391,7 @@
               </a:ln>
               <a:extLst>
                 <a:ext uri="{91240B29-F687-4f45-9708-019B960494DF}">
-                  <a14:hiddenLine xmlns:a14="http://schemas.microsoft.com/office/drawing/2010/main" xmlns="" w="9525">
+                  <a14:hiddenLine xmlns="" xmlns:a14="http://schemas.microsoft.com/office/drawing/2010/main" w="9525">
                     <a:solidFill>
                       <a:srgbClr val="000000"/>
                     </a:solidFill>
@@ -9479,7 +9481,7 @@
               </a:ln>
               <a:extLst>
                 <a:ext uri="{91240B29-F687-4f45-9708-019B960494DF}">
-                  <a14:hiddenLine xmlns:a14="http://schemas.microsoft.com/office/drawing/2010/main" xmlns="" w="9525">
+                  <a14:hiddenLine xmlns="" xmlns:a14="http://schemas.microsoft.com/office/drawing/2010/main" w="9525">
                     <a:solidFill>
                       <a:srgbClr val="000000"/>
                     </a:solidFill>
@@ -9541,7 +9543,7 @@
               </a:ln>
               <a:extLst>
                 <a:ext uri="{91240B29-F687-4f45-9708-019B960494DF}">
-                  <a14:hiddenLine xmlns:a14="http://schemas.microsoft.com/office/drawing/2010/main" xmlns="" w="9525">
+                  <a14:hiddenLine xmlns="" xmlns:a14="http://schemas.microsoft.com/office/drawing/2010/main" w="9525">
                     <a:solidFill>
                       <a:srgbClr val="000000"/>
                     </a:solidFill>
@@ -9603,7 +9605,7 @@
               </a:ln>
               <a:extLst>
                 <a:ext uri="{91240B29-F687-4f45-9708-019B960494DF}">
-                  <a14:hiddenLine xmlns:a14="http://schemas.microsoft.com/office/drawing/2010/main" xmlns="" w="9525">
+                  <a14:hiddenLine xmlns="" xmlns:a14="http://schemas.microsoft.com/office/drawing/2010/main" w="9525">
                     <a:solidFill>
                       <a:srgbClr val="000000"/>
                     </a:solidFill>
@@ -9693,7 +9695,7 @@
               </a:ln>
               <a:extLst>
                 <a:ext uri="{91240B29-F687-4f45-9708-019B960494DF}">
-                  <a14:hiddenLine xmlns:a14="http://schemas.microsoft.com/office/drawing/2010/main" xmlns="" w="9525">
+                  <a14:hiddenLine xmlns="" xmlns:a14="http://schemas.microsoft.com/office/drawing/2010/main" w="9525">
                     <a:solidFill>
                       <a:srgbClr val="000000"/>
                     </a:solidFill>
@@ -9783,7 +9785,7 @@
               </a:ln>
               <a:extLst>
                 <a:ext uri="{91240B29-F687-4f45-9708-019B960494DF}">
-                  <a14:hiddenLine xmlns:a14="http://schemas.microsoft.com/office/drawing/2010/main" xmlns="" w="9525">
+                  <a14:hiddenLine xmlns="" xmlns:a14="http://schemas.microsoft.com/office/drawing/2010/main" w="9525">
                     <a:solidFill>
                       <a:srgbClr val="000000"/>
                     </a:solidFill>
@@ -9845,7 +9847,7 @@
               </a:ln>
               <a:extLst>
                 <a:ext uri="{91240B29-F687-4f45-9708-019B960494DF}">
-                  <a14:hiddenLine xmlns:a14="http://schemas.microsoft.com/office/drawing/2010/main" xmlns="" w="9525">
+                  <a14:hiddenLine xmlns="" xmlns:a14="http://schemas.microsoft.com/office/drawing/2010/main" w="9525">
                     <a:solidFill>
                       <a:srgbClr val="000000"/>
                     </a:solidFill>
@@ -9955,7 +9957,7 @@
               </a:ln>
               <a:extLst>
                 <a:ext uri="{91240B29-F687-4f45-9708-019B960494DF}">
-                  <a14:hiddenLine xmlns:a14="http://schemas.microsoft.com/office/drawing/2010/main" xmlns="" w="9525">
+                  <a14:hiddenLine xmlns="" xmlns:a14="http://schemas.microsoft.com/office/drawing/2010/main" w="9525">
                     <a:solidFill>
                       <a:srgbClr val="000000"/>
                     </a:solidFill>
@@ -10039,7 +10041,7 @@
               </a:ln>
               <a:extLst>
                 <a:ext uri="{91240B29-F687-4f45-9708-019B960494DF}">
-                  <a14:hiddenLine xmlns:a14="http://schemas.microsoft.com/office/drawing/2010/main" xmlns="" w="9525">
+                  <a14:hiddenLine xmlns="" xmlns:a14="http://schemas.microsoft.com/office/drawing/2010/main" w="9525">
                     <a:solidFill>
                       <a:srgbClr val="000000"/>
                     </a:solidFill>
@@ -10101,7 +10103,7 @@
               </a:ln>
               <a:extLst>
                 <a:ext uri="{91240B29-F687-4f45-9708-019B960494DF}">
-                  <a14:hiddenLine xmlns:a14="http://schemas.microsoft.com/office/drawing/2010/main" xmlns="" w="9525">
+                  <a14:hiddenLine xmlns="" xmlns:a14="http://schemas.microsoft.com/office/drawing/2010/main" w="9525">
                     <a:solidFill>
                       <a:srgbClr val="000000"/>
                     </a:solidFill>
@@ -10163,7 +10165,7 @@
               </a:ln>
               <a:extLst>
                 <a:ext uri="{91240B29-F687-4f45-9708-019B960494DF}">
-                  <a14:hiddenLine xmlns:a14="http://schemas.microsoft.com/office/drawing/2010/main" xmlns="" w="9525">
+                  <a14:hiddenLine xmlns="" xmlns:a14="http://schemas.microsoft.com/office/drawing/2010/main" w="9525">
                     <a:solidFill>
                       <a:srgbClr val="000000"/>
                     </a:solidFill>
@@ -10253,7 +10255,7 @@
               </a:ln>
               <a:extLst>
                 <a:ext uri="{91240B29-F687-4f45-9708-019B960494DF}">
-                  <a14:hiddenLine xmlns:a14="http://schemas.microsoft.com/office/drawing/2010/main" xmlns="" w="9525">
+                  <a14:hiddenLine xmlns="" xmlns:a14="http://schemas.microsoft.com/office/drawing/2010/main" w="9525">
                     <a:solidFill>
                       <a:srgbClr val="000000"/>
                     </a:solidFill>
@@ -10287,7 +10289,7 @@
               </a:ln>
               <a:extLst>
                 <a:ext uri="{91240B29-F687-4f45-9708-019B960494DF}">
-                  <a14:hiddenLine xmlns:a14="http://schemas.microsoft.com/office/drawing/2010/main" xmlns="" w="9525">
+                  <a14:hiddenLine xmlns="" xmlns:a14="http://schemas.microsoft.com/office/drawing/2010/main" w="9525">
                     <a:solidFill>
                       <a:srgbClr val="000000"/>
                     </a:solidFill>
@@ -10352,7 +10354,7 @@
               </a:ln>
               <a:extLst>
                 <a:ext uri="{91240B29-F687-4f45-9708-019B960494DF}">
-                  <a14:hiddenLine xmlns:a14="http://schemas.microsoft.com/office/drawing/2010/main" xmlns="" w="9525">
+                  <a14:hiddenLine xmlns="" xmlns:a14="http://schemas.microsoft.com/office/drawing/2010/main" w="9525">
                     <a:solidFill>
                       <a:srgbClr val="000000"/>
                     </a:solidFill>
@@ -10442,7 +10444,7 @@
               </a:ln>
               <a:extLst>
                 <a:ext uri="{91240B29-F687-4f45-9708-019B960494DF}">
-                  <a14:hiddenLine xmlns:a14="http://schemas.microsoft.com/office/drawing/2010/main" xmlns="" w="9525">
+                  <a14:hiddenLine xmlns="" xmlns:a14="http://schemas.microsoft.com/office/drawing/2010/main" w="9525">
                     <a:solidFill>
                       <a:srgbClr val="000000"/>
                     </a:solidFill>
@@ -10504,7 +10506,7 @@
               </a:ln>
               <a:extLst>
                 <a:ext uri="{91240B29-F687-4f45-9708-019B960494DF}">
-                  <a14:hiddenLine xmlns:a14="http://schemas.microsoft.com/office/drawing/2010/main" xmlns="" w="9525">
+                  <a14:hiddenLine xmlns="" xmlns:a14="http://schemas.microsoft.com/office/drawing/2010/main" w="9525">
                     <a:solidFill>
                       <a:srgbClr val="000000"/>
                     </a:solidFill>
@@ -10594,7 +10596,7 @@
               </a:ln>
               <a:extLst>
                 <a:ext uri="{91240B29-F687-4f45-9708-019B960494DF}">
-                  <a14:hiddenLine xmlns:a14="http://schemas.microsoft.com/office/drawing/2010/main" xmlns="" w="9525">
+                  <a14:hiddenLine xmlns="" xmlns:a14="http://schemas.microsoft.com/office/drawing/2010/main" w="9525">
                     <a:solidFill>
                       <a:srgbClr val="000000"/>
                     </a:solidFill>
@@ -10659,7 +10661,7 @@
               </a:ln>
               <a:extLst>
                 <a:ext uri="{91240B29-F687-4f45-9708-019B960494DF}">
-                  <a14:hiddenLine xmlns:a14="http://schemas.microsoft.com/office/drawing/2010/main" xmlns="" w="9525">
+                  <a14:hiddenLine xmlns="" xmlns:a14="http://schemas.microsoft.com/office/drawing/2010/main" w="9525">
                     <a:solidFill>
                       <a:srgbClr val="000000"/>
                     </a:solidFill>
@@ -10721,7 +10723,7 @@
               </a:ln>
               <a:extLst>
                 <a:ext uri="{91240B29-F687-4f45-9708-019B960494DF}">
-                  <a14:hiddenLine xmlns:a14="http://schemas.microsoft.com/office/drawing/2010/main" xmlns="" w="9525">
+                  <a14:hiddenLine xmlns="" xmlns:a14="http://schemas.microsoft.com/office/drawing/2010/main" w="9525">
                     <a:solidFill>
                       <a:srgbClr val="000000"/>
                     </a:solidFill>
@@ -10811,7 +10813,7 @@
               </a:ln>
               <a:extLst>
                 <a:ext uri="{91240B29-F687-4f45-9708-019B960494DF}">
-                  <a14:hiddenLine xmlns:a14="http://schemas.microsoft.com/office/drawing/2010/main" xmlns="" w="9525">
+                  <a14:hiddenLine xmlns="" xmlns:a14="http://schemas.microsoft.com/office/drawing/2010/main" w="9525">
                     <a:solidFill>
                       <a:srgbClr val="000000"/>
                     </a:solidFill>
@@ -10901,7 +10903,7 @@
               </a:ln>
               <a:extLst>
                 <a:ext uri="{91240B29-F687-4f45-9708-019B960494DF}">
-                  <a14:hiddenLine xmlns:a14="http://schemas.microsoft.com/office/drawing/2010/main" xmlns="" w="9525">
+                  <a14:hiddenLine xmlns="" xmlns:a14="http://schemas.microsoft.com/office/drawing/2010/main" w="9525">
                     <a:solidFill>
                       <a:srgbClr val="000000"/>
                     </a:solidFill>
@@ -10966,7 +10968,7 @@
               </a:ln>
               <a:extLst>
                 <a:ext uri="{91240B29-F687-4f45-9708-019B960494DF}">
-                  <a14:hiddenLine xmlns:a14="http://schemas.microsoft.com/office/drawing/2010/main" xmlns="" w="9525">
+                  <a14:hiddenLine xmlns="" xmlns:a14="http://schemas.microsoft.com/office/drawing/2010/main" w="9525">
                     <a:solidFill>
                       <a:srgbClr val="000000"/>
                     </a:solidFill>
@@ -11086,7 +11088,7 @@
               </a:ln>
               <a:extLst>
                 <a:ext uri="{91240B29-F687-4f45-9708-019B960494DF}">
-                  <a14:hiddenLine xmlns:a14="http://schemas.microsoft.com/office/drawing/2010/main" xmlns="" w="9525">
+                  <a14:hiddenLine xmlns="" xmlns:a14="http://schemas.microsoft.com/office/drawing/2010/main" w="9525">
                     <a:solidFill>
                       <a:srgbClr val="000000"/>
                     </a:solidFill>
@@ -11167,7 +11169,7 @@
               </a:ln>
               <a:extLst>
                 <a:ext uri="{91240B29-F687-4f45-9708-019B960494DF}">
-                  <a14:hiddenLine xmlns:a14="http://schemas.microsoft.com/office/drawing/2010/main" xmlns="" w="9525">
+                  <a14:hiddenLine xmlns="" xmlns:a14="http://schemas.microsoft.com/office/drawing/2010/main" w="9525">
                     <a:solidFill>
                       <a:srgbClr val="000000"/>
                     </a:solidFill>
@@ -11282,7 +11284,7 @@
               </a:ln>
               <a:extLst>
                 <a:ext uri="{91240B29-F687-4f45-9708-019B960494DF}">
-                  <a14:hiddenLine xmlns:a14="http://schemas.microsoft.com/office/drawing/2010/main" xmlns="" w="9525">
+                  <a14:hiddenLine xmlns="" xmlns:a14="http://schemas.microsoft.com/office/drawing/2010/main" w="9525">
                     <a:solidFill>
                       <a:srgbClr val="000000"/>
                     </a:solidFill>
@@ -11372,7 +11374,7 @@
               </a:ln>
               <a:extLst>
                 <a:ext uri="{91240B29-F687-4f45-9708-019B960494DF}">
-                  <a14:hiddenLine xmlns:a14="http://schemas.microsoft.com/office/drawing/2010/main" xmlns="" w="9525">
+                  <a14:hiddenLine xmlns="" xmlns:a14="http://schemas.microsoft.com/office/drawing/2010/main" w="9525">
                     <a:solidFill>
                       <a:srgbClr val="000000"/>
                     </a:solidFill>
@@ -11437,7 +11439,7 @@
               </a:ln>
               <a:extLst>
                 <a:ext uri="{91240B29-F687-4f45-9708-019B960494DF}">
-                  <a14:hiddenLine xmlns:a14="http://schemas.microsoft.com/office/drawing/2010/main" xmlns="" w="9525">
+                  <a14:hiddenLine xmlns="" xmlns:a14="http://schemas.microsoft.com/office/drawing/2010/main" w="9525">
                     <a:solidFill>
                       <a:srgbClr val="000000"/>
                     </a:solidFill>
@@ -11527,7 +11529,7 @@
               </a:ln>
               <a:extLst>
                 <a:ext uri="{91240B29-F687-4f45-9708-019B960494DF}">
-                  <a14:hiddenLine xmlns:a14="http://schemas.microsoft.com/office/drawing/2010/main" xmlns="" w="9525">
+                  <a14:hiddenLine xmlns="" xmlns:a14="http://schemas.microsoft.com/office/drawing/2010/main" w="9525">
                     <a:solidFill>
                       <a:srgbClr val="000000"/>
                     </a:solidFill>
@@ -11595,7 +11597,7 @@
               </a:ln>
               <a:extLst>
                 <a:ext uri="{91240B29-F687-4f45-9708-019B960494DF}">
-                  <a14:hiddenLine xmlns:a14="http://schemas.microsoft.com/office/drawing/2010/main" xmlns="" w="9525">
+                  <a14:hiddenLine xmlns="" xmlns:a14="http://schemas.microsoft.com/office/drawing/2010/main" w="9525">
                     <a:solidFill>
                       <a:srgbClr val="000000"/>
                     </a:solidFill>
@@ -11685,7 +11687,7 @@
               </a:ln>
               <a:extLst>
                 <a:ext uri="{91240B29-F687-4f45-9708-019B960494DF}">
-                  <a14:hiddenLine xmlns:a14="http://schemas.microsoft.com/office/drawing/2010/main" xmlns="" w="9525">
+                  <a14:hiddenLine xmlns="" xmlns:a14="http://schemas.microsoft.com/office/drawing/2010/main" w="9525">
                     <a:solidFill>
                       <a:srgbClr val="000000"/>
                     </a:solidFill>
@@ -11753,7 +11755,7 @@
               </a:ln>
               <a:extLst>
                 <a:ext uri="{91240B29-F687-4f45-9708-019B960494DF}">
-                  <a14:hiddenLine xmlns:a14="http://schemas.microsoft.com/office/drawing/2010/main" xmlns="" w="9525">
+                  <a14:hiddenLine xmlns="" xmlns:a14="http://schemas.microsoft.com/office/drawing/2010/main" w="9525">
                     <a:solidFill>
                       <a:srgbClr val="000000"/>
                     </a:solidFill>
@@ -11843,7 +11845,7 @@
               </a:ln>
               <a:extLst>
                 <a:ext uri="{91240B29-F687-4f45-9708-019B960494DF}">
-                  <a14:hiddenLine xmlns:a14="http://schemas.microsoft.com/office/drawing/2010/main" xmlns="" w="9525">
+                  <a14:hiddenLine xmlns="" xmlns:a14="http://schemas.microsoft.com/office/drawing/2010/main" w="9525">
                     <a:solidFill>
                       <a:srgbClr val="000000"/>
                     </a:solidFill>
@@ -11877,7 +11879,7 @@
               </a:ln>
               <a:extLst>
                 <a:ext uri="{91240B29-F687-4f45-9708-019B960494DF}">
-                  <a14:hiddenLine xmlns:a14="http://schemas.microsoft.com/office/drawing/2010/main" xmlns="" w="9525">
+                  <a14:hiddenLine xmlns="" xmlns:a14="http://schemas.microsoft.com/office/drawing/2010/main" w="9525">
                     <a:solidFill>
                       <a:srgbClr val="000000"/>
                     </a:solidFill>
@@ -12017,7 +12019,7 @@
           <a:p>
             <a:fld id="{FBA01FE2-1031-B943-BABC-7A6E3F1E80D7}" type="datetimeFigureOut">
               <a:rPr lang="en-US" smtClean="0"/>
-              <a:t>12/13/18</a:t>
+              <a:t>12/14/18</a:t>
             </a:fld>
             <a:endParaRPr lang="en-US"/>
           </a:p>
@@ -12453,20 +12455,27 @@
             <p:ph type="ctrTitle"/>
           </p:nvPr>
         </p:nvSpPr>
-        <p:spPr/>
+        <p:spPr>
+          <a:xfrm>
+            <a:off x="2390780" y="1122363"/>
+            <a:ext cx="8791575" cy="2387600"/>
+          </a:xfrm>
+        </p:spPr>
         <p:txBody>
-          <a:bodyPr/>
+          <a:bodyPr>
+            <a:normAutofit/>
+          </a:bodyPr>
           <a:lstStyle/>
           <a:p>
             <a:r>
-              <a:rPr lang="en-US"/>
-              <a:t>Project - </a:t>
+              <a:rPr lang="en-US" sz="6000" dirty="0"/>
+              <a:t>Project – </a:t>
             </a:r>
             <a:r>
-              <a:rPr lang="en-US" dirty="0" err="1"/>
+              <a:rPr lang="en-US" sz="6000" dirty="0" err="1"/>
               <a:t>Srgan</a:t>
             </a:r>
-            <a:endParaRPr lang="en-US" dirty="0"/>
+            <a:endParaRPr lang="en-US" sz="6000" dirty="0"/>
           </a:p>
         </p:txBody>
       </p:sp>
@@ -12486,26 +12495,33 @@
             <p:ph type="subTitle" idx="1"/>
           </p:nvPr>
         </p:nvSpPr>
-        <p:spPr/>
+        <p:spPr>
+          <a:xfrm>
+            <a:off x="2962264" y="4945059"/>
+            <a:ext cx="3224213" cy="1655762"/>
+          </a:xfrm>
+        </p:spPr>
         <p:txBody>
-          <a:bodyPr/>
+          <a:bodyPr>
+            <a:normAutofit/>
+          </a:bodyPr>
           <a:lstStyle/>
           <a:p>
             <a:r>
-              <a:rPr lang="en-US" dirty="0"/>
+              <a:rPr lang="en-US" sz="2400" dirty="0"/>
               <a:t>December, 14</a:t>
             </a:r>
             <a:r>
-              <a:rPr lang="en-US" baseline="30000" dirty="0"/>
+              <a:rPr lang="en-US" sz="2400" baseline="30000" dirty="0"/>
               <a:t>th</a:t>
             </a:r>
             <a:r>
-              <a:rPr lang="en-US" dirty="0"/>
+              <a:rPr lang="en-US" sz="2400" dirty="0"/>
               <a:t>, 2018</a:t>
             </a:r>
           </a:p>
           <a:p>
-            <a:endParaRPr lang="en-US" dirty="0"/>
+            <a:endParaRPr lang="en-US" sz="2400" dirty="0"/>
           </a:p>
         </p:txBody>
       </p:sp>
@@ -12605,27 +12621,12 @@
           <a:p>
             <a:pPr>
               <a:lnSpc>
-                <a:spcPct val="130000"/>
+                <a:spcPct val="200000"/>
               </a:lnSpc>
               <a:buSzPct val="100000"/>
             </a:pPr>
             <a:r>
-              <a:rPr lang="en-US" altLang="ko-KR" sz="2800" dirty="0">
-                <a:latin typeface="Arial" panose="020B0604020202020204" pitchFamily="34" charset="0"/>
-                <a:cs typeface="Arial" panose="020B0604020202020204" pitchFamily="34" charset="0"/>
-              </a:rPr>
-              <a:t>Hello world</a:t>
-            </a:r>
-          </a:p>
-          <a:p>
-            <a:pPr>
-              <a:lnSpc>
-                <a:spcPct val="130000"/>
-              </a:lnSpc>
-              <a:buSzPct val="100000"/>
-            </a:pPr>
-            <a:r>
-              <a:rPr lang="en-US" altLang="ko-KR" sz="2800" dirty="0">
+              <a:rPr lang="en-US" altLang="ko-KR" sz="3200" dirty="0">
                 <a:latin typeface="Arial" panose="020B0604020202020204" pitchFamily="34" charset="0"/>
                 <a:cs typeface="Arial" panose="020B0604020202020204" pitchFamily="34" charset="0"/>
               </a:rPr>
@@ -12635,12 +12636,12 @@
           <a:p>
             <a:pPr>
               <a:lnSpc>
-                <a:spcPct val="130000"/>
+                <a:spcPct val="200000"/>
               </a:lnSpc>
               <a:buSzPct val="100000"/>
             </a:pPr>
             <a:r>
-              <a:rPr lang="en-US" altLang="ko-KR" sz="2800" dirty="0">
+              <a:rPr lang="en-US" altLang="ko-KR" sz="3200" dirty="0">
                 <a:latin typeface="Arial" panose="020B0604020202020204" pitchFamily="34" charset="0"/>
                 <a:cs typeface="Arial" panose="020B0604020202020204" pitchFamily="34" charset="0"/>
               </a:rPr>
@@ -12650,12 +12651,12 @@
           <a:p>
             <a:pPr>
               <a:lnSpc>
-                <a:spcPct val="130000"/>
+                <a:spcPct val="200000"/>
               </a:lnSpc>
               <a:buSzPct val="100000"/>
             </a:pPr>
             <a:r>
-              <a:rPr lang="en-US" altLang="ko-KR" sz="2800" dirty="0">
+              <a:rPr lang="en-US" altLang="ko-KR" sz="3200" dirty="0">
                 <a:latin typeface="Arial" panose="020B0604020202020204" pitchFamily="34" charset="0"/>
                 <a:cs typeface="Arial" panose="020B0604020202020204" pitchFamily="34" charset="0"/>
               </a:rPr>
@@ -12665,12 +12666,12 @@
           <a:p>
             <a:pPr>
               <a:lnSpc>
-                <a:spcPct val="130000"/>
+                <a:spcPct val="200000"/>
               </a:lnSpc>
               <a:buSzPct val="100000"/>
             </a:pPr>
             <a:r>
-              <a:rPr lang="en-US" altLang="ko-KR" sz="2800" dirty="0">
+              <a:rPr lang="en-US" altLang="ko-KR" sz="3200" dirty="0">
                 <a:latin typeface="Arial" panose="020B0604020202020204" pitchFamily="34" charset="0"/>
                 <a:cs typeface="Arial" panose="020B0604020202020204" pitchFamily="34" charset="0"/>
               </a:rPr>
@@ -12780,11 +12781,26 @@
               <a:buSzPct val="100000"/>
             </a:pPr>
             <a:r>
-              <a:rPr lang="en-US" altLang="ko-KR" sz="2800" dirty="0">
+              <a:rPr lang="en-US" altLang="ko-KR" sz="3200" dirty="0">
                 <a:latin typeface="Arial" panose="020B0604020202020204" pitchFamily="34" charset="0"/>
                 <a:cs typeface="Arial" panose="020B0604020202020204" pitchFamily="34" charset="0"/>
               </a:rPr>
-              <a:t>Hello world</a:t>
+              <a:t>Build web application which can increase photo’s resolution</a:t>
+            </a:r>
+          </a:p>
+          <a:p>
+            <a:pPr lvl="1">
+              <a:lnSpc>
+                <a:spcPct val="130000"/>
+              </a:lnSpc>
+              <a:buSzPct val="100000"/>
+            </a:pPr>
+            <a:r>
+              <a:rPr lang="en-US" altLang="ko-KR" sz="2400" dirty="0">
+                <a:latin typeface="Arial" panose="020B0604020202020204" pitchFamily="34" charset="0"/>
+                <a:cs typeface="Arial" panose="020B0604020202020204" pitchFamily="34" charset="0"/>
+              </a:rPr>
+              <a:t>Using deep learning</a:t>
             </a:r>
           </a:p>
           <a:p>
@@ -12795,86 +12811,11 @@
               <a:buSzPct val="100000"/>
             </a:pPr>
             <a:r>
-              <a:rPr lang="en-US" altLang="ko-KR" sz="2800" dirty="0">
+              <a:rPr lang="en-US" altLang="ko-KR" sz="3200" dirty="0">
                 <a:latin typeface="Arial" panose="020B0604020202020204" pitchFamily="34" charset="0"/>
                 <a:cs typeface="Arial" panose="020B0604020202020204" pitchFamily="34" charset="0"/>
               </a:rPr>
-              <a:t>Executive Summary</a:t>
-            </a:r>
-          </a:p>
-          <a:p>
-            <a:pPr>
-              <a:lnSpc>
-                <a:spcPct val="130000"/>
-              </a:lnSpc>
-              <a:buSzPct val="100000"/>
-            </a:pPr>
-            <a:r>
-              <a:rPr lang="en-US" altLang="ko-KR" sz="2800" dirty="0">
-                <a:latin typeface="Arial" panose="020B0604020202020204" pitchFamily="34" charset="0"/>
-                <a:cs typeface="Arial" panose="020B0604020202020204" pitchFamily="34" charset="0"/>
-              </a:rPr>
-              <a:t>Product Motivation</a:t>
-            </a:r>
-          </a:p>
-          <a:p>
-            <a:pPr>
-              <a:lnSpc>
-                <a:spcPct val="130000"/>
-              </a:lnSpc>
-              <a:buSzPct val="100000"/>
-            </a:pPr>
-            <a:r>
-              <a:rPr lang="en-US" altLang="ko-KR" sz="2800" dirty="0">
-                <a:latin typeface="Arial" panose="020B0604020202020204" pitchFamily="34" charset="0"/>
-                <a:cs typeface="Arial" panose="020B0604020202020204" pitchFamily="34" charset="0"/>
-              </a:rPr>
-              <a:t>Product Description</a:t>
-            </a:r>
-          </a:p>
-          <a:p>
-            <a:pPr>
-              <a:lnSpc>
-                <a:spcPct val="130000"/>
-              </a:lnSpc>
-              <a:buSzPct val="100000"/>
-            </a:pPr>
-            <a:r>
-              <a:rPr lang="en-US" altLang="ko-KR" sz="2800" dirty="0">
-                <a:latin typeface="Arial" panose="020B0604020202020204" pitchFamily="34" charset="0"/>
-                <a:cs typeface="Arial" panose="020B0604020202020204" pitchFamily="34" charset="0"/>
-              </a:rPr>
-              <a:t>Ideal Performance Requirements</a:t>
-            </a:r>
-          </a:p>
-          <a:p>
-            <a:pPr>
-              <a:lnSpc>
-                <a:spcPct val="130000"/>
-              </a:lnSpc>
-              <a:buSzPct val="100000"/>
-            </a:pPr>
-            <a:r>
-              <a:rPr lang="en-US" altLang="ko-KR" sz="2800" dirty="0">
-                <a:latin typeface="Arial" panose="020B0604020202020204" pitchFamily="34" charset="0"/>
-                <a:cs typeface="Arial" panose="020B0604020202020204" pitchFamily="34" charset="0"/>
-              </a:rPr>
-              <a:t>Design Proposal</a:t>
-            </a:r>
-          </a:p>
-          <a:p>
-            <a:pPr>
-              <a:lnSpc>
-                <a:spcPct val="130000"/>
-              </a:lnSpc>
-              <a:buSzPct val="100000"/>
-            </a:pPr>
-            <a:r>
-              <a:rPr lang="en-US" altLang="ko-KR" sz="2800" dirty="0">
-                <a:latin typeface="Arial" panose="020B0604020202020204" pitchFamily="34" charset="0"/>
-                <a:cs typeface="Arial" panose="020B0604020202020204" pitchFamily="34" charset="0"/>
-              </a:rPr>
-              <a:t>Cost Estimate and Project Schedule</a:t>
+              <a:t>Some of original planned features are not successfully working</a:t>
             </a:r>
           </a:p>
         </p:txBody>
@@ -12969,7 +12910,7 @@
         </p:spPr>
         <p:txBody>
           <a:bodyPr>
-            <a:normAutofit lnSpcReduction="10000"/>
+            <a:normAutofit/>
           </a:bodyPr>
           <a:lstStyle/>
           <a:p>
@@ -12995,16 +12936,27 @@
               <a:buSzPct val="100000"/>
             </a:pPr>
             <a:r>
-              <a:rPr lang="en-US" altLang="ko-KR" sz="2400" dirty="0" err="1">
+              <a:rPr lang="en-US" altLang="ko-KR" sz="2400" dirty="0">
                 <a:latin typeface="Arial" panose="020B0604020202020204" pitchFamily="34" charset="0"/>
                 <a:cs typeface="Arial" panose="020B0604020202020204" pitchFamily="34" charset="0"/>
               </a:rPr>
-              <a:t>sdfsdf</a:t>
+              <a:t>Small size and low resolution images become bad</a:t>
             </a:r>
-            <a:endParaRPr lang="en-US" altLang="ko-KR" sz="2400" dirty="0">
-              <a:latin typeface="Arial" panose="020B0604020202020204" pitchFamily="34" charset="0"/>
-              <a:cs typeface="Arial" panose="020B0604020202020204" pitchFamily="34" charset="0"/>
-            </a:endParaRPr>
+          </a:p>
+          <a:p>
+            <a:pPr lvl="1">
+              <a:lnSpc>
+                <a:spcPct val="130000"/>
+              </a:lnSpc>
+              <a:buSzPct val="100000"/>
+            </a:pPr>
+            <a:r>
+              <a:rPr lang="en-US" altLang="ko-KR" sz="2400" dirty="0">
+                <a:latin typeface="Arial" panose="020B0604020202020204" pitchFamily="34" charset="0"/>
+                <a:cs typeface="Arial" panose="020B0604020202020204" pitchFamily="34" charset="0"/>
+              </a:rPr>
+              <a:t>Even with good camera, shaky pictures can come out</a:t>
+            </a:r>
           </a:p>
           <a:p>
             <a:pPr>
@@ -13018,83 +12970,65 @@
                 <a:latin typeface="Arial" panose="020B0604020202020204" pitchFamily="34" charset="0"/>
                 <a:cs typeface="Arial" panose="020B0604020202020204" pitchFamily="34" charset="0"/>
               </a:rPr>
-              <a:t>Executive Summary</a:t>
+              <a:t>Goal</a:t>
             </a:r>
           </a:p>
           <a:p>
-            <a:pPr>
+            <a:pPr lvl="1">
               <a:lnSpc>
                 <a:spcPct val="130000"/>
               </a:lnSpc>
               <a:buSzPct val="100000"/>
             </a:pPr>
             <a:r>
-              <a:rPr lang="en-US" altLang="ko-KR" sz="2800" dirty="0">
+              <a:rPr lang="en-US" altLang="ko-KR" sz="2400" dirty="0">
                 <a:latin typeface="Arial" panose="020B0604020202020204" pitchFamily="34" charset="0"/>
                 <a:cs typeface="Arial" panose="020B0604020202020204" pitchFamily="34" charset="0"/>
               </a:rPr>
-              <a:t>Product Motivation</a:t>
+              <a:t>User who needs to</a:t>
             </a:r>
           </a:p>
           <a:p>
-            <a:pPr>
+            <a:pPr lvl="3">
               <a:lnSpc>
                 <a:spcPct val="130000"/>
               </a:lnSpc>
               <a:buSzPct val="100000"/>
             </a:pPr>
             <a:r>
-              <a:rPr lang="en-US" altLang="ko-KR" sz="2800" dirty="0">
+              <a:rPr lang="en-US" altLang="ko-KR" sz="2000" dirty="0">
                 <a:latin typeface="Arial" panose="020B0604020202020204" pitchFamily="34" charset="0"/>
                 <a:cs typeface="Arial" panose="020B0604020202020204" pitchFamily="34" charset="0"/>
               </a:rPr>
-              <a:t>Product Description</a:t>
+              <a:t>Use downloaded images</a:t>
             </a:r>
           </a:p>
           <a:p>
-            <a:pPr>
+            <a:pPr lvl="3">
               <a:lnSpc>
                 <a:spcPct val="130000"/>
               </a:lnSpc>
               <a:buSzPct val="100000"/>
             </a:pPr>
             <a:r>
-              <a:rPr lang="en-US" altLang="ko-KR" sz="2800" dirty="0">
+              <a:rPr lang="en-US" altLang="ko-KR" sz="2000" dirty="0">
                 <a:latin typeface="Arial" panose="020B0604020202020204" pitchFamily="34" charset="0"/>
                 <a:cs typeface="Arial" panose="020B0604020202020204" pitchFamily="34" charset="0"/>
               </a:rPr>
-              <a:t>Ideal Performance Requirements</a:t>
+              <a:t>Change shaky or old pictures</a:t>
             </a:r>
           </a:p>
           <a:p>
-            <a:pPr>
+            <a:pPr lvl="3">
               <a:lnSpc>
                 <a:spcPct val="130000"/>
               </a:lnSpc>
               <a:buSzPct val="100000"/>
             </a:pPr>
-            <a:r>
-              <a:rPr lang="en-US" altLang="ko-KR" sz="2800" dirty="0">
-                <a:latin typeface="Arial" panose="020B0604020202020204" pitchFamily="34" charset="0"/>
-                <a:cs typeface="Arial" panose="020B0604020202020204" pitchFamily="34" charset="0"/>
-              </a:rPr>
-              <a:t>Design Proposal</a:t>
-            </a:r>
-          </a:p>
-          <a:p>
-            <a:pPr>
-              <a:lnSpc>
-                <a:spcPct val="130000"/>
-              </a:lnSpc>
-              <a:buSzPct val="100000"/>
-            </a:pPr>
-            <a:r>
-              <a:rPr lang="en-US" altLang="ko-KR" sz="2800" dirty="0">
-                <a:latin typeface="Arial" panose="020B0604020202020204" pitchFamily="34" charset="0"/>
-                <a:cs typeface="Arial" panose="020B0604020202020204" pitchFamily="34" charset="0"/>
-              </a:rPr>
-              <a:t>Cost Estimate and Project Schedule</a:t>
-            </a:r>
+            <a:endParaRPr lang="en-US" altLang="ko-KR" sz="2000" dirty="0">
+              <a:latin typeface="Arial" panose="020B0604020202020204" pitchFamily="34" charset="0"/>
+              <a:cs typeface="Arial" panose="020B0604020202020204" pitchFamily="34" charset="0"/>
+            </a:endParaRPr>
           </a:p>
         </p:txBody>
       </p:sp>
@@ -13156,11 +13090,19 @@
           </a:bodyPr>
           <a:lstStyle/>
           <a:p>
+            <a:pPr>
+              <a:lnSpc>
+                <a:spcPct val="130000"/>
+              </a:lnSpc>
+              <a:buSzPct val="100000"/>
+            </a:pPr>
             <a:r>
-              <a:rPr lang="en-US" altLang="ko-KR" sz="4400" dirty="0"/>
-              <a:t>overview</a:t>
+              <a:rPr lang="en-US" altLang="ko-KR" sz="4400" dirty="0">
+                <a:latin typeface="Arial" panose="020B0604020202020204" pitchFamily="34" charset="0"/>
+                <a:cs typeface="Arial" panose="020B0604020202020204" pitchFamily="34" charset="0"/>
+              </a:rPr>
+              <a:t>Product Description</a:t>
             </a:r>
-            <a:endParaRPr lang="ko-KR" altLang="en-US" sz="4400" dirty="0"/>
           </a:p>
         </p:txBody>
       </p:sp>
@@ -13203,7 +13145,67 @@
                 <a:latin typeface="Arial" panose="020B0604020202020204" pitchFamily="34" charset="0"/>
                 <a:cs typeface="Arial" panose="020B0604020202020204" pitchFamily="34" charset="0"/>
               </a:rPr>
-              <a:t>Hello world</a:t>
+              <a:t>Front-end</a:t>
+            </a:r>
+          </a:p>
+          <a:p>
+            <a:pPr lvl="1">
+              <a:lnSpc>
+                <a:spcPct val="130000"/>
+              </a:lnSpc>
+              <a:buSzPct val="100000"/>
+            </a:pPr>
+            <a:r>
+              <a:rPr lang="en-US" altLang="ko-KR" sz="2400" dirty="0">
+                <a:latin typeface="Arial" panose="020B0604020202020204" pitchFamily="34" charset="0"/>
+                <a:cs typeface="Arial" panose="020B0604020202020204" pitchFamily="34" charset="0"/>
+              </a:rPr>
+              <a:t>HTML</a:t>
+            </a:r>
+          </a:p>
+          <a:p>
+            <a:pPr lvl="1">
+              <a:lnSpc>
+                <a:spcPct val="130000"/>
+              </a:lnSpc>
+              <a:buSzPct val="100000"/>
+            </a:pPr>
+            <a:r>
+              <a:rPr lang="en-US" altLang="ko-KR" sz="2400" dirty="0">
+                <a:latin typeface="Arial" panose="020B0604020202020204" pitchFamily="34" charset="0"/>
+                <a:cs typeface="Arial" panose="020B0604020202020204" pitchFamily="34" charset="0"/>
+              </a:rPr>
+              <a:t>Flask</a:t>
+            </a:r>
+          </a:p>
+          <a:p>
+            <a:pPr lvl="1">
+              <a:lnSpc>
+                <a:spcPct val="130000"/>
+              </a:lnSpc>
+              <a:buSzPct val="100000"/>
+            </a:pPr>
+            <a:r>
+              <a:rPr lang="en-US" altLang="ko-KR" sz="2400" dirty="0">
+                <a:latin typeface="Arial" panose="020B0604020202020204" pitchFamily="34" charset="0"/>
+                <a:cs typeface="Arial" panose="020B0604020202020204" pitchFamily="34" charset="0"/>
+              </a:rPr>
+              <a:t>CSS</a:t>
+            </a:r>
+          </a:p>
+          <a:p>
+            <a:pPr lvl="1">
+              <a:lnSpc>
+                <a:spcPct val="130000"/>
+              </a:lnSpc>
+              <a:buSzPct val="100000"/>
+            </a:pPr>
+            <a:r>
+              <a:rPr lang="en-US" altLang="ko-KR" sz="2400" dirty="0">
+                <a:latin typeface="Arial" panose="020B0604020202020204" pitchFamily="34" charset="0"/>
+                <a:cs typeface="Arial" panose="020B0604020202020204" pitchFamily="34" charset="0"/>
+              </a:rPr>
+              <a:t>JS</a:t>
             </a:r>
           </a:p>
           <a:p>
@@ -13218,86 +13220,225 @@
                 <a:latin typeface="Arial" panose="020B0604020202020204" pitchFamily="34" charset="0"/>
                 <a:cs typeface="Arial" panose="020B0604020202020204" pitchFamily="34" charset="0"/>
               </a:rPr>
-              <a:t>Executive Summary</a:t>
+              <a:t>Back-end</a:t>
             </a:r>
           </a:p>
           <a:p>
-            <a:pPr>
+            <a:pPr lvl="1">
               <a:lnSpc>
                 <a:spcPct val="130000"/>
               </a:lnSpc>
               <a:buSzPct val="100000"/>
             </a:pPr>
             <a:r>
-              <a:rPr lang="en-US" altLang="ko-KR" sz="2800" dirty="0">
+              <a:rPr lang="en-US" altLang="ko-KR" sz="2400" dirty="0">
                 <a:latin typeface="Arial" panose="020B0604020202020204" pitchFamily="34" charset="0"/>
                 <a:cs typeface="Arial" panose="020B0604020202020204" pitchFamily="34" charset="0"/>
               </a:rPr>
-              <a:t>Product Motivation</a:t>
+              <a:t>Python</a:t>
             </a:r>
           </a:p>
           <a:p>
-            <a:pPr>
+            <a:pPr lvl="1">
               <a:lnSpc>
                 <a:spcPct val="130000"/>
               </a:lnSpc>
               <a:buSzPct val="100000"/>
             </a:pPr>
             <a:r>
-              <a:rPr lang="en-US" altLang="ko-KR" sz="2800" dirty="0">
+              <a:rPr lang="en-US" altLang="ko-KR" sz="2400" dirty="0" err="1">
                 <a:latin typeface="Arial" panose="020B0604020202020204" pitchFamily="34" charset="0"/>
                 <a:cs typeface="Arial" panose="020B0604020202020204" pitchFamily="34" charset="0"/>
               </a:rPr>
-              <a:t>Product Description</a:t>
+              <a:t>Pytorch</a:t>
             </a:r>
-          </a:p>
-          <a:p>
-            <a:pPr>
-              <a:lnSpc>
-                <a:spcPct val="130000"/>
-              </a:lnSpc>
-              <a:buSzPct val="100000"/>
-            </a:pPr>
-            <a:r>
-              <a:rPr lang="en-US" altLang="ko-KR" sz="2800" dirty="0">
-                <a:latin typeface="Arial" panose="020B0604020202020204" pitchFamily="34" charset="0"/>
-                <a:cs typeface="Arial" panose="020B0604020202020204" pitchFamily="34" charset="0"/>
-              </a:rPr>
-              <a:t>Ideal Performance Requirements</a:t>
-            </a:r>
-          </a:p>
-          <a:p>
-            <a:pPr>
-              <a:lnSpc>
-                <a:spcPct val="130000"/>
-              </a:lnSpc>
-              <a:buSzPct val="100000"/>
-            </a:pPr>
-            <a:r>
-              <a:rPr lang="en-US" altLang="ko-KR" sz="2800" dirty="0">
-                <a:latin typeface="Arial" panose="020B0604020202020204" pitchFamily="34" charset="0"/>
-                <a:cs typeface="Arial" panose="020B0604020202020204" pitchFamily="34" charset="0"/>
-              </a:rPr>
-              <a:t>Design Proposal</a:t>
-            </a:r>
-          </a:p>
-          <a:p>
-            <a:pPr>
-              <a:lnSpc>
-                <a:spcPct val="130000"/>
-              </a:lnSpc>
-              <a:buSzPct val="100000"/>
-            </a:pPr>
-            <a:r>
-              <a:rPr lang="en-US" altLang="ko-KR" sz="2800" dirty="0">
-                <a:latin typeface="Arial" panose="020B0604020202020204" pitchFamily="34" charset="0"/>
-                <a:cs typeface="Arial" panose="020B0604020202020204" pitchFamily="34" charset="0"/>
-              </a:rPr>
-              <a:t>Cost Estimate and Project Schedule</a:t>
-            </a:r>
+            <a:endParaRPr lang="en-US" altLang="ko-KR" sz="2400" dirty="0">
+              <a:latin typeface="Arial" panose="020B0604020202020204" pitchFamily="34" charset="0"/>
+              <a:cs typeface="Arial" panose="020B0604020202020204" pitchFamily="34" charset="0"/>
+            </a:endParaRPr>
           </a:p>
         </p:txBody>
       </p:sp>
+      <p:pic>
+        <p:nvPicPr>
+          <p:cNvPr id="3" name="Picture 2">
+            <a:extLst>
+              <a:ext uri="{FF2B5EF4-FFF2-40B4-BE49-F238E27FC236}">
+                <a16:creationId xmlns:a16="http://schemas.microsoft.com/office/drawing/2014/main" id="{3546E061-4DD8-FD47-9B42-BE93616C973F}"/>
+              </a:ext>
+            </a:extLst>
+          </p:cNvPr>
+          <p:cNvPicPr>
+            <a:picLocks noChangeAspect="1"/>
+          </p:cNvPicPr>
+          <p:nvPr/>
+        </p:nvPicPr>
+        <p:blipFill>
+          <a:blip r:embed="rId2"/>
+          <a:stretch>
+            <a:fillRect/>
+          </a:stretch>
+        </p:blipFill>
+        <p:spPr>
+          <a:xfrm>
+            <a:off x="10299444" y="1780823"/>
+            <a:ext cx="1290638" cy="1290638"/>
+          </a:xfrm>
+          <a:prstGeom prst="rect">
+            <a:avLst/>
+          </a:prstGeom>
+        </p:spPr>
+      </p:pic>
+      <p:pic>
+        <p:nvPicPr>
+          <p:cNvPr id="5" name="Picture 4">
+            <a:extLst>
+              <a:ext uri="{FF2B5EF4-FFF2-40B4-BE49-F238E27FC236}">
+                <a16:creationId xmlns:a16="http://schemas.microsoft.com/office/drawing/2014/main" id="{F10EDE8B-9BB0-584C-8B71-6704F2D51D3F}"/>
+              </a:ext>
+            </a:extLst>
+          </p:cNvPr>
+          <p:cNvPicPr>
+            <a:picLocks noChangeAspect="1"/>
+          </p:cNvPicPr>
+          <p:nvPr/>
+        </p:nvPicPr>
+        <p:blipFill>
+          <a:blip r:embed="rId3"/>
+          <a:stretch>
+            <a:fillRect/>
+          </a:stretch>
+        </p:blipFill>
+        <p:spPr>
+          <a:xfrm>
+            <a:off x="4816205" y="4796116"/>
+            <a:ext cx="3677463" cy="732620"/>
+          </a:xfrm>
+          <a:prstGeom prst="rect">
+            <a:avLst/>
+          </a:prstGeom>
+        </p:spPr>
+      </p:pic>
+      <p:pic>
+        <p:nvPicPr>
+          <p:cNvPr id="9" name="Picture 8">
+            <a:extLst>
+              <a:ext uri="{FF2B5EF4-FFF2-40B4-BE49-F238E27FC236}">
+                <a16:creationId xmlns:a16="http://schemas.microsoft.com/office/drawing/2014/main" id="{F9FCEB80-C076-814A-9AF3-D78FF9BAACE0}"/>
+              </a:ext>
+            </a:extLst>
+          </p:cNvPr>
+          <p:cNvPicPr>
+            <a:picLocks noChangeAspect="1"/>
+          </p:cNvPicPr>
+          <p:nvPr/>
+        </p:nvPicPr>
+        <p:blipFill>
+          <a:blip r:embed="rId4"/>
+          <a:stretch>
+            <a:fillRect/>
+          </a:stretch>
+        </p:blipFill>
+        <p:spPr>
+          <a:xfrm>
+            <a:off x="8493668" y="1695574"/>
+            <a:ext cx="1325600" cy="1325600"/>
+          </a:xfrm>
+          <a:prstGeom prst="rect">
+            <a:avLst/>
+          </a:prstGeom>
+        </p:spPr>
+      </p:pic>
+      <p:pic>
+        <p:nvPicPr>
+          <p:cNvPr id="11" name="Picture 10">
+            <a:extLst>
+              <a:ext uri="{FF2B5EF4-FFF2-40B4-BE49-F238E27FC236}">
+                <a16:creationId xmlns:a16="http://schemas.microsoft.com/office/drawing/2014/main" id="{46B6D999-5FC9-6F4B-AB12-3427E838DE4B}"/>
+              </a:ext>
+            </a:extLst>
+          </p:cNvPr>
+          <p:cNvPicPr>
+            <a:picLocks noChangeAspect="1"/>
+          </p:cNvPicPr>
+          <p:nvPr/>
+        </p:nvPicPr>
+        <p:blipFill>
+          <a:blip r:embed="rId5"/>
+          <a:stretch>
+            <a:fillRect/>
+          </a:stretch>
+        </p:blipFill>
+        <p:spPr>
+          <a:xfrm>
+            <a:off x="6096000" y="1554149"/>
+            <a:ext cx="1437196" cy="1437196"/>
+          </a:xfrm>
+          <a:prstGeom prst="rect">
+            <a:avLst/>
+          </a:prstGeom>
+        </p:spPr>
+      </p:pic>
+      <p:pic>
+        <p:nvPicPr>
+          <p:cNvPr id="13" name="Picture 12">
+            <a:extLst>
+              <a:ext uri="{FF2B5EF4-FFF2-40B4-BE49-F238E27FC236}">
+                <a16:creationId xmlns:a16="http://schemas.microsoft.com/office/drawing/2014/main" id="{49833762-AA35-9C49-8E21-6E116483A48D}"/>
+              </a:ext>
+            </a:extLst>
+          </p:cNvPr>
+          <p:cNvPicPr>
+            <a:picLocks noChangeAspect="1"/>
+          </p:cNvPicPr>
+          <p:nvPr/>
+        </p:nvPicPr>
+        <p:blipFill>
+          <a:blip r:embed="rId6"/>
+          <a:stretch>
+            <a:fillRect/>
+          </a:stretch>
+        </p:blipFill>
+        <p:spPr>
+          <a:xfrm>
+            <a:off x="7805776" y="3364572"/>
+            <a:ext cx="1143000" cy="1016000"/>
+          </a:xfrm>
+          <a:prstGeom prst="rect">
+            <a:avLst/>
+          </a:prstGeom>
+        </p:spPr>
+      </p:pic>
+      <p:pic>
+        <p:nvPicPr>
+          <p:cNvPr id="15" name="Picture 14">
+            <a:extLst>
+              <a:ext uri="{FF2B5EF4-FFF2-40B4-BE49-F238E27FC236}">
+                <a16:creationId xmlns:a16="http://schemas.microsoft.com/office/drawing/2014/main" id="{200BA339-2015-A040-8F58-BB4241522774}"/>
+              </a:ext>
+            </a:extLst>
+          </p:cNvPr>
+          <p:cNvPicPr>
+            <a:picLocks noChangeAspect="1"/>
+          </p:cNvPicPr>
+          <p:nvPr/>
+        </p:nvPicPr>
+        <p:blipFill>
+          <a:blip r:embed="rId7"/>
+          <a:stretch>
+            <a:fillRect/>
+          </a:stretch>
+        </p:blipFill>
+        <p:spPr>
+          <a:xfrm>
+            <a:off x="9174923" y="4005214"/>
+            <a:ext cx="1691500" cy="1691500"/>
+          </a:xfrm>
+          <a:prstGeom prst="rect">
+            <a:avLst/>
+          </a:prstGeom>
+        </p:spPr>
+      </p:pic>
     </p:spTree>
     <p:extLst>
       <p:ext uri="{BB962C8B-B14F-4D97-AF65-F5344CB8AC3E}">
@@ -13358,7 +13499,7 @@
           <a:p>
             <a:r>
               <a:rPr lang="en-US" altLang="ko-KR" sz="4400" dirty="0"/>
-              <a:t>overview</a:t>
+              <a:t>demo</a:t>
             </a:r>
             <a:endParaRPr lang="ko-KR" altLang="en-US" sz="4400" dirty="0"/>
           </a:p>
@@ -13402,10 +13543,147 @@
               <a:rPr lang="en-US" altLang="ko-KR" sz="2800" dirty="0">
                 <a:latin typeface="Arial" panose="020B0604020202020204" pitchFamily="34" charset="0"/>
                 <a:cs typeface="Arial" panose="020B0604020202020204" pitchFamily="34" charset="0"/>
+                <a:hlinkClick r:id="rId2"/>
               </a:rPr>
-              <a:t>Hello world</a:t>
+              <a:t>http://127.0.0.1:5001/</a:t>
             </a:r>
-          </a:p>
+            <a:endParaRPr lang="en-US" altLang="ko-KR" sz="2800" dirty="0">
+              <a:latin typeface="Arial" panose="020B0604020202020204" pitchFamily="34" charset="0"/>
+              <a:cs typeface="Arial" panose="020B0604020202020204" pitchFamily="34" charset="0"/>
+            </a:endParaRPr>
+          </a:p>
+        </p:txBody>
+      </p:sp>
+      <p:pic>
+        <p:nvPicPr>
+          <p:cNvPr id="3" name="Picture 2">
+            <a:extLst>
+              <a:ext uri="{FF2B5EF4-FFF2-40B4-BE49-F238E27FC236}">
+                <a16:creationId xmlns:a16="http://schemas.microsoft.com/office/drawing/2014/main" id="{A5BA5F1C-A178-A443-BE68-AF6553405AFE}"/>
+              </a:ext>
+            </a:extLst>
+          </p:cNvPr>
+          <p:cNvPicPr>
+            <a:picLocks noChangeAspect="1"/>
+          </p:cNvPicPr>
+          <p:nvPr/>
+        </p:nvPicPr>
+        <p:blipFill rotWithShape="1">
+          <a:blip r:embed="rId3"/>
+          <a:srcRect l="7561" t="5825" r="7561" b="3499"/>
+          <a:stretch/>
+        </p:blipFill>
+        <p:spPr>
+          <a:xfrm>
+            <a:off x="1928814" y="1918060"/>
+            <a:ext cx="7986712" cy="4713786"/>
+          </a:xfrm>
+          <a:prstGeom prst="rect">
+            <a:avLst/>
+          </a:prstGeom>
+        </p:spPr>
+      </p:pic>
+    </p:spTree>
+    <p:extLst>
+      <p:ext uri="{BB962C8B-B14F-4D97-AF65-F5344CB8AC3E}">
+        <p14:creationId xmlns:p14="http://schemas.microsoft.com/office/powerpoint/2010/main" val="1962098957"/>
+      </p:ext>
+    </p:extLst>
+  </p:cSld>
+  <p:clrMapOvr>
+    <a:masterClrMapping/>
+  </p:clrMapOvr>
+</p:sld>
+</file>
+
+<file path=ppt/slides/slide7.xml><?xml version="1.0" encoding="utf-8"?>
+<p:sld xmlns:a="http://schemas.openxmlformats.org/drawingml/2006/main" xmlns:r="http://schemas.openxmlformats.org/officeDocument/2006/relationships" xmlns:p="http://schemas.openxmlformats.org/presentationml/2006/main">
+  <p:cSld>
+    <p:spTree>
+      <p:nvGrpSpPr>
+        <p:cNvPr id="1" name=""/>
+        <p:cNvGrpSpPr/>
+        <p:nvPr/>
+      </p:nvGrpSpPr>
+      <p:grpSpPr>
+        <a:xfrm>
+          <a:off x="0" y="0"/>
+          <a:ext cx="0" cy="0"/>
+          <a:chOff x="0" y="0"/>
+          <a:chExt cx="0" cy="0"/>
+        </a:xfrm>
+      </p:grpSpPr>
+      <p:sp>
+        <p:nvSpPr>
+          <p:cNvPr id="6" name="Title 1">
+            <a:extLst>
+              <a:ext uri="{FF2B5EF4-FFF2-40B4-BE49-F238E27FC236}">
+                <a16:creationId xmlns:a16="http://schemas.microsoft.com/office/drawing/2014/main" id="{742E3523-10DD-A248-96CA-3B64EEF97021}"/>
+              </a:ext>
+            </a:extLst>
+          </p:cNvPr>
+          <p:cNvSpPr>
+            <a:spLocks noGrp="1"/>
+          </p:cNvSpPr>
+          <p:nvPr>
+            <p:ph type="title"/>
+          </p:nvPr>
+        </p:nvSpPr>
+        <p:spPr>
+          <a:xfrm>
+            <a:off x="1585547" y="254730"/>
+            <a:ext cx="9905998" cy="1032465"/>
+          </a:xfrm>
+        </p:spPr>
+        <p:txBody>
+          <a:bodyPr>
+            <a:normAutofit/>
+          </a:bodyPr>
+          <a:lstStyle/>
+          <a:p>
+            <a:pPr>
+              <a:lnSpc>
+                <a:spcPct val="130000"/>
+              </a:lnSpc>
+              <a:buSzPct val="100000"/>
+            </a:pPr>
+            <a:r>
+              <a:rPr lang="en-US" altLang="ko-KR" sz="4400" dirty="0">
+                <a:latin typeface="Arial" panose="020B0604020202020204" pitchFamily="34" charset="0"/>
+                <a:cs typeface="Arial" panose="020B0604020202020204" pitchFamily="34" charset="0"/>
+              </a:rPr>
+              <a:t>Product Description</a:t>
+            </a:r>
+          </a:p>
+        </p:txBody>
+      </p:sp>
+      <p:sp>
+        <p:nvSpPr>
+          <p:cNvPr id="7" name="Content Placeholder 2">
+            <a:extLst>
+              <a:ext uri="{FF2B5EF4-FFF2-40B4-BE49-F238E27FC236}">
+                <a16:creationId xmlns:a16="http://schemas.microsoft.com/office/drawing/2014/main" id="{50FB87F8-1E53-6E44-8B42-D4D82231D7CC}"/>
+              </a:ext>
+            </a:extLst>
+          </p:cNvPr>
+          <p:cNvSpPr>
+            <a:spLocks noGrp="1"/>
+          </p:cNvSpPr>
+          <p:nvPr>
+            <p:ph idx="1"/>
+          </p:nvPr>
+        </p:nvSpPr>
+        <p:spPr>
+          <a:xfrm>
+            <a:off x="1585546" y="1287196"/>
+            <a:ext cx="9905999" cy="4952286"/>
+          </a:xfrm>
+        </p:spPr>
+        <p:txBody>
+          <a:bodyPr>
+            <a:normAutofit/>
+          </a:bodyPr>
+          <a:lstStyle/>
           <a:p>
             <a:pPr>
               <a:lnSpc>
@@ -13418,9 +13696,146 @@
                 <a:latin typeface="Arial" panose="020B0604020202020204" pitchFamily="34" charset="0"/>
                 <a:cs typeface="Arial" panose="020B0604020202020204" pitchFamily="34" charset="0"/>
               </a:rPr>
-              <a:t>Executive Summary</a:t>
+              <a:t>Convolutional Neural Network(CNN)</a:t>
             </a:r>
-          </a:p>
+            <a:endParaRPr lang="en-US" altLang="ko-KR" dirty="0">
+              <a:latin typeface="Arial" panose="020B0604020202020204" pitchFamily="34" charset="0"/>
+              <a:cs typeface="Arial" panose="020B0604020202020204" pitchFamily="34" charset="0"/>
+            </a:endParaRPr>
+          </a:p>
+        </p:txBody>
+      </p:sp>
+      <p:pic>
+        <p:nvPicPr>
+          <p:cNvPr id="9" name="Picture 8">
+            <a:extLst>
+              <a:ext uri="{FF2B5EF4-FFF2-40B4-BE49-F238E27FC236}">
+                <a16:creationId xmlns:a16="http://schemas.microsoft.com/office/drawing/2014/main" id="{854E9EC2-A3FC-8F4D-B8BB-8109EAFF388A}"/>
+              </a:ext>
+            </a:extLst>
+          </p:cNvPr>
+          <p:cNvPicPr>
+            <a:picLocks noChangeAspect="1"/>
+          </p:cNvPicPr>
+          <p:nvPr/>
+        </p:nvPicPr>
+        <p:blipFill>
+          <a:blip r:embed="rId2"/>
+          <a:stretch>
+            <a:fillRect/>
+          </a:stretch>
+        </p:blipFill>
+        <p:spPr>
+          <a:xfrm>
+            <a:off x="1920247" y="2151062"/>
+            <a:ext cx="8452477" cy="3766389"/>
+          </a:xfrm>
+          <a:prstGeom prst="rect">
+            <a:avLst/>
+          </a:prstGeom>
+        </p:spPr>
+      </p:pic>
+    </p:spTree>
+    <p:extLst>
+      <p:ext uri="{BB962C8B-B14F-4D97-AF65-F5344CB8AC3E}">
+        <p14:creationId xmlns:p14="http://schemas.microsoft.com/office/powerpoint/2010/main" val="1263634602"/>
+      </p:ext>
+    </p:extLst>
+  </p:cSld>
+  <p:clrMapOvr>
+    <a:masterClrMapping/>
+  </p:clrMapOvr>
+</p:sld>
+</file>
+
+<file path=ppt/slides/slide8.xml><?xml version="1.0" encoding="utf-8"?>
+<p:sld xmlns:a="http://schemas.openxmlformats.org/drawingml/2006/main" xmlns:r="http://schemas.openxmlformats.org/officeDocument/2006/relationships" xmlns:p="http://schemas.openxmlformats.org/presentationml/2006/main">
+  <p:cSld>
+    <p:spTree>
+      <p:nvGrpSpPr>
+        <p:cNvPr id="1" name=""/>
+        <p:cNvGrpSpPr/>
+        <p:nvPr/>
+      </p:nvGrpSpPr>
+      <p:grpSpPr>
+        <a:xfrm>
+          <a:off x="0" y="0"/>
+          <a:ext cx="0" cy="0"/>
+          <a:chOff x="0" y="0"/>
+          <a:chExt cx="0" cy="0"/>
+        </a:xfrm>
+      </p:grpSpPr>
+      <p:sp>
+        <p:nvSpPr>
+          <p:cNvPr id="6" name="Title 1">
+            <a:extLst>
+              <a:ext uri="{FF2B5EF4-FFF2-40B4-BE49-F238E27FC236}">
+                <a16:creationId xmlns:a16="http://schemas.microsoft.com/office/drawing/2014/main" id="{742E3523-10DD-A248-96CA-3B64EEF97021}"/>
+              </a:ext>
+            </a:extLst>
+          </p:cNvPr>
+          <p:cNvSpPr>
+            <a:spLocks noGrp="1"/>
+          </p:cNvSpPr>
+          <p:nvPr>
+            <p:ph type="title"/>
+          </p:nvPr>
+        </p:nvSpPr>
+        <p:spPr>
+          <a:xfrm>
+            <a:off x="1585547" y="254730"/>
+            <a:ext cx="9905998" cy="1032465"/>
+          </a:xfrm>
+        </p:spPr>
+        <p:txBody>
+          <a:bodyPr>
+            <a:normAutofit/>
+          </a:bodyPr>
+          <a:lstStyle/>
+          <a:p>
+            <a:pPr>
+              <a:lnSpc>
+                <a:spcPct val="130000"/>
+              </a:lnSpc>
+              <a:buSzPct val="100000"/>
+            </a:pPr>
+            <a:r>
+              <a:rPr lang="en-US" altLang="ko-KR" sz="4400" dirty="0">
+                <a:latin typeface="Arial" panose="020B0604020202020204" pitchFamily="34" charset="0"/>
+                <a:cs typeface="Arial" panose="020B0604020202020204" pitchFamily="34" charset="0"/>
+              </a:rPr>
+              <a:t>Product Description</a:t>
+            </a:r>
+          </a:p>
+        </p:txBody>
+      </p:sp>
+      <p:sp>
+        <p:nvSpPr>
+          <p:cNvPr id="7" name="Content Placeholder 2">
+            <a:extLst>
+              <a:ext uri="{FF2B5EF4-FFF2-40B4-BE49-F238E27FC236}">
+                <a16:creationId xmlns:a16="http://schemas.microsoft.com/office/drawing/2014/main" id="{50FB87F8-1E53-6E44-8B42-D4D82231D7CC}"/>
+              </a:ext>
+            </a:extLst>
+          </p:cNvPr>
+          <p:cNvSpPr>
+            <a:spLocks noGrp="1"/>
+          </p:cNvSpPr>
+          <p:nvPr>
+            <p:ph idx="1"/>
+          </p:nvPr>
+        </p:nvSpPr>
+        <p:spPr>
+          <a:xfrm>
+            <a:off x="1585546" y="1287196"/>
+            <a:ext cx="9905999" cy="4952286"/>
+          </a:xfrm>
+        </p:spPr>
+        <p:txBody>
+          <a:bodyPr>
+            <a:normAutofit/>
+          </a:bodyPr>
+          <a:lstStyle/>
           <a:p>
             <a:pPr>
               <a:lnSpc>
@@ -13433,75 +13848,85 @@
                 <a:latin typeface="Arial" panose="020B0604020202020204" pitchFamily="34" charset="0"/>
                 <a:cs typeface="Arial" panose="020B0604020202020204" pitchFamily="34" charset="0"/>
               </a:rPr>
-              <a:t>Product Motivation</a:t>
+              <a:t>RRDB</a:t>
             </a:r>
-          </a:p>
-          <a:p>
-            <a:pPr>
-              <a:lnSpc>
-                <a:spcPct val="130000"/>
-              </a:lnSpc>
-              <a:buSzPct val="100000"/>
-            </a:pPr>
-            <a:r>
-              <a:rPr lang="en-US" altLang="ko-KR" sz="2800" dirty="0">
-                <a:latin typeface="Arial" panose="020B0604020202020204" pitchFamily="34" charset="0"/>
-                <a:cs typeface="Arial" panose="020B0604020202020204" pitchFamily="34" charset="0"/>
-              </a:rPr>
-              <a:t>Product Description</a:t>
-            </a:r>
-          </a:p>
-          <a:p>
-            <a:pPr>
-              <a:lnSpc>
-                <a:spcPct val="130000"/>
-              </a:lnSpc>
-              <a:buSzPct val="100000"/>
-            </a:pPr>
-            <a:r>
-              <a:rPr lang="en-US" altLang="ko-KR" sz="2800" dirty="0">
-                <a:latin typeface="Arial" panose="020B0604020202020204" pitchFamily="34" charset="0"/>
-                <a:cs typeface="Arial" panose="020B0604020202020204" pitchFamily="34" charset="0"/>
-              </a:rPr>
-              <a:t>Ideal Performance Requirements</a:t>
-            </a:r>
-          </a:p>
-          <a:p>
-            <a:pPr>
-              <a:lnSpc>
-                <a:spcPct val="130000"/>
-              </a:lnSpc>
-              <a:buSzPct val="100000"/>
-            </a:pPr>
-            <a:r>
-              <a:rPr lang="en-US" altLang="ko-KR" sz="2800" dirty="0">
-                <a:latin typeface="Arial" panose="020B0604020202020204" pitchFamily="34" charset="0"/>
-                <a:cs typeface="Arial" panose="020B0604020202020204" pitchFamily="34" charset="0"/>
-              </a:rPr>
-              <a:t>Design Proposal</a:t>
-            </a:r>
-          </a:p>
-          <a:p>
-            <a:pPr>
-              <a:lnSpc>
-                <a:spcPct val="130000"/>
-              </a:lnSpc>
-              <a:buSzPct val="100000"/>
-            </a:pPr>
-            <a:r>
-              <a:rPr lang="en-US" altLang="ko-KR" sz="2800" dirty="0">
-                <a:latin typeface="Arial" panose="020B0604020202020204" pitchFamily="34" charset="0"/>
-                <a:cs typeface="Arial" panose="020B0604020202020204" pitchFamily="34" charset="0"/>
-              </a:rPr>
-              <a:t>Cost Estimate and Project Schedule</a:t>
-            </a:r>
+            <a:endParaRPr lang="en-US" altLang="ko-KR" dirty="0">
+              <a:latin typeface="Arial" panose="020B0604020202020204" pitchFamily="34" charset="0"/>
+              <a:cs typeface="Arial" panose="020B0604020202020204" pitchFamily="34" charset="0"/>
+            </a:endParaRPr>
           </a:p>
         </p:txBody>
       </p:sp>
+      <p:pic>
+        <p:nvPicPr>
+          <p:cNvPr id="3" name="Picture 2">
+            <a:extLst>
+              <a:ext uri="{FF2B5EF4-FFF2-40B4-BE49-F238E27FC236}">
+                <a16:creationId xmlns:a16="http://schemas.microsoft.com/office/drawing/2014/main" id="{58D3DE8A-711A-2042-B7F6-BB287B316C24}"/>
+              </a:ext>
+            </a:extLst>
+          </p:cNvPr>
+          <p:cNvPicPr>
+            <a:picLocks noChangeAspect="1"/>
+          </p:cNvPicPr>
+          <p:nvPr/>
+        </p:nvPicPr>
+        <p:blipFill>
+          <a:blip r:embed="rId2"/>
+          <a:stretch>
+            <a:fillRect/>
+          </a:stretch>
+        </p:blipFill>
+        <p:spPr>
+          <a:xfrm>
+            <a:off x="2843395" y="4321785"/>
+            <a:ext cx="7482254" cy="2069921"/>
+          </a:xfrm>
+          <a:prstGeom prst="rect">
+            <a:avLst/>
+          </a:prstGeom>
+          <a:solidFill>
+            <a:schemeClr val="tx1"/>
+          </a:solidFill>
+        </p:spPr>
+      </p:pic>
+      <p:pic>
+        <p:nvPicPr>
+          <p:cNvPr id="4" name="Picture 3">
+            <a:extLst>
+              <a:ext uri="{FF2B5EF4-FFF2-40B4-BE49-F238E27FC236}">
+                <a16:creationId xmlns:a16="http://schemas.microsoft.com/office/drawing/2014/main" id="{752D8169-80D8-1E40-AF4B-694C3AB051A5}"/>
+              </a:ext>
+            </a:extLst>
+          </p:cNvPr>
+          <p:cNvPicPr>
+            <a:picLocks noChangeAspect="1"/>
+          </p:cNvPicPr>
+          <p:nvPr/>
+        </p:nvPicPr>
+        <p:blipFill>
+          <a:blip r:embed="rId3"/>
+          <a:stretch>
+            <a:fillRect/>
+          </a:stretch>
+        </p:blipFill>
+        <p:spPr>
+          <a:xfrm>
+            <a:off x="2562591" y="2240253"/>
+            <a:ext cx="8043863" cy="1624860"/>
+          </a:xfrm>
+          <a:prstGeom prst="rect">
+            <a:avLst/>
+          </a:prstGeom>
+          <a:solidFill>
+            <a:schemeClr val="tx1"/>
+          </a:solidFill>
+        </p:spPr>
+      </p:pic>
     </p:spTree>
     <p:extLst>
       <p:ext uri="{BB962C8B-B14F-4D97-AF65-F5344CB8AC3E}">
-        <p14:creationId xmlns:p14="http://schemas.microsoft.com/office/powerpoint/2010/main" val="1962098957"/>
+        <p14:creationId xmlns:p14="http://schemas.microsoft.com/office/powerpoint/2010/main" val="2867863710"/>
       </p:ext>
     </p:extLst>
   </p:cSld>

--- a/project_srgan.pptx
+++ b/project_srgan.pptx
@@ -4,15 +4,19 @@
   <p:sldMasterIdLst>
     <p:sldMasterId id="2147483696" r:id="rId1"/>
   </p:sldMasterIdLst>
+  <p:notesMasterIdLst>
+    <p:notesMasterId r:id="rId11"/>
+  </p:notesMasterIdLst>
   <p:sldIdLst>
     <p:sldId id="256" r:id="rId2"/>
     <p:sldId id="257" r:id="rId3"/>
     <p:sldId id="258" r:id="rId4"/>
     <p:sldId id="259" r:id="rId5"/>
     <p:sldId id="260" r:id="rId6"/>
-    <p:sldId id="261" r:id="rId7"/>
-    <p:sldId id="262" r:id="rId8"/>
-    <p:sldId id="263" r:id="rId9"/>
+    <p:sldId id="262" r:id="rId7"/>
+    <p:sldId id="263" r:id="rId8"/>
+    <p:sldId id="261" r:id="rId9"/>
+    <p:sldId id="265" r:id="rId10"/>
   </p:sldIdLst>
   <p:sldSz cx="12192000" cy="6858000"/>
   <p:notesSz cx="6858000" cy="9144000"/>
@@ -119,6 +123,1110 @@
 </p:presentation>
 </file>
 
+<file path=ppt/notesMasters/notesMaster1.xml><?xml version="1.0" encoding="utf-8"?>
+<p:notesMaster xmlns:a="http://schemas.openxmlformats.org/drawingml/2006/main" xmlns:r="http://schemas.openxmlformats.org/officeDocument/2006/relationships" xmlns:p="http://schemas.openxmlformats.org/presentationml/2006/main">
+  <p:cSld>
+    <p:bg>
+      <p:bgRef idx="1001">
+        <a:schemeClr val="bg1"/>
+      </p:bgRef>
+    </p:bg>
+    <p:spTree>
+      <p:nvGrpSpPr>
+        <p:cNvPr id="1" name=""/>
+        <p:cNvGrpSpPr/>
+        <p:nvPr/>
+      </p:nvGrpSpPr>
+      <p:grpSpPr>
+        <a:xfrm>
+          <a:off x="0" y="0"/>
+          <a:ext cx="0" cy="0"/>
+          <a:chOff x="0" y="0"/>
+          <a:chExt cx="0" cy="0"/>
+        </a:xfrm>
+      </p:grpSpPr>
+      <p:sp>
+        <p:nvSpPr>
+          <p:cNvPr id="2" name="Header Placeholder 1"/>
+          <p:cNvSpPr>
+            <a:spLocks noGrp="1"/>
+          </p:cNvSpPr>
+          <p:nvPr>
+            <p:ph type="hdr" sz="quarter"/>
+          </p:nvPr>
+        </p:nvSpPr>
+        <p:spPr>
+          <a:xfrm>
+            <a:off x="0" y="0"/>
+            <a:ext cx="2971800" cy="458788"/>
+          </a:xfrm>
+          <a:prstGeom prst="rect">
+            <a:avLst/>
+          </a:prstGeom>
+        </p:spPr>
+        <p:txBody>
+          <a:bodyPr vert="horz" lIns="91440" tIns="45720" rIns="91440" bIns="45720" rtlCol="0"/>
+          <a:lstStyle>
+            <a:lvl1pPr algn="l">
+              <a:defRPr sz="1200"/>
+            </a:lvl1pPr>
+          </a:lstStyle>
+          <a:p>
+            <a:endParaRPr lang="en-US"/>
+          </a:p>
+        </p:txBody>
+      </p:sp>
+      <p:sp>
+        <p:nvSpPr>
+          <p:cNvPr id="3" name="Date Placeholder 2"/>
+          <p:cNvSpPr>
+            <a:spLocks noGrp="1"/>
+          </p:cNvSpPr>
+          <p:nvPr>
+            <p:ph type="dt" idx="1"/>
+          </p:nvPr>
+        </p:nvSpPr>
+        <p:spPr>
+          <a:xfrm>
+            <a:off x="3884613" y="0"/>
+            <a:ext cx="2971800" cy="458788"/>
+          </a:xfrm>
+          <a:prstGeom prst="rect">
+            <a:avLst/>
+          </a:prstGeom>
+        </p:spPr>
+        <p:txBody>
+          <a:bodyPr vert="horz" lIns="91440" tIns="45720" rIns="91440" bIns="45720" rtlCol="0"/>
+          <a:lstStyle>
+            <a:lvl1pPr algn="r">
+              <a:defRPr sz="1200"/>
+            </a:lvl1pPr>
+          </a:lstStyle>
+          <a:p>
+            <a:fld id="{4C2E8E4E-9CAD-A744-9B28-AA8029AE4870}" type="datetimeFigureOut">
+              <a:rPr lang="en-US" smtClean="0"/>
+              <a:t>12/18/18</a:t>
+            </a:fld>
+            <a:endParaRPr lang="en-US"/>
+          </a:p>
+        </p:txBody>
+      </p:sp>
+      <p:sp>
+        <p:nvSpPr>
+          <p:cNvPr id="4" name="Slide Image Placeholder 3"/>
+          <p:cNvSpPr>
+            <a:spLocks noGrp="1" noRot="1" noChangeAspect="1"/>
+          </p:cNvSpPr>
+          <p:nvPr>
+            <p:ph type="sldImg" idx="2"/>
+          </p:nvPr>
+        </p:nvSpPr>
+        <p:spPr>
+          <a:xfrm>
+            <a:off x="685800" y="1143000"/>
+            <a:ext cx="5486400" cy="3086100"/>
+          </a:xfrm>
+          <a:prstGeom prst="rect">
+            <a:avLst/>
+          </a:prstGeom>
+          <a:noFill/>
+          <a:ln w="12700">
+            <a:solidFill>
+              <a:prstClr val="black"/>
+            </a:solidFill>
+          </a:ln>
+        </p:spPr>
+        <p:txBody>
+          <a:bodyPr vert="horz" lIns="91440" tIns="45720" rIns="91440" bIns="45720" rtlCol="0" anchor="ctr"/>
+          <a:lstStyle/>
+          <a:p>
+            <a:endParaRPr lang="en-US"/>
+          </a:p>
+        </p:txBody>
+      </p:sp>
+      <p:sp>
+        <p:nvSpPr>
+          <p:cNvPr id="5" name="Notes Placeholder 4"/>
+          <p:cNvSpPr>
+            <a:spLocks noGrp="1"/>
+          </p:cNvSpPr>
+          <p:nvPr>
+            <p:ph type="body" sz="quarter" idx="3"/>
+          </p:nvPr>
+        </p:nvSpPr>
+        <p:spPr>
+          <a:xfrm>
+            <a:off x="685800" y="4400550"/>
+            <a:ext cx="5486400" cy="3600450"/>
+          </a:xfrm>
+          <a:prstGeom prst="rect">
+            <a:avLst/>
+          </a:prstGeom>
+        </p:spPr>
+        <p:txBody>
+          <a:bodyPr vert="horz" lIns="91440" tIns="45720" rIns="91440" bIns="45720" rtlCol="0"/>
+          <a:lstStyle/>
+          <a:p>
+            <a:pPr lvl="0"/>
+            <a:r>
+              <a:rPr lang="en-US"/>
+              <a:t>Edit Master text styles</a:t>
+            </a:r>
+          </a:p>
+          <a:p>
+            <a:pPr lvl="1"/>
+            <a:r>
+              <a:rPr lang="en-US"/>
+              <a:t>Second level</a:t>
+            </a:r>
+          </a:p>
+          <a:p>
+            <a:pPr lvl="2"/>
+            <a:r>
+              <a:rPr lang="en-US"/>
+              <a:t>Third level</a:t>
+            </a:r>
+          </a:p>
+          <a:p>
+            <a:pPr lvl="3"/>
+            <a:r>
+              <a:rPr lang="en-US"/>
+              <a:t>Fourth level</a:t>
+            </a:r>
+          </a:p>
+          <a:p>
+            <a:pPr lvl="4"/>
+            <a:r>
+              <a:rPr lang="en-US"/>
+              <a:t>Fifth level</a:t>
+            </a:r>
+          </a:p>
+        </p:txBody>
+      </p:sp>
+      <p:sp>
+        <p:nvSpPr>
+          <p:cNvPr id="6" name="Footer Placeholder 5"/>
+          <p:cNvSpPr>
+            <a:spLocks noGrp="1"/>
+          </p:cNvSpPr>
+          <p:nvPr>
+            <p:ph type="ftr" sz="quarter" idx="4"/>
+          </p:nvPr>
+        </p:nvSpPr>
+        <p:spPr>
+          <a:xfrm>
+            <a:off x="0" y="8685213"/>
+            <a:ext cx="2971800" cy="458787"/>
+          </a:xfrm>
+          <a:prstGeom prst="rect">
+            <a:avLst/>
+          </a:prstGeom>
+        </p:spPr>
+        <p:txBody>
+          <a:bodyPr vert="horz" lIns="91440" tIns="45720" rIns="91440" bIns="45720" rtlCol="0" anchor="b"/>
+          <a:lstStyle>
+            <a:lvl1pPr algn="l">
+              <a:defRPr sz="1200"/>
+            </a:lvl1pPr>
+          </a:lstStyle>
+          <a:p>
+            <a:endParaRPr lang="en-US"/>
+          </a:p>
+        </p:txBody>
+      </p:sp>
+      <p:sp>
+        <p:nvSpPr>
+          <p:cNvPr id="7" name="Slide Number Placeholder 6"/>
+          <p:cNvSpPr>
+            <a:spLocks noGrp="1"/>
+          </p:cNvSpPr>
+          <p:nvPr>
+            <p:ph type="sldNum" sz="quarter" idx="5"/>
+          </p:nvPr>
+        </p:nvSpPr>
+        <p:spPr>
+          <a:xfrm>
+            <a:off x="3884613" y="8685213"/>
+            <a:ext cx="2971800" cy="458787"/>
+          </a:xfrm>
+          <a:prstGeom prst="rect">
+            <a:avLst/>
+          </a:prstGeom>
+        </p:spPr>
+        <p:txBody>
+          <a:bodyPr vert="horz" lIns="91440" tIns="45720" rIns="91440" bIns="45720" rtlCol="0" anchor="b"/>
+          <a:lstStyle>
+            <a:lvl1pPr algn="r">
+              <a:defRPr sz="1200"/>
+            </a:lvl1pPr>
+          </a:lstStyle>
+          <a:p>
+            <a:fld id="{58142E36-837A-1F45-AF2B-A24CFD355CFD}" type="slidenum">
+              <a:rPr lang="en-US" smtClean="0"/>
+              <a:t>‹#›</a:t>
+            </a:fld>
+            <a:endParaRPr lang="en-US"/>
+          </a:p>
+        </p:txBody>
+      </p:sp>
+    </p:spTree>
+    <p:extLst>
+      <p:ext uri="{BB962C8B-B14F-4D97-AF65-F5344CB8AC3E}">
+        <p14:creationId xmlns:p14="http://schemas.microsoft.com/office/powerpoint/2010/main" val="737296770"/>
+      </p:ext>
+    </p:extLst>
+  </p:cSld>
+  <p:clrMap bg1="lt1" tx1="dk1" bg2="lt2" tx2="dk2" accent1="accent1" accent2="accent2" accent3="accent3" accent4="accent4" accent5="accent5" accent6="accent6" hlink="hlink" folHlink="folHlink"/>
+  <p:notesStyle>
+    <a:lvl1pPr marL="0" algn="l" defTabSz="914400" rtl="0" eaLnBrk="1" latinLnBrk="0" hangingPunct="1">
+      <a:defRPr sz="1200" kern="1200">
+        <a:solidFill>
+          <a:schemeClr val="tx1"/>
+        </a:solidFill>
+        <a:latin typeface="+mn-lt"/>
+        <a:ea typeface="+mn-ea"/>
+        <a:cs typeface="+mn-cs"/>
+      </a:defRPr>
+    </a:lvl1pPr>
+    <a:lvl2pPr marL="457200" algn="l" defTabSz="914400" rtl="0" eaLnBrk="1" latinLnBrk="0" hangingPunct="1">
+      <a:defRPr sz="1200" kern="1200">
+        <a:solidFill>
+          <a:schemeClr val="tx1"/>
+        </a:solidFill>
+        <a:latin typeface="+mn-lt"/>
+        <a:ea typeface="+mn-ea"/>
+        <a:cs typeface="+mn-cs"/>
+      </a:defRPr>
+    </a:lvl2pPr>
+    <a:lvl3pPr marL="914400" algn="l" defTabSz="914400" rtl="0" eaLnBrk="1" latinLnBrk="0" hangingPunct="1">
+      <a:defRPr sz="1200" kern="1200">
+        <a:solidFill>
+          <a:schemeClr val="tx1"/>
+        </a:solidFill>
+        <a:latin typeface="+mn-lt"/>
+        <a:ea typeface="+mn-ea"/>
+        <a:cs typeface="+mn-cs"/>
+      </a:defRPr>
+    </a:lvl3pPr>
+    <a:lvl4pPr marL="1371600" algn="l" defTabSz="914400" rtl="0" eaLnBrk="1" latinLnBrk="0" hangingPunct="1">
+      <a:defRPr sz="1200" kern="1200">
+        <a:solidFill>
+          <a:schemeClr val="tx1"/>
+        </a:solidFill>
+        <a:latin typeface="+mn-lt"/>
+        <a:ea typeface="+mn-ea"/>
+        <a:cs typeface="+mn-cs"/>
+      </a:defRPr>
+    </a:lvl4pPr>
+    <a:lvl5pPr marL="1828800" algn="l" defTabSz="914400" rtl="0" eaLnBrk="1" latinLnBrk="0" hangingPunct="1">
+      <a:defRPr sz="1200" kern="1200">
+        <a:solidFill>
+          <a:schemeClr val="tx1"/>
+        </a:solidFill>
+        <a:latin typeface="+mn-lt"/>
+        <a:ea typeface="+mn-ea"/>
+        <a:cs typeface="+mn-cs"/>
+      </a:defRPr>
+    </a:lvl5pPr>
+    <a:lvl6pPr marL="2286000" algn="l" defTabSz="914400" rtl="0" eaLnBrk="1" latinLnBrk="0" hangingPunct="1">
+      <a:defRPr sz="1200" kern="1200">
+        <a:solidFill>
+          <a:schemeClr val="tx1"/>
+        </a:solidFill>
+        <a:latin typeface="+mn-lt"/>
+        <a:ea typeface="+mn-ea"/>
+        <a:cs typeface="+mn-cs"/>
+      </a:defRPr>
+    </a:lvl6pPr>
+    <a:lvl7pPr marL="2743200" algn="l" defTabSz="914400" rtl="0" eaLnBrk="1" latinLnBrk="0" hangingPunct="1">
+      <a:defRPr sz="1200" kern="1200">
+        <a:solidFill>
+          <a:schemeClr val="tx1"/>
+        </a:solidFill>
+        <a:latin typeface="+mn-lt"/>
+        <a:ea typeface="+mn-ea"/>
+        <a:cs typeface="+mn-cs"/>
+      </a:defRPr>
+    </a:lvl7pPr>
+    <a:lvl8pPr marL="3200400" algn="l" defTabSz="914400" rtl="0" eaLnBrk="1" latinLnBrk="0" hangingPunct="1">
+      <a:defRPr sz="1200" kern="1200">
+        <a:solidFill>
+          <a:schemeClr val="tx1"/>
+        </a:solidFill>
+        <a:latin typeface="+mn-lt"/>
+        <a:ea typeface="+mn-ea"/>
+        <a:cs typeface="+mn-cs"/>
+      </a:defRPr>
+    </a:lvl8pPr>
+    <a:lvl9pPr marL="3657600" algn="l" defTabSz="914400" rtl="0" eaLnBrk="1" latinLnBrk="0" hangingPunct="1">
+      <a:defRPr sz="1200" kern="1200">
+        <a:solidFill>
+          <a:schemeClr val="tx1"/>
+        </a:solidFill>
+        <a:latin typeface="+mn-lt"/>
+        <a:ea typeface="+mn-ea"/>
+        <a:cs typeface="+mn-cs"/>
+      </a:defRPr>
+    </a:lvl9pPr>
+  </p:notesStyle>
+</p:notesMaster>
+</file>
+
+<file path=ppt/notesSlides/notesSlide1.xml><?xml version="1.0" encoding="utf-8"?>
+<p:notes xmlns:a="http://schemas.openxmlformats.org/drawingml/2006/main" xmlns:r="http://schemas.openxmlformats.org/officeDocument/2006/relationships" xmlns:p="http://schemas.openxmlformats.org/presentationml/2006/main">
+  <p:cSld>
+    <p:spTree>
+      <p:nvGrpSpPr>
+        <p:cNvPr id="1" name=""/>
+        <p:cNvGrpSpPr/>
+        <p:nvPr/>
+      </p:nvGrpSpPr>
+      <p:grpSpPr>
+        <a:xfrm>
+          <a:off x="0" y="0"/>
+          <a:ext cx="0" cy="0"/>
+          <a:chOff x="0" y="0"/>
+          <a:chExt cx="0" cy="0"/>
+        </a:xfrm>
+      </p:grpSpPr>
+      <p:sp>
+        <p:nvSpPr>
+          <p:cNvPr id="2" name="Slide Image Placeholder 1"/>
+          <p:cNvSpPr>
+            <a:spLocks noGrp="1" noRot="1" noChangeAspect="1"/>
+          </p:cNvSpPr>
+          <p:nvPr>
+            <p:ph type="sldImg"/>
+          </p:nvPr>
+        </p:nvSpPr>
+        <p:spPr/>
+      </p:sp>
+      <p:sp>
+        <p:nvSpPr>
+          <p:cNvPr id="3" name="Notes Placeholder 2"/>
+          <p:cNvSpPr>
+            <a:spLocks noGrp="1"/>
+          </p:cNvSpPr>
+          <p:nvPr>
+            <p:ph type="body" idx="1"/>
+          </p:nvPr>
+        </p:nvSpPr>
+        <p:spPr/>
+        <p:txBody>
+          <a:bodyPr/>
+          <a:lstStyle/>
+          <a:p>
+            <a:endParaRPr lang="en-US" dirty="0"/>
+          </a:p>
+        </p:txBody>
+      </p:sp>
+      <p:sp>
+        <p:nvSpPr>
+          <p:cNvPr id="4" name="Slide Number Placeholder 3"/>
+          <p:cNvSpPr>
+            <a:spLocks noGrp="1"/>
+          </p:cNvSpPr>
+          <p:nvPr>
+            <p:ph type="sldNum" sz="quarter" idx="5"/>
+          </p:nvPr>
+        </p:nvSpPr>
+        <p:spPr/>
+        <p:txBody>
+          <a:bodyPr/>
+          <a:lstStyle/>
+          <a:p>
+            <a:fld id="{58142E36-837A-1F45-AF2B-A24CFD355CFD}" type="slidenum">
+              <a:rPr lang="en-US" smtClean="0"/>
+              <a:t>1</a:t>
+            </a:fld>
+            <a:endParaRPr lang="en-US"/>
+          </a:p>
+        </p:txBody>
+      </p:sp>
+    </p:spTree>
+    <p:extLst>
+      <p:ext uri="{BB962C8B-B14F-4D97-AF65-F5344CB8AC3E}">
+        <p14:creationId xmlns:p14="http://schemas.microsoft.com/office/powerpoint/2010/main" val="3787811457"/>
+      </p:ext>
+    </p:extLst>
+  </p:cSld>
+  <p:clrMapOvr>
+    <a:masterClrMapping/>
+  </p:clrMapOvr>
+</p:notes>
+</file>
+
+<file path=ppt/notesSlides/notesSlide2.xml><?xml version="1.0" encoding="utf-8"?>
+<p:notes xmlns:a="http://schemas.openxmlformats.org/drawingml/2006/main" xmlns:r="http://schemas.openxmlformats.org/officeDocument/2006/relationships" xmlns:p="http://schemas.openxmlformats.org/presentationml/2006/main">
+  <p:cSld>
+    <p:spTree>
+      <p:nvGrpSpPr>
+        <p:cNvPr id="1" name=""/>
+        <p:cNvGrpSpPr/>
+        <p:nvPr/>
+      </p:nvGrpSpPr>
+      <p:grpSpPr>
+        <a:xfrm>
+          <a:off x="0" y="0"/>
+          <a:ext cx="0" cy="0"/>
+          <a:chOff x="0" y="0"/>
+          <a:chExt cx="0" cy="0"/>
+        </a:xfrm>
+      </p:grpSpPr>
+      <p:sp>
+        <p:nvSpPr>
+          <p:cNvPr id="2" name="Slide Image Placeholder 1"/>
+          <p:cNvSpPr>
+            <a:spLocks noGrp="1" noRot="1" noChangeAspect="1"/>
+          </p:cNvSpPr>
+          <p:nvPr>
+            <p:ph type="sldImg"/>
+          </p:nvPr>
+        </p:nvSpPr>
+        <p:spPr/>
+      </p:sp>
+      <p:sp>
+        <p:nvSpPr>
+          <p:cNvPr id="3" name="Notes Placeholder 2"/>
+          <p:cNvSpPr>
+            <a:spLocks noGrp="1"/>
+          </p:cNvSpPr>
+          <p:nvPr>
+            <p:ph type="body" idx="1"/>
+          </p:nvPr>
+        </p:nvSpPr>
+        <p:spPr/>
+        <p:txBody>
+          <a:bodyPr/>
+          <a:lstStyle/>
+          <a:p>
+            <a:r>
+              <a:rPr lang="en-US" dirty="0"/>
+              <a:t>Here is overview for today’s presentation.</a:t>
+            </a:r>
+          </a:p>
+        </p:txBody>
+      </p:sp>
+      <p:sp>
+        <p:nvSpPr>
+          <p:cNvPr id="4" name="Slide Number Placeholder 3"/>
+          <p:cNvSpPr>
+            <a:spLocks noGrp="1"/>
+          </p:cNvSpPr>
+          <p:nvPr>
+            <p:ph type="sldNum" sz="quarter" idx="5"/>
+          </p:nvPr>
+        </p:nvSpPr>
+        <p:spPr/>
+        <p:txBody>
+          <a:bodyPr/>
+          <a:lstStyle/>
+          <a:p>
+            <a:fld id="{58142E36-837A-1F45-AF2B-A24CFD355CFD}" type="slidenum">
+              <a:rPr lang="en-US" smtClean="0"/>
+              <a:t>2</a:t>
+            </a:fld>
+            <a:endParaRPr lang="en-US"/>
+          </a:p>
+        </p:txBody>
+      </p:sp>
+    </p:spTree>
+    <p:extLst>
+      <p:ext uri="{BB962C8B-B14F-4D97-AF65-F5344CB8AC3E}">
+        <p14:creationId xmlns:p14="http://schemas.microsoft.com/office/powerpoint/2010/main" val="1142874802"/>
+      </p:ext>
+    </p:extLst>
+  </p:cSld>
+  <p:clrMapOvr>
+    <a:masterClrMapping/>
+  </p:clrMapOvr>
+</p:notes>
+</file>
+
+<file path=ppt/notesSlides/notesSlide3.xml><?xml version="1.0" encoding="utf-8"?>
+<p:notes xmlns:a="http://schemas.openxmlformats.org/drawingml/2006/main" xmlns:r="http://schemas.openxmlformats.org/officeDocument/2006/relationships" xmlns:p="http://schemas.openxmlformats.org/presentationml/2006/main">
+  <p:cSld>
+    <p:spTree>
+      <p:nvGrpSpPr>
+        <p:cNvPr id="1" name=""/>
+        <p:cNvGrpSpPr/>
+        <p:nvPr/>
+      </p:nvGrpSpPr>
+      <p:grpSpPr>
+        <a:xfrm>
+          <a:off x="0" y="0"/>
+          <a:ext cx="0" cy="0"/>
+          <a:chOff x="0" y="0"/>
+          <a:chExt cx="0" cy="0"/>
+        </a:xfrm>
+      </p:grpSpPr>
+      <p:sp>
+        <p:nvSpPr>
+          <p:cNvPr id="2" name="Slide Image Placeholder 1"/>
+          <p:cNvSpPr>
+            <a:spLocks noGrp="1" noRot="1" noChangeAspect="1"/>
+          </p:cNvSpPr>
+          <p:nvPr>
+            <p:ph type="sldImg"/>
+          </p:nvPr>
+        </p:nvSpPr>
+        <p:spPr/>
+      </p:sp>
+      <p:sp>
+        <p:nvSpPr>
+          <p:cNvPr id="3" name="Notes Placeholder 2"/>
+          <p:cNvSpPr>
+            <a:spLocks noGrp="1"/>
+          </p:cNvSpPr>
+          <p:nvPr>
+            <p:ph type="body" idx="1"/>
+          </p:nvPr>
+        </p:nvSpPr>
+        <p:spPr/>
+        <p:txBody>
+          <a:bodyPr/>
+          <a:lstStyle/>
+          <a:p>
+            <a:r>
+              <a:rPr lang="en-US" dirty="0"/>
+              <a:t>This project is to build a web application that can enhance images’ resolution.</a:t>
+            </a:r>
+          </a:p>
+          <a:p>
+            <a:endParaRPr lang="en-US" dirty="0"/>
+          </a:p>
+          <a:p>
+            <a:r>
+              <a:rPr lang="en-US" dirty="0"/>
+              <a:t>The theory behind is to have deep learning model which has capable of doing image enhancement job.</a:t>
+            </a:r>
+          </a:p>
+          <a:p>
+            <a:endParaRPr lang="en-US" dirty="0"/>
+          </a:p>
+          <a:p>
+            <a:r>
+              <a:rPr lang="en-US" dirty="0"/>
+              <a:t>Deep learning is basically a human brain that has specifically taught in one special ability.</a:t>
+            </a:r>
+          </a:p>
+        </p:txBody>
+      </p:sp>
+      <p:sp>
+        <p:nvSpPr>
+          <p:cNvPr id="4" name="Slide Number Placeholder 3"/>
+          <p:cNvSpPr>
+            <a:spLocks noGrp="1"/>
+          </p:cNvSpPr>
+          <p:nvPr>
+            <p:ph type="sldNum" sz="quarter" idx="5"/>
+          </p:nvPr>
+        </p:nvSpPr>
+        <p:spPr/>
+        <p:txBody>
+          <a:bodyPr/>
+          <a:lstStyle/>
+          <a:p>
+            <a:fld id="{58142E36-837A-1F45-AF2B-A24CFD355CFD}" type="slidenum">
+              <a:rPr lang="en-US" smtClean="0"/>
+              <a:t>3</a:t>
+            </a:fld>
+            <a:endParaRPr lang="en-US"/>
+          </a:p>
+        </p:txBody>
+      </p:sp>
+    </p:spTree>
+    <p:extLst>
+      <p:ext uri="{BB962C8B-B14F-4D97-AF65-F5344CB8AC3E}">
+        <p14:creationId xmlns:p14="http://schemas.microsoft.com/office/powerpoint/2010/main" val="1077742134"/>
+      </p:ext>
+    </p:extLst>
+  </p:cSld>
+  <p:clrMapOvr>
+    <a:masterClrMapping/>
+  </p:clrMapOvr>
+</p:notes>
+</file>
+
+<file path=ppt/notesSlides/notesSlide4.xml><?xml version="1.0" encoding="utf-8"?>
+<p:notes xmlns:a="http://schemas.openxmlformats.org/drawingml/2006/main" xmlns:r="http://schemas.openxmlformats.org/officeDocument/2006/relationships" xmlns:p="http://schemas.openxmlformats.org/presentationml/2006/main">
+  <p:cSld>
+    <p:spTree>
+      <p:nvGrpSpPr>
+        <p:cNvPr id="1" name=""/>
+        <p:cNvGrpSpPr/>
+        <p:nvPr/>
+      </p:nvGrpSpPr>
+      <p:grpSpPr>
+        <a:xfrm>
+          <a:off x="0" y="0"/>
+          <a:ext cx="0" cy="0"/>
+          <a:chOff x="0" y="0"/>
+          <a:chExt cx="0" cy="0"/>
+        </a:xfrm>
+      </p:grpSpPr>
+      <p:sp>
+        <p:nvSpPr>
+          <p:cNvPr id="2" name="Slide Image Placeholder 1"/>
+          <p:cNvSpPr>
+            <a:spLocks noGrp="1" noRot="1" noChangeAspect="1"/>
+          </p:cNvSpPr>
+          <p:nvPr>
+            <p:ph type="sldImg"/>
+          </p:nvPr>
+        </p:nvSpPr>
+        <p:spPr/>
+      </p:sp>
+      <p:sp>
+        <p:nvSpPr>
+          <p:cNvPr id="3" name="Notes Placeholder 2"/>
+          <p:cNvSpPr>
+            <a:spLocks noGrp="1"/>
+          </p:cNvSpPr>
+          <p:nvPr>
+            <p:ph type="body" idx="1"/>
+          </p:nvPr>
+        </p:nvSpPr>
+        <p:spPr/>
+        <p:txBody>
+          <a:bodyPr/>
+          <a:lstStyle/>
+          <a:p>
+            <a:r>
+              <a:rPr lang="en-US" sz="2000" dirty="0"/>
+              <a:t>Where do I get this idea</a:t>
+            </a:r>
+          </a:p>
+          <a:p>
+            <a:endParaRPr lang="en-US" sz="2000" dirty="0"/>
+          </a:p>
+          <a:p>
+            <a:r>
+              <a:rPr lang="en-US" sz="2000" dirty="0"/>
+              <a:t>There are problems with using small size and low-resolution images which people get those from online or old pictures, images that were never been high-resolution</a:t>
+            </a:r>
+          </a:p>
+          <a:p>
+            <a:endParaRPr lang="en-US" sz="2000" dirty="0"/>
+          </a:p>
+          <a:p>
+            <a:r>
+              <a:rPr lang="en-US" sz="2000" dirty="0"/>
+              <a:t>and another problem even with good camera, people can ended up having shaky pictures</a:t>
+            </a:r>
+          </a:p>
+          <a:p>
+            <a:endParaRPr lang="en-US" sz="2000" dirty="0"/>
+          </a:p>
+          <a:p>
+            <a:r>
+              <a:rPr lang="en-US" sz="2000" dirty="0"/>
+              <a:t>Therefore the goal to fix this is make a web application that can automatically switch to high-resolution images. And there will be users who want to use it.</a:t>
+            </a:r>
+          </a:p>
+        </p:txBody>
+      </p:sp>
+      <p:sp>
+        <p:nvSpPr>
+          <p:cNvPr id="4" name="Slide Number Placeholder 3"/>
+          <p:cNvSpPr>
+            <a:spLocks noGrp="1"/>
+          </p:cNvSpPr>
+          <p:nvPr>
+            <p:ph type="sldNum" sz="quarter" idx="5"/>
+          </p:nvPr>
+        </p:nvSpPr>
+        <p:spPr/>
+        <p:txBody>
+          <a:bodyPr/>
+          <a:lstStyle/>
+          <a:p>
+            <a:fld id="{58142E36-837A-1F45-AF2B-A24CFD355CFD}" type="slidenum">
+              <a:rPr lang="en-US" smtClean="0"/>
+              <a:t>4</a:t>
+            </a:fld>
+            <a:endParaRPr lang="en-US"/>
+          </a:p>
+        </p:txBody>
+      </p:sp>
+    </p:spTree>
+    <p:extLst>
+      <p:ext uri="{BB962C8B-B14F-4D97-AF65-F5344CB8AC3E}">
+        <p14:creationId xmlns:p14="http://schemas.microsoft.com/office/powerpoint/2010/main" val="2715319686"/>
+      </p:ext>
+    </p:extLst>
+  </p:cSld>
+  <p:clrMapOvr>
+    <a:masterClrMapping/>
+  </p:clrMapOvr>
+</p:notes>
+</file>
+
+<file path=ppt/notesSlides/notesSlide5.xml><?xml version="1.0" encoding="utf-8"?>
+<p:notes xmlns:a="http://schemas.openxmlformats.org/drawingml/2006/main" xmlns:r="http://schemas.openxmlformats.org/officeDocument/2006/relationships" xmlns:p="http://schemas.openxmlformats.org/presentationml/2006/main">
+  <p:cSld>
+    <p:spTree>
+      <p:nvGrpSpPr>
+        <p:cNvPr id="1" name=""/>
+        <p:cNvGrpSpPr/>
+        <p:nvPr/>
+      </p:nvGrpSpPr>
+      <p:grpSpPr>
+        <a:xfrm>
+          <a:off x="0" y="0"/>
+          <a:ext cx="0" cy="0"/>
+          <a:chOff x="0" y="0"/>
+          <a:chExt cx="0" cy="0"/>
+        </a:xfrm>
+      </p:grpSpPr>
+      <p:sp>
+        <p:nvSpPr>
+          <p:cNvPr id="2" name="Slide Image Placeholder 1"/>
+          <p:cNvSpPr>
+            <a:spLocks noGrp="1" noRot="1" noChangeAspect="1"/>
+          </p:cNvSpPr>
+          <p:nvPr>
+            <p:ph type="sldImg"/>
+          </p:nvPr>
+        </p:nvSpPr>
+        <p:spPr/>
+      </p:sp>
+      <p:sp>
+        <p:nvSpPr>
+          <p:cNvPr id="3" name="Notes Placeholder 2"/>
+          <p:cNvSpPr>
+            <a:spLocks noGrp="1"/>
+          </p:cNvSpPr>
+          <p:nvPr>
+            <p:ph type="body" idx="1"/>
+          </p:nvPr>
+        </p:nvSpPr>
+        <p:spPr/>
+        <p:txBody>
+          <a:bodyPr/>
+          <a:lstStyle/>
+          <a:p>
+            <a:r>
+              <a:rPr lang="en-US" dirty="0"/>
+              <a:t>So I will briefly go over on CNN.</a:t>
+            </a:r>
+          </a:p>
+          <a:p>
+            <a:r>
+              <a:rPr lang="en-US" dirty="0"/>
+              <a:t>Most of image related works on Neural network are using </a:t>
+            </a:r>
+            <a:r>
+              <a:rPr lang="en-US" dirty="0" err="1"/>
+              <a:t>cnn</a:t>
+            </a:r>
+            <a:r>
+              <a:rPr lang="en-US" dirty="0"/>
+              <a:t>, </a:t>
+            </a:r>
+          </a:p>
+          <a:p>
+            <a:endParaRPr lang="en-US" dirty="0"/>
+          </a:p>
+          <a:p>
+            <a:r>
+              <a:rPr lang="en-US" dirty="0"/>
+              <a:t>What </a:t>
+            </a:r>
+            <a:r>
+              <a:rPr lang="en-US" dirty="0" err="1"/>
+              <a:t>cnn</a:t>
+            </a:r>
+            <a:r>
+              <a:rPr lang="en-US" dirty="0"/>
+              <a:t> does is as you can see from the image</a:t>
+            </a:r>
+          </a:p>
+          <a:p>
+            <a:r>
+              <a:rPr lang="en-US" dirty="0"/>
+              <a:t>Computer will look through pixel by pixel of image and and eventually it will have matrix of numbers which  each number is </a:t>
+            </a:r>
+            <a:r>
+              <a:rPr lang="en-US" dirty="0" err="1"/>
+              <a:t>representaing</a:t>
+            </a:r>
+            <a:r>
+              <a:rPr lang="en-US" dirty="0"/>
+              <a:t> a color.</a:t>
+            </a:r>
+          </a:p>
+          <a:p>
+            <a:endParaRPr lang="en-US" dirty="0"/>
+          </a:p>
+          <a:p>
+            <a:endParaRPr lang="en-US" dirty="0"/>
+          </a:p>
+          <a:p>
+            <a:endParaRPr lang="en-US" dirty="0"/>
+          </a:p>
+          <a:p>
+            <a:endParaRPr lang="en-US" dirty="0"/>
+          </a:p>
+        </p:txBody>
+      </p:sp>
+      <p:sp>
+        <p:nvSpPr>
+          <p:cNvPr id="4" name="Slide Number Placeholder 3"/>
+          <p:cNvSpPr>
+            <a:spLocks noGrp="1"/>
+          </p:cNvSpPr>
+          <p:nvPr>
+            <p:ph type="sldNum" sz="quarter" idx="5"/>
+          </p:nvPr>
+        </p:nvSpPr>
+        <p:spPr/>
+        <p:txBody>
+          <a:bodyPr/>
+          <a:lstStyle/>
+          <a:p>
+            <a:fld id="{58142E36-837A-1F45-AF2B-A24CFD355CFD}" type="slidenum">
+              <a:rPr lang="en-US" smtClean="0"/>
+              <a:t>6</a:t>
+            </a:fld>
+            <a:endParaRPr lang="en-US"/>
+          </a:p>
+        </p:txBody>
+      </p:sp>
+    </p:spTree>
+    <p:extLst>
+      <p:ext uri="{BB962C8B-B14F-4D97-AF65-F5344CB8AC3E}">
+        <p14:creationId xmlns:p14="http://schemas.microsoft.com/office/powerpoint/2010/main" val="1728469499"/>
+      </p:ext>
+    </p:extLst>
+  </p:cSld>
+  <p:clrMapOvr>
+    <a:masterClrMapping/>
+  </p:clrMapOvr>
+</p:notes>
+</file>
+
+<file path=ppt/notesSlides/notesSlide6.xml><?xml version="1.0" encoding="utf-8"?>
+<p:notes xmlns:a="http://schemas.openxmlformats.org/drawingml/2006/main" xmlns:r="http://schemas.openxmlformats.org/officeDocument/2006/relationships" xmlns:p="http://schemas.openxmlformats.org/presentationml/2006/main">
+  <p:cSld>
+    <p:spTree>
+      <p:nvGrpSpPr>
+        <p:cNvPr id="1" name=""/>
+        <p:cNvGrpSpPr/>
+        <p:nvPr/>
+      </p:nvGrpSpPr>
+      <p:grpSpPr>
+        <a:xfrm>
+          <a:off x="0" y="0"/>
+          <a:ext cx="0" cy="0"/>
+          <a:chOff x="0" y="0"/>
+          <a:chExt cx="0" cy="0"/>
+        </a:xfrm>
+      </p:grpSpPr>
+      <p:sp>
+        <p:nvSpPr>
+          <p:cNvPr id="2" name="Slide Image Placeholder 1"/>
+          <p:cNvSpPr>
+            <a:spLocks noGrp="1" noRot="1" noChangeAspect="1"/>
+          </p:cNvSpPr>
+          <p:nvPr>
+            <p:ph type="sldImg"/>
+          </p:nvPr>
+        </p:nvSpPr>
+        <p:spPr/>
+      </p:sp>
+      <p:sp>
+        <p:nvSpPr>
+          <p:cNvPr id="3" name="Notes Placeholder 2"/>
+          <p:cNvSpPr>
+            <a:spLocks noGrp="1"/>
+          </p:cNvSpPr>
+          <p:nvPr>
+            <p:ph type="body" idx="1"/>
+          </p:nvPr>
+        </p:nvSpPr>
+        <p:spPr/>
+        <p:txBody>
+          <a:bodyPr/>
+          <a:lstStyle/>
+          <a:p>
+            <a:r>
+              <a:rPr lang="en-US" dirty="0"/>
+              <a:t>From CNN</a:t>
+            </a:r>
+          </a:p>
+          <a:p>
+            <a:r>
+              <a:rPr lang="en-US" dirty="0"/>
+              <a:t>For my model I used residual dense block </a:t>
+            </a:r>
+          </a:p>
+          <a:p>
+            <a:endParaRPr lang="en-US" dirty="0"/>
+          </a:p>
+          <a:p>
+            <a:r>
+              <a:rPr lang="en-US" dirty="0"/>
+              <a:t>Batch norm – what is does is like for example lets say you feed model in black cat pictures then eventually the model will think that cat is black.</a:t>
+            </a:r>
+          </a:p>
+          <a:p>
+            <a:r>
+              <a:rPr lang="en-US" dirty="0"/>
+              <a:t>Batch norm will prevent that and try to normalize that cat can be any color</a:t>
+            </a:r>
+          </a:p>
+          <a:p>
+            <a:endParaRPr lang="en-US" dirty="0"/>
+          </a:p>
+          <a:p>
+            <a:r>
+              <a:rPr lang="en-US" dirty="0" err="1"/>
+              <a:t>Relu</a:t>
+            </a:r>
+            <a:r>
+              <a:rPr lang="en-US" dirty="0"/>
+              <a:t> is like a node in python to connect each other and also confirms to go to next step</a:t>
+            </a:r>
+          </a:p>
+          <a:p>
+            <a:endParaRPr lang="en-US" dirty="0"/>
+          </a:p>
+          <a:p>
+            <a:r>
+              <a:rPr lang="en-US" dirty="0"/>
+              <a:t>eventually what model does is have one pixel make 3x3 nine pixels which means magnifying or make it into high-resolution</a:t>
+            </a:r>
+          </a:p>
+        </p:txBody>
+      </p:sp>
+      <p:sp>
+        <p:nvSpPr>
+          <p:cNvPr id="4" name="Slide Number Placeholder 3"/>
+          <p:cNvSpPr>
+            <a:spLocks noGrp="1"/>
+          </p:cNvSpPr>
+          <p:nvPr>
+            <p:ph type="sldNum" sz="quarter" idx="5"/>
+          </p:nvPr>
+        </p:nvSpPr>
+        <p:spPr/>
+        <p:txBody>
+          <a:bodyPr/>
+          <a:lstStyle/>
+          <a:p>
+            <a:fld id="{58142E36-837A-1F45-AF2B-A24CFD355CFD}" type="slidenum">
+              <a:rPr lang="en-US" smtClean="0"/>
+              <a:t>7</a:t>
+            </a:fld>
+            <a:endParaRPr lang="en-US"/>
+          </a:p>
+        </p:txBody>
+      </p:sp>
+    </p:spTree>
+    <p:extLst>
+      <p:ext uri="{BB962C8B-B14F-4D97-AF65-F5344CB8AC3E}">
+        <p14:creationId xmlns:p14="http://schemas.microsoft.com/office/powerpoint/2010/main" val="3600131230"/>
+      </p:ext>
+    </p:extLst>
+  </p:cSld>
+  <p:clrMapOvr>
+    <a:masterClrMapping/>
+  </p:clrMapOvr>
+</p:notes>
+</file>
+
+<file path=ppt/notesSlides/notesSlide7.xml><?xml version="1.0" encoding="utf-8"?>
+<p:notes xmlns:a="http://schemas.openxmlformats.org/drawingml/2006/main" xmlns:r="http://schemas.openxmlformats.org/officeDocument/2006/relationships" xmlns:p="http://schemas.openxmlformats.org/presentationml/2006/main">
+  <p:cSld>
+    <p:spTree>
+      <p:nvGrpSpPr>
+        <p:cNvPr id="1" name=""/>
+        <p:cNvGrpSpPr/>
+        <p:nvPr/>
+      </p:nvGrpSpPr>
+      <p:grpSpPr>
+        <a:xfrm>
+          <a:off x="0" y="0"/>
+          <a:ext cx="0" cy="0"/>
+          <a:chOff x="0" y="0"/>
+          <a:chExt cx="0" cy="0"/>
+        </a:xfrm>
+      </p:grpSpPr>
+      <p:sp>
+        <p:nvSpPr>
+          <p:cNvPr id="2" name="Slide Image Placeholder 1"/>
+          <p:cNvSpPr>
+            <a:spLocks noGrp="1" noRot="1" noChangeAspect="1"/>
+          </p:cNvSpPr>
+          <p:nvPr>
+            <p:ph type="sldImg"/>
+          </p:nvPr>
+        </p:nvSpPr>
+        <p:spPr/>
+      </p:sp>
+      <p:sp>
+        <p:nvSpPr>
+          <p:cNvPr id="3" name="Notes Placeholder 2"/>
+          <p:cNvSpPr>
+            <a:spLocks noGrp="1"/>
+          </p:cNvSpPr>
+          <p:nvPr>
+            <p:ph type="body" idx="1"/>
+          </p:nvPr>
+        </p:nvSpPr>
+        <p:spPr/>
+        <p:txBody>
+          <a:bodyPr/>
+          <a:lstStyle/>
+          <a:p>
+            <a:r>
+              <a:rPr lang="en-US" dirty="0" err="1"/>
+              <a:t>i</a:t>
+            </a:r>
+            <a:r>
+              <a:rPr lang="en-US" dirty="0"/>
+              <a:t> want to have some kind of search engine for images like google image where people can download high-resolution images directly from my website.</a:t>
+            </a:r>
+          </a:p>
+        </p:txBody>
+      </p:sp>
+      <p:sp>
+        <p:nvSpPr>
+          <p:cNvPr id="4" name="Slide Number Placeholder 3"/>
+          <p:cNvSpPr>
+            <a:spLocks noGrp="1"/>
+          </p:cNvSpPr>
+          <p:nvPr>
+            <p:ph type="sldNum" sz="quarter" idx="5"/>
+          </p:nvPr>
+        </p:nvSpPr>
+        <p:spPr/>
+        <p:txBody>
+          <a:bodyPr/>
+          <a:lstStyle/>
+          <a:p>
+            <a:fld id="{58142E36-837A-1F45-AF2B-A24CFD355CFD}" type="slidenum">
+              <a:rPr lang="en-US" smtClean="0"/>
+              <a:t>9</a:t>
+            </a:fld>
+            <a:endParaRPr lang="en-US"/>
+          </a:p>
+        </p:txBody>
+      </p:sp>
+    </p:spTree>
+    <p:extLst>
+      <p:ext uri="{BB962C8B-B14F-4D97-AF65-F5344CB8AC3E}">
+        <p14:creationId xmlns:p14="http://schemas.microsoft.com/office/powerpoint/2010/main" val="846240814"/>
+      </p:ext>
+    </p:extLst>
+  </p:cSld>
+  <p:clrMapOvr>
+    <a:masterClrMapping/>
+  </p:clrMapOvr>
+</p:notes>
+</file>
+
 <file path=ppt/slideLayouts/slideLayout1.xml><?xml version="1.0" encoding="utf-8"?>
 <p:sldLayout xmlns:a="http://schemas.openxmlformats.org/drawingml/2006/main" xmlns:r="http://schemas.openxmlformats.org/officeDocument/2006/relationships" xmlns:p="http://schemas.openxmlformats.org/presentationml/2006/main" showMasterSp="0" type="title" preserve="1">
   <p:cSld name="Title Slide">
@@ -176,7 +1284,7 @@
           <a:noFill/>
           <a:extLst>
             <a:ext uri="{909E8E84-426E-40dd-AFC4-6F175D3DCCD1}">
-              <a14:hiddenFill xmlns="" xmlns:a14="http://schemas.microsoft.com/office/drawing/2010/main">
+              <a14:hiddenFill xmlns:a14="http://schemas.microsoft.com/office/drawing/2010/main" xmlns="">
                 <a:solidFill>
                   <a:srgbClr val="FFFFFF"/>
                 </a:solidFill>
@@ -235,7 +1343,7 @@
             </a:ln>
             <a:extLst>
               <a:ext uri="{91240B29-F687-4f45-9708-019B960494DF}">
-                <a14:hiddenLine xmlns="" xmlns:a14="http://schemas.microsoft.com/office/drawing/2010/main" w="9525">
+                <a14:hiddenLine xmlns:a14="http://schemas.microsoft.com/office/drawing/2010/main" xmlns="" w="9525">
                   <a:solidFill>
                     <a:srgbClr val="000000"/>
                   </a:solidFill>
@@ -325,7 +1433,7 @@
             </a:ln>
             <a:extLst>
               <a:ext uri="{91240B29-F687-4f45-9708-019B960494DF}">
-                <a14:hiddenLine xmlns="" xmlns:a14="http://schemas.microsoft.com/office/drawing/2010/main" w="9525">
+                <a14:hiddenLine xmlns:a14="http://schemas.microsoft.com/office/drawing/2010/main" xmlns="" w="9525">
                   <a:solidFill>
                     <a:srgbClr val="000000"/>
                   </a:solidFill>
@@ -415,7 +1523,7 @@
             </a:ln>
             <a:extLst>
               <a:ext uri="{91240B29-F687-4f45-9708-019B960494DF}">
-                <a14:hiddenLine xmlns="" xmlns:a14="http://schemas.microsoft.com/office/drawing/2010/main" w="9525">
+                <a14:hiddenLine xmlns:a14="http://schemas.microsoft.com/office/drawing/2010/main" xmlns="" w="9525">
                   <a:solidFill>
                     <a:srgbClr val="000000"/>
                   </a:solidFill>
@@ -449,7 +1557,7 @@
             </a:ln>
             <a:extLst>
               <a:ext uri="{91240B29-F687-4f45-9708-019B960494DF}">
-                <a14:hiddenLine xmlns="" xmlns:a14="http://schemas.microsoft.com/office/drawing/2010/main" w="9525">
+                <a14:hiddenLine xmlns:a14="http://schemas.microsoft.com/office/drawing/2010/main" xmlns="" w="9525">
                   <a:solidFill>
                     <a:srgbClr val="000000"/>
                   </a:solidFill>
@@ -539,7 +1647,7 @@
             </a:ln>
             <a:extLst>
               <a:ext uri="{91240B29-F687-4f45-9708-019B960494DF}">
-                <a14:hiddenLine xmlns="" xmlns:a14="http://schemas.microsoft.com/office/drawing/2010/main" w="9525">
+                <a14:hiddenLine xmlns:a14="http://schemas.microsoft.com/office/drawing/2010/main" xmlns="" w="9525">
                   <a:solidFill>
                     <a:srgbClr val="000000"/>
                   </a:solidFill>
@@ -601,7 +1709,7 @@
             </a:ln>
             <a:extLst>
               <a:ext uri="{91240B29-F687-4f45-9708-019B960494DF}">
-                <a14:hiddenLine xmlns="" xmlns:a14="http://schemas.microsoft.com/office/drawing/2010/main" w="9525">
+                <a14:hiddenLine xmlns:a14="http://schemas.microsoft.com/office/drawing/2010/main" xmlns="" w="9525">
                   <a:solidFill>
                     <a:srgbClr val="000000"/>
                   </a:solidFill>
@@ -663,7 +1771,7 @@
             </a:ln>
             <a:extLst>
               <a:ext uri="{91240B29-F687-4f45-9708-019B960494DF}">
-                <a14:hiddenLine xmlns="" xmlns:a14="http://schemas.microsoft.com/office/drawing/2010/main" w="9525">
+                <a14:hiddenLine xmlns:a14="http://schemas.microsoft.com/office/drawing/2010/main" xmlns="" w="9525">
                   <a:solidFill>
                     <a:srgbClr val="000000"/>
                   </a:solidFill>
@@ -753,7 +1861,7 @@
             </a:ln>
             <a:extLst>
               <a:ext uri="{91240B29-F687-4f45-9708-019B960494DF}">
-                <a14:hiddenLine xmlns="" xmlns:a14="http://schemas.microsoft.com/office/drawing/2010/main" w="9525">
+                <a14:hiddenLine xmlns:a14="http://schemas.microsoft.com/office/drawing/2010/main" xmlns="" w="9525">
                   <a:solidFill>
                     <a:srgbClr val="000000"/>
                   </a:solidFill>
@@ -815,7 +1923,7 @@
             </a:ln>
             <a:extLst>
               <a:ext uri="{91240B29-F687-4f45-9708-019B960494DF}">
-                <a14:hiddenLine xmlns="" xmlns:a14="http://schemas.microsoft.com/office/drawing/2010/main" w="9525">
+                <a14:hiddenLine xmlns:a14="http://schemas.microsoft.com/office/drawing/2010/main" xmlns="" w="9525">
                   <a:solidFill>
                     <a:srgbClr val="000000"/>
                   </a:solidFill>
@@ -877,7 +1985,7 @@
             </a:ln>
             <a:extLst>
               <a:ext uri="{91240B29-F687-4f45-9708-019B960494DF}">
-                <a14:hiddenLine xmlns="" xmlns:a14="http://schemas.microsoft.com/office/drawing/2010/main" w="9525">
+                <a14:hiddenLine xmlns:a14="http://schemas.microsoft.com/office/drawing/2010/main" xmlns="" w="9525">
                   <a:solidFill>
                     <a:srgbClr val="000000"/>
                   </a:solidFill>
@@ -967,7 +2075,7 @@
             </a:ln>
             <a:extLst>
               <a:ext uri="{91240B29-F687-4f45-9708-019B960494DF}">
-                <a14:hiddenLine xmlns="" xmlns:a14="http://schemas.microsoft.com/office/drawing/2010/main" w="9525">
+                <a14:hiddenLine xmlns:a14="http://schemas.microsoft.com/office/drawing/2010/main" xmlns="" w="9525">
                   <a:solidFill>
                     <a:srgbClr val="000000"/>
                   </a:solidFill>
@@ -1057,7 +2165,7 @@
             </a:ln>
             <a:extLst>
               <a:ext uri="{91240B29-F687-4f45-9708-019B960494DF}">
-                <a14:hiddenLine xmlns="" xmlns:a14="http://schemas.microsoft.com/office/drawing/2010/main" w="9525">
+                <a14:hiddenLine xmlns:a14="http://schemas.microsoft.com/office/drawing/2010/main" xmlns="" w="9525">
                   <a:solidFill>
                     <a:srgbClr val="000000"/>
                   </a:solidFill>
@@ -1119,7 +2227,7 @@
             </a:ln>
             <a:extLst>
               <a:ext uri="{91240B29-F687-4f45-9708-019B960494DF}">
-                <a14:hiddenLine xmlns="" xmlns:a14="http://schemas.microsoft.com/office/drawing/2010/main" w="9525">
+                <a14:hiddenLine xmlns:a14="http://schemas.microsoft.com/office/drawing/2010/main" xmlns="" w="9525">
                   <a:solidFill>
                     <a:srgbClr val="000000"/>
                   </a:solidFill>
@@ -1229,7 +2337,7 @@
             </a:ln>
             <a:extLst>
               <a:ext uri="{91240B29-F687-4f45-9708-019B960494DF}">
-                <a14:hiddenLine xmlns="" xmlns:a14="http://schemas.microsoft.com/office/drawing/2010/main" w="9525">
+                <a14:hiddenLine xmlns:a14="http://schemas.microsoft.com/office/drawing/2010/main" xmlns="" w="9525">
                   <a:solidFill>
                     <a:srgbClr val="000000"/>
                   </a:solidFill>
@@ -1291,7 +2399,7 @@
             </a:ln>
             <a:extLst>
               <a:ext uri="{91240B29-F687-4f45-9708-019B960494DF}">
-                <a14:hiddenLine xmlns="" xmlns:a14="http://schemas.microsoft.com/office/drawing/2010/main" w="9525">
+                <a14:hiddenLine xmlns:a14="http://schemas.microsoft.com/office/drawing/2010/main" xmlns="" w="9525">
                   <a:solidFill>
                     <a:srgbClr val="000000"/>
                   </a:solidFill>
@@ -1381,7 +2489,7 @@
             </a:ln>
             <a:extLst>
               <a:ext uri="{91240B29-F687-4f45-9708-019B960494DF}">
-                <a14:hiddenLine xmlns="" xmlns:a14="http://schemas.microsoft.com/office/drawing/2010/main" w="9525">
+                <a14:hiddenLine xmlns:a14="http://schemas.microsoft.com/office/drawing/2010/main" xmlns="" w="9525">
                   <a:solidFill>
                     <a:srgbClr val="000000"/>
                   </a:solidFill>
@@ -1471,7 +2579,7 @@
             </a:ln>
             <a:extLst>
               <a:ext uri="{91240B29-F687-4f45-9708-019B960494DF}">
-                <a14:hiddenLine xmlns="" xmlns:a14="http://schemas.microsoft.com/office/drawing/2010/main" w="9525">
+                <a14:hiddenLine xmlns:a14="http://schemas.microsoft.com/office/drawing/2010/main" xmlns="" w="9525">
                   <a:solidFill>
                     <a:srgbClr val="000000"/>
                   </a:solidFill>
@@ -1533,7 +2641,7 @@
             </a:ln>
             <a:extLst>
               <a:ext uri="{91240B29-F687-4f45-9708-019B960494DF}">
-                <a14:hiddenLine xmlns="" xmlns:a14="http://schemas.microsoft.com/office/drawing/2010/main" w="9525">
+                <a14:hiddenLine xmlns:a14="http://schemas.microsoft.com/office/drawing/2010/main" xmlns="" w="9525">
                   <a:solidFill>
                     <a:srgbClr val="000000"/>
                   </a:solidFill>
@@ -1623,7 +2731,7 @@
             </a:ln>
             <a:extLst>
               <a:ext uri="{91240B29-F687-4f45-9708-019B960494DF}">
-                <a14:hiddenLine xmlns="" xmlns:a14="http://schemas.microsoft.com/office/drawing/2010/main" w="9525">
+                <a14:hiddenLine xmlns:a14="http://schemas.microsoft.com/office/drawing/2010/main" xmlns="" w="9525">
                   <a:solidFill>
                     <a:srgbClr val="000000"/>
                   </a:solidFill>
@@ -1713,7 +2821,7 @@
             </a:ln>
             <a:extLst>
               <a:ext uri="{91240B29-F687-4f45-9708-019B960494DF}">
-                <a14:hiddenLine xmlns="" xmlns:a14="http://schemas.microsoft.com/office/drawing/2010/main" w="9525">
+                <a14:hiddenLine xmlns:a14="http://schemas.microsoft.com/office/drawing/2010/main" xmlns="" w="9525">
                   <a:solidFill>
                     <a:srgbClr val="000000"/>
                   </a:solidFill>
@@ -1769,7 +2877,7 @@
             </a:ln>
             <a:extLst>
               <a:ext uri="{91240B29-F687-4f45-9708-019B960494DF}">
-                <a14:hiddenLine xmlns="" xmlns:a14="http://schemas.microsoft.com/office/drawing/2010/main" w="9525">
+                <a14:hiddenLine xmlns:a14="http://schemas.microsoft.com/office/drawing/2010/main" xmlns="" w="9525">
                   <a:solidFill>
                     <a:srgbClr val="000000"/>
                   </a:solidFill>
@@ -1859,7 +2967,7 @@
             </a:ln>
             <a:extLst>
               <a:ext uri="{91240B29-F687-4f45-9708-019B960494DF}">
-                <a14:hiddenLine xmlns="" xmlns:a14="http://schemas.microsoft.com/office/drawing/2010/main" w="9525">
+                <a14:hiddenLine xmlns:a14="http://schemas.microsoft.com/office/drawing/2010/main" xmlns="" w="9525">
                   <a:solidFill>
                     <a:srgbClr val="000000"/>
                   </a:solidFill>
@@ -1915,7 +3023,7 @@
             </a:ln>
             <a:extLst>
               <a:ext uri="{91240B29-F687-4f45-9708-019B960494DF}">
-                <a14:hiddenLine xmlns="" xmlns:a14="http://schemas.microsoft.com/office/drawing/2010/main" w="9525">
+                <a14:hiddenLine xmlns:a14="http://schemas.microsoft.com/office/drawing/2010/main" xmlns="" w="9525">
                   <a:solidFill>
                     <a:srgbClr val="000000"/>
                   </a:solidFill>
@@ -2005,7 +3113,7 @@
             </a:ln>
             <a:extLst>
               <a:ext uri="{91240B29-F687-4f45-9708-019B960494DF}">
-                <a14:hiddenLine xmlns="" xmlns:a14="http://schemas.microsoft.com/office/drawing/2010/main" w="9525">
+                <a14:hiddenLine xmlns:a14="http://schemas.microsoft.com/office/drawing/2010/main" xmlns="" w="9525">
                   <a:solidFill>
                     <a:srgbClr val="000000"/>
                   </a:solidFill>
@@ -2073,7 +3181,7 @@
             </a:ln>
             <a:extLst>
               <a:ext uri="{91240B29-F687-4f45-9708-019B960494DF}">
-                <a14:hiddenLine xmlns="" xmlns:a14="http://schemas.microsoft.com/office/drawing/2010/main" w="9525">
+                <a14:hiddenLine xmlns:a14="http://schemas.microsoft.com/office/drawing/2010/main" xmlns="" w="9525">
                   <a:solidFill>
                     <a:srgbClr val="000000"/>
                   </a:solidFill>
@@ -2163,7 +3271,7 @@
             </a:ln>
             <a:extLst>
               <a:ext uri="{91240B29-F687-4f45-9708-019B960494DF}">
-                <a14:hiddenLine xmlns="" xmlns:a14="http://schemas.microsoft.com/office/drawing/2010/main" w="9525">
+                <a14:hiddenLine xmlns:a14="http://schemas.microsoft.com/office/drawing/2010/main" xmlns="" w="9525">
                   <a:solidFill>
                     <a:srgbClr val="000000"/>
                   </a:solidFill>
@@ -2231,7 +3339,7 @@
             </a:ln>
             <a:extLst>
               <a:ext uri="{91240B29-F687-4f45-9708-019B960494DF}">
-                <a14:hiddenLine xmlns="" xmlns:a14="http://schemas.microsoft.com/office/drawing/2010/main" w="9525">
+                <a14:hiddenLine xmlns:a14="http://schemas.microsoft.com/office/drawing/2010/main" xmlns="" w="9525">
                   <a:solidFill>
                     <a:srgbClr val="000000"/>
                   </a:solidFill>
@@ -2321,7 +3429,7 @@
             </a:ln>
             <a:extLst>
               <a:ext uri="{91240B29-F687-4f45-9708-019B960494DF}">
-                <a14:hiddenLine xmlns="" xmlns:a14="http://schemas.microsoft.com/office/drawing/2010/main" w="9525">
+                <a14:hiddenLine xmlns:a14="http://schemas.microsoft.com/office/drawing/2010/main" xmlns="" w="9525">
                   <a:solidFill>
                     <a:srgbClr val="000000"/>
                   </a:solidFill>
@@ -2355,7 +3463,7 @@
             </a:ln>
             <a:extLst>
               <a:ext uri="{91240B29-F687-4f45-9708-019B960494DF}">
-                <a14:hiddenLine xmlns="" xmlns:a14="http://schemas.microsoft.com/office/drawing/2010/main" w="9525">
+                <a14:hiddenLine xmlns:a14="http://schemas.microsoft.com/office/drawing/2010/main" xmlns="" w="9525">
                   <a:solidFill>
                     <a:srgbClr val="000000"/>
                   </a:solidFill>
@@ -2445,7 +3553,7 @@
             </a:ln>
             <a:extLst>
               <a:ext uri="{91240B29-F687-4f45-9708-019B960494DF}">
-                <a14:hiddenLine xmlns="" xmlns:a14="http://schemas.microsoft.com/office/drawing/2010/main" w="9525">
+                <a14:hiddenLine xmlns:a14="http://schemas.microsoft.com/office/drawing/2010/main" xmlns="" w="9525">
                   <a:solidFill>
                     <a:srgbClr val="000000"/>
                   </a:solidFill>
@@ -2507,7 +3615,7 @@
             </a:ln>
             <a:extLst>
               <a:ext uri="{91240B29-F687-4f45-9708-019B960494DF}">
-                <a14:hiddenLine xmlns="" xmlns:a14="http://schemas.microsoft.com/office/drawing/2010/main" w="9525">
+                <a14:hiddenLine xmlns:a14="http://schemas.microsoft.com/office/drawing/2010/main" xmlns="" w="9525">
                   <a:solidFill>
                     <a:srgbClr val="000000"/>
                   </a:solidFill>
@@ -2569,7 +3677,7 @@
             </a:ln>
             <a:extLst>
               <a:ext uri="{91240B29-F687-4f45-9708-019B960494DF}">
-                <a14:hiddenLine xmlns="" xmlns:a14="http://schemas.microsoft.com/office/drawing/2010/main" w="9525">
+                <a14:hiddenLine xmlns:a14="http://schemas.microsoft.com/office/drawing/2010/main" xmlns="" w="9525">
                   <a:solidFill>
                     <a:srgbClr val="000000"/>
                   </a:solidFill>
@@ -2659,7 +3767,7 @@
             </a:ln>
             <a:extLst>
               <a:ext uri="{91240B29-F687-4f45-9708-019B960494DF}">
-                <a14:hiddenLine xmlns="" xmlns:a14="http://schemas.microsoft.com/office/drawing/2010/main" w="9525">
+                <a14:hiddenLine xmlns:a14="http://schemas.microsoft.com/office/drawing/2010/main" xmlns="" w="9525">
                   <a:solidFill>
                     <a:srgbClr val="000000"/>
                   </a:solidFill>
@@ -2727,7 +3835,7 @@
             </a:ln>
             <a:extLst>
               <a:ext uri="{91240B29-F687-4f45-9708-019B960494DF}">
-                <a14:hiddenLine xmlns="" xmlns:a14="http://schemas.microsoft.com/office/drawing/2010/main" w="9525">
+                <a14:hiddenLine xmlns:a14="http://schemas.microsoft.com/office/drawing/2010/main" xmlns="" w="9525">
                   <a:solidFill>
                     <a:srgbClr val="000000"/>
                   </a:solidFill>
@@ -2789,7 +3897,7 @@
             </a:ln>
             <a:extLst>
               <a:ext uri="{91240B29-F687-4f45-9708-019B960494DF}">
-                <a14:hiddenLine xmlns="" xmlns:a14="http://schemas.microsoft.com/office/drawing/2010/main" w="9525">
+                <a14:hiddenLine xmlns:a14="http://schemas.microsoft.com/office/drawing/2010/main" xmlns="" w="9525">
                   <a:solidFill>
                     <a:srgbClr val="000000"/>
                   </a:solidFill>
@@ -2879,7 +3987,7 @@
             </a:ln>
             <a:extLst>
               <a:ext uri="{91240B29-F687-4f45-9708-019B960494DF}">
-                <a14:hiddenLine xmlns="" xmlns:a14="http://schemas.microsoft.com/office/drawing/2010/main" w="9525">
+                <a14:hiddenLine xmlns:a14="http://schemas.microsoft.com/office/drawing/2010/main" xmlns="" w="9525">
                   <a:solidFill>
                     <a:srgbClr val="000000"/>
                   </a:solidFill>
@@ -2941,7 +4049,7 @@
             </a:ln>
             <a:extLst>
               <a:ext uri="{91240B29-F687-4f45-9708-019B960494DF}">
-                <a14:hiddenLine xmlns="" xmlns:a14="http://schemas.microsoft.com/office/drawing/2010/main" w="9525">
+                <a14:hiddenLine xmlns:a14="http://schemas.microsoft.com/office/drawing/2010/main" xmlns="" w="9525">
                   <a:solidFill>
                     <a:srgbClr val="000000"/>
                   </a:solidFill>
@@ -3031,7 +4139,7 @@
             </a:ln>
             <a:extLst>
               <a:ext uri="{91240B29-F687-4f45-9708-019B960494DF}">
-                <a14:hiddenLine xmlns="" xmlns:a14="http://schemas.microsoft.com/office/drawing/2010/main" w="9525">
+                <a14:hiddenLine xmlns:a14="http://schemas.microsoft.com/office/drawing/2010/main" xmlns="" w="9525">
                   <a:solidFill>
                     <a:srgbClr val="000000"/>
                   </a:solidFill>
@@ -3093,7 +4201,7 @@
             </a:ln>
             <a:extLst>
               <a:ext uri="{91240B29-F687-4f45-9708-019B960494DF}">
-                <a14:hiddenLine xmlns="" xmlns:a14="http://schemas.microsoft.com/office/drawing/2010/main" w="9525">
+                <a14:hiddenLine xmlns:a14="http://schemas.microsoft.com/office/drawing/2010/main" xmlns="" w="9525">
                   <a:solidFill>
                     <a:srgbClr val="000000"/>
                   </a:solidFill>
@@ -3183,7 +4291,7 @@
             </a:ln>
             <a:extLst>
               <a:ext uri="{91240B29-F687-4f45-9708-019B960494DF}">
-                <a14:hiddenLine xmlns="" xmlns:a14="http://schemas.microsoft.com/office/drawing/2010/main" w="9525">
+                <a14:hiddenLine xmlns:a14="http://schemas.microsoft.com/office/drawing/2010/main" xmlns="" w="9525">
                   <a:solidFill>
                     <a:srgbClr val="000000"/>
                   </a:solidFill>
@@ -3217,7 +4325,7 @@
             </a:ln>
             <a:extLst>
               <a:ext uri="{91240B29-F687-4f45-9708-019B960494DF}">
-                <a14:hiddenLine xmlns="" xmlns:a14="http://schemas.microsoft.com/office/drawing/2010/main" w="9525">
+                <a14:hiddenLine xmlns:a14="http://schemas.microsoft.com/office/drawing/2010/main" xmlns="" w="9525">
                   <a:solidFill>
                     <a:srgbClr val="000000"/>
                   </a:solidFill>
@@ -3282,7 +4390,7 @@
             </a:ln>
             <a:extLst>
               <a:ext uri="{91240B29-F687-4f45-9708-019B960494DF}">
-                <a14:hiddenLine xmlns="" xmlns:a14="http://schemas.microsoft.com/office/drawing/2010/main" w="9525">
+                <a14:hiddenLine xmlns:a14="http://schemas.microsoft.com/office/drawing/2010/main" xmlns="" w="9525">
                   <a:solidFill>
                     <a:srgbClr val="000000"/>
                   </a:solidFill>
@@ -3372,7 +4480,7 @@
             </a:ln>
             <a:extLst>
               <a:ext uri="{91240B29-F687-4f45-9708-019B960494DF}">
-                <a14:hiddenLine xmlns="" xmlns:a14="http://schemas.microsoft.com/office/drawing/2010/main" w="9525">
+                <a14:hiddenLine xmlns:a14="http://schemas.microsoft.com/office/drawing/2010/main" xmlns="" w="9525">
                   <a:solidFill>
                     <a:srgbClr val="000000"/>
                   </a:solidFill>
@@ -3434,7 +4542,7 @@
             </a:ln>
             <a:extLst>
               <a:ext uri="{91240B29-F687-4f45-9708-019B960494DF}">
-                <a14:hiddenLine xmlns="" xmlns:a14="http://schemas.microsoft.com/office/drawing/2010/main" w="9525">
+                <a14:hiddenLine xmlns:a14="http://schemas.microsoft.com/office/drawing/2010/main" xmlns="" w="9525">
                   <a:solidFill>
                     <a:srgbClr val="000000"/>
                   </a:solidFill>
@@ -3524,7 +4632,7 @@
             </a:ln>
             <a:extLst>
               <a:ext uri="{91240B29-F687-4f45-9708-019B960494DF}">
-                <a14:hiddenLine xmlns="" xmlns:a14="http://schemas.microsoft.com/office/drawing/2010/main" w="9525">
+                <a14:hiddenLine xmlns:a14="http://schemas.microsoft.com/office/drawing/2010/main" xmlns="" w="9525">
                   <a:solidFill>
                     <a:srgbClr val="000000"/>
                   </a:solidFill>
@@ -3614,7 +4722,7 @@
             </a:ln>
             <a:extLst>
               <a:ext uri="{91240B29-F687-4f45-9708-019B960494DF}">
-                <a14:hiddenLine xmlns="" xmlns:a14="http://schemas.microsoft.com/office/drawing/2010/main" w="9525">
+                <a14:hiddenLine xmlns:a14="http://schemas.microsoft.com/office/drawing/2010/main" xmlns="" w="9525">
                   <a:solidFill>
                     <a:srgbClr val="000000"/>
                   </a:solidFill>
@@ -3679,7 +4787,7 @@
             </a:ln>
             <a:extLst>
               <a:ext uri="{91240B29-F687-4f45-9708-019B960494DF}">
-                <a14:hiddenLine xmlns="" xmlns:a14="http://schemas.microsoft.com/office/drawing/2010/main" w="9525">
+                <a14:hiddenLine xmlns:a14="http://schemas.microsoft.com/office/drawing/2010/main" xmlns="" w="9525">
                   <a:solidFill>
                     <a:srgbClr val="000000"/>
                   </a:solidFill>
@@ -3741,7 +4849,7 @@
             </a:ln>
             <a:extLst>
               <a:ext uri="{91240B29-F687-4f45-9708-019B960494DF}">
-                <a14:hiddenLine xmlns="" xmlns:a14="http://schemas.microsoft.com/office/drawing/2010/main" w="9525">
+                <a14:hiddenLine xmlns:a14="http://schemas.microsoft.com/office/drawing/2010/main" xmlns="" w="9525">
                   <a:solidFill>
                     <a:srgbClr val="000000"/>
                   </a:solidFill>
@@ -3831,7 +4939,7 @@
             </a:ln>
             <a:extLst>
               <a:ext uri="{91240B29-F687-4f45-9708-019B960494DF}">
-                <a14:hiddenLine xmlns="" xmlns:a14="http://schemas.microsoft.com/office/drawing/2010/main" w="9525">
+                <a14:hiddenLine xmlns:a14="http://schemas.microsoft.com/office/drawing/2010/main" xmlns="" w="9525">
                   <a:solidFill>
                     <a:srgbClr val="000000"/>
                   </a:solidFill>
@@ -3921,7 +5029,7 @@
             </a:ln>
             <a:extLst>
               <a:ext uri="{91240B29-F687-4f45-9708-019B960494DF}">
-                <a14:hiddenLine xmlns="" xmlns:a14="http://schemas.microsoft.com/office/drawing/2010/main" w="9525">
+                <a14:hiddenLine xmlns:a14="http://schemas.microsoft.com/office/drawing/2010/main" xmlns="" w="9525">
                   <a:solidFill>
                     <a:srgbClr val="000000"/>
                   </a:solidFill>
@@ -3983,7 +5091,7 @@
             </a:ln>
             <a:extLst>
               <a:ext uri="{91240B29-F687-4f45-9708-019B960494DF}">
-                <a14:hiddenLine xmlns="" xmlns:a14="http://schemas.microsoft.com/office/drawing/2010/main" w="9525">
+                <a14:hiddenLine xmlns:a14="http://schemas.microsoft.com/office/drawing/2010/main" xmlns="" w="9525">
                   <a:solidFill>
                     <a:srgbClr val="000000"/>
                   </a:solidFill>
@@ -4103,7 +5211,7 @@
             </a:ln>
             <a:extLst>
               <a:ext uri="{91240B29-F687-4f45-9708-019B960494DF}">
-                <a14:hiddenLine xmlns="" xmlns:a14="http://schemas.microsoft.com/office/drawing/2010/main" w="9525">
+                <a14:hiddenLine xmlns:a14="http://schemas.microsoft.com/office/drawing/2010/main" xmlns="" w="9525">
                   <a:solidFill>
                     <a:srgbClr val="000000"/>
                   </a:solidFill>
@@ -4171,7 +5279,7 @@
             </a:ln>
             <a:extLst>
               <a:ext uri="{91240B29-F687-4f45-9708-019B960494DF}">
-                <a14:hiddenLine xmlns="" xmlns:a14="http://schemas.microsoft.com/office/drawing/2010/main" w="9525">
+                <a14:hiddenLine xmlns:a14="http://schemas.microsoft.com/office/drawing/2010/main" xmlns="" w="9525">
                   <a:solidFill>
                     <a:srgbClr val="000000"/>
                   </a:solidFill>
@@ -4261,7 +5369,7 @@
             </a:ln>
             <a:extLst>
               <a:ext uri="{91240B29-F687-4f45-9708-019B960494DF}">
-                <a14:hiddenLine xmlns="" xmlns:a14="http://schemas.microsoft.com/office/drawing/2010/main" w="9525">
+                <a14:hiddenLine xmlns:a14="http://schemas.microsoft.com/office/drawing/2010/main" xmlns="" w="9525">
                   <a:solidFill>
                     <a:srgbClr val="000000"/>
                   </a:solidFill>
@@ -4401,7 +5509,7 @@
           <a:p>
             <a:fld id="{FBA01FE2-1031-B943-BABC-7A6E3F1E80D7}" type="datetimeFigureOut">
               <a:rPr lang="en-US" smtClean="0"/>
-              <a:t>12/14/18</a:t>
+              <a:t>12/17/18</a:t>
             </a:fld>
             <a:endParaRPr lang="en-US"/>
           </a:p>
@@ -4668,7 +5776,7 @@
           <a:p>
             <a:fld id="{FBA01FE2-1031-B943-BABC-7A6E3F1E80D7}" type="datetimeFigureOut">
               <a:rPr lang="en-US" smtClean="0"/>
-              <a:t>12/14/18</a:t>
+              <a:t>12/17/18</a:t>
             </a:fld>
             <a:endParaRPr lang="en-US"/>
           </a:p>
@@ -4864,7 +5972,7 @@
           <a:p>
             <a:fld id="{FBA01FE2-1031-B943-BABC-7A6E3F1E80D7}" type="datetimeFigureOut">
               <a:rPr lang="en-US" smtClean="0"/>
-              <a:t>12/14/18</a:t>
+              <a:t>12/17/18</a:t>
             </a:fld>
             <a:endParaRPr lang="en-US"/>
           </a:p>
@@ -5127,7 +6235,7 @@
           <a:p>
             <a:fld id="{FBA01FE2-1031-B943-BABC-7A6E3F1E80D7}" type="datetimeFigureOut">
               <a:rPr lang="en-US" smtClean="0"/>
-              <a:t>12/14/18</a:t>
+              <a:t>12/17/18</a:t>
             </a:fld>
             <a:endParaRPr lang="en-US"/>
           </a:p>
@@ -5561,7 +6669,7 @@
           <a:p>
             <a:fld id="{FBA01FE2-1031-B943-BABC-7A6E3F1E80D7}" type="datetimeFigureOut">
               <a:rPr lang="en-US" smtClean="0"/>
-              <a:t>12/14/18</a:t>
+              <a:t>12/17/18</a:t>
             </a:fld>
             <a:endParaRPr lang="en-US"/>
           </a:p>
@@ -6107,7 +7215,7 @@
           <a:p>
             <a:fld id="{FBA01FE2-1031-B943-BABC-7A6E3F1E80D7}" type="datetimeFigureOut">
               <a:rPr lang="en-US" smtClean="0"/>
-              <a:t>12/14/18</a:t>
+              <a:t>12/17/18</a:t>
             </a:fld>
             <a:endParaRPr lang="en-US"/>
           </a:p>
@@ -6827,7 +7935,7 @@
           <a:p>
             <a:fld id="{FBA01FE2-1031-B943-BABC-7A6E3F1E80D7}" type="datetimeFigureOut">
               <a:rPr lang="en-US" smtClean="0"/>
-              <a:t>12/14/18</a:t>
+              <a:t>12/17/18</a:t>
             </a:fld>
             <a:endParaRPr lang="en-US"/>
           </a:p>
@@ -6997,7 +8105,7 @@
           <a:p>
             <a:fld id="{FBA01FE2-1031-B943-BABC-7A6E3F1E80D7}" type="datetimeFigureOut">
               <a:rPr lang="en-US" smtClean="0"/>
-              <a:t>12/14/18</a:t>
+              <a:t>12/17/18</a:t>
             </a:fld>
             <a:endParaRPr lang="en-US"/>
           </a:p>
@@ -7177,7 +8285,7 @@
           <a:p>
             <a:fld id="{FBA01FE2-1031-B943-BABC-7A6E3F1E80D7}" type="datetimeFigureOut">
               <a:rPr lang="en-US" smtClean="0"/>
-              <a:t>12/14/18</a:t>
+              <a:t>12/17/18</a:t>
             </a:fld>
             <a:endParaRPr lang="en-US"/>
           </a:p>
@@ -7347,7 +8455,7 @@
           <a:p>
             <a:fld id="{FBA01FE2-1031-B943-BABC-7A6E3F1E80D7}" type="datetimeFigureOut">
               <a:rPr lang="en-US" smtClean="0"/>
-              <a:t>12/14/18</a:t>
+              <a:t>12/17/18</a:t>
             </a:fld>
             <a:endParaRPr lang="en-US"/>
           </a:p>
@@ -7597,7 +8705,7 @@
           <a:p>
             <a:fld id="{FBA01FE2-1031-B943-BABC-7A6E3F1E80D7}" type="datetimeFigureOut">
               <a:rPr lang="en-US" smtClean="0"/>
-              <a:t>12/14/18</a:t>
+              <a:t>12/17/18</a:t>
             </a:fld>
             <a:endParaRPr lang="en-US"/>
           </a:p>
@@ -7829,7 +8937,7 @@
           <a:p>
             <a:fld id="{FBA01FE2-1031-B943-BABC-7A6E3F1E80D7}" type="datetimeFigureOut">
               <a:rPr lang="en-US" smtClean="0"/>
-              <a:t>12/14/18</a:t>
+              <a:t>12/17/18</a:t>
             </a:fld>
             <a:endParaRPr lang="en-US"/>
           </a:p>
@@ -8210,7 +9318,7 @@
           <a:p>
             <a:fld id="{FBA01FE2-1031-B943-BABC-7A6E3F1E80D7}" type="datetimeFigureOut">
               <a:rPr lang="en-US" smtClean="0"/>
-              <a:t>12/14/18</a:t>
+              <a:t>12/17/18</a:t>
             </a:fld>
             <a:endParaRPr lang="en-US"/>
           </a:p>
@@ -8328,7 +9436,7 @@
           <a:p>
             <a:fld id="{FBA01FE2-1031-B943-BABC-7A6E3F1E80D7}" type="datetimeFigureOut">
               <a:rPr lang="en-US" smtClean="0"/>
-              <a:t>12/14/18</a:t>
+              <a:t>12/17/18</a:t>
             </a:fld>
             <a:endParaRPr lang="en-US"/>
           </a:p>
@@ -8423,7 +9531,7 @@
           <a:p>
             <a:fld id="{FBA01FE2-1031-B943-BABC-7A6E3F1E80D7}" type="datetimeFigureOut">
               <a:rPr lang="en-US" smtClean="0"/>
-              <a:t>12/14/18</a:t>
+              <a:t>12/17/18</a:t>
             </a:fld>
             <a:endParaRPr lang="en-US"/>
           </a:p>
@@ -8672,7 +9780,7 @@
           <a:p>
             <a:fld id="{FBA01FE2-1031-B943-BABC-7A6E3F1E80D7}" type="datetimeFigureOut">
               <a:rPr lang="en-US" smtClean="0"/>
-              <a:t>12/14/18</a:t>
+              <a:t>12/17/18</a:t>
             </a:fld>
             <a:endParaRPr lang="en-US"/>
           </a:p>
@@ -8952,7 +10060,7 @@
           <a:p>
             <a:fld id="{FBA01FE2-1031-B943-BABC-7A6E3F1E80D7}" type="datetimeFigureOut">
               <a:rPr lang="en-US" smtClean="0"/>
-              <a:t>12/14/18</a:t>
+              <a:t>12/17/18</a:t>
             </a:fld>
             <a:endParaRPr lang="en-US"/>
           </a:p>
@@ -9075,7 +10183,7 @@
           <a:noFill/>
           <a:extLst>
             <a:ext uri="{909E8E84-426E-40dd-AFC4-6F175D3DCCD1}">
-              <a14:hiddenFill xmlns="" xmlns:a14="http://schemas.microsoft.com/office/drawing/2010/main">
+              <a14:hiddenFill xmlns:a14="http://schemas.microsoft.com/office/drawing/2010/main" xmlns="">
                 <a:solidFill>
                   <a:srgbClr val="FFFFFF"/>
                 </a:solidFill>
@@ -9149,7 +10257,7 @@
               </a:ln>
               <a:extLst>
                 <a:ext uri="{91240B29-F687-4f45-9708-019B960494DF}">
-                  <a14:hiddenLine xmlns="" xmlns:a14="http://schemas.microsoft.com/office/drawing/2010/main" w="9525">
+                  <a14:hiddenLine xmlns:a14="http://schemas.microsoft.com/office/drawing/2010/main" xmlns="" w="9525">
                     <a:solidFill>
                       <a:srgbClr val="000000"/>
                     </a:solidFill>
@@ -9239,7 +10347,7 @@
               </a:ln>
               <a:extLst>
                 <a:ext uri="{91240B29-F687-4f45-9708-019B960494DF}">
-                  <a14:hiddenLine xmlns="" xmlns:a14="http://schemas.microsoft.com/office/drawing/2010/main" w="9525">
+                  <a14:hiddenLine xmlns:a14="http://schemas.microsoft.com/office/drawing/2010/main" xmlns="" w="9525">
                     <a:solidFill>
                       <a:srgbClr val="000000"/>
                     </a:solidFill>
@@ -9329,7 +10437,7 @@
               </a:ln>
               <a:extLst>
                 <a:ext uri="{91240B29-F687-4f45-9708-019B960494DF}">
-                  <a14:hiddenLine xmlns="" xmlns:a14="http://schemas.microsoft.com/office/drawing/2010/main" w="9525">
+                  <a14:hiddenLine xmlns:a14="http://schemas.microsoft.com/office/drawing/2010/main" xmlns="" w="9525">
                     <a:solidFill>
                       <a:srgbClr val="000000"/>
                     </a:solidFill>
@@ -9391,7 +10499,7 @@
               </a:ln>
               <a:extLst>
                 <a:ext uri="{91240B29-F687-4f45-9708-019B960494DF}">
-                  <a14:hiddenLine xmlns="" xmlns:a14="http://schemas.microsoft.com/office/drawing/2010/main" w="9525">
+                  <a14:hiddenLine xmlns:a14="http://schemas.microsoft.com/office/drawing/2010/main" xmlns="" w="9525">
                     <a:solidFill>
                       <a:srgbClr val="000000"/>
                     </a:solidFill>
@@ -9481,7 +10589,7 @@
               </a:ln>
               <a:extLst>
                 <a:ext uri="{91240B29-F687-4f45-9708-019B960494DF}">
-                  <a14:hiddenLine xmlns="" xmlns:a14="http://schemas.microsoft.com/office/drawing/2010/main" w="9525">
+                  <a14:hiddenLine xmlns:a14="http://schemas.microsoft.com/office/drawing/2010/main" xmlns="" w="9525">
                     <a:solidFill>
                       <a:srgbClr val="000000"/>
                     </a:solidFill>
@@ -9543,7 +10651,7 @@
               </a:ln>
               <a:extLst>
                 <a:ext uri="{91240B29-F687-4f45-9708-019B960494DF}">
-                  <a14:hiddenLine xmlns="" xmlns:a14="http://schemas.microsoft.com/office/drawing/2010/main" w="9525">
+                  <a14:hiddenLine xmlns:a14="http://schemas.microsoft.com/office/drawing/2010/main" xmlns="" w="9525">
                     <a:solidFill>
                       <a:srgbClr val="000000"/>
                     </a:solidFill>
@@ -9605,7 +10713,7 @@
               </a:ln>
               <a:extLst>
                 <a:ext uri="{91240B29-F687-4f45-9708-019B960494DF}">
-                  <a14:hiddenLine xmlns="" xmlns:a14="http://schemas.microsoft.com/office/drawing/2010/main" w="9525">
+                  <a14:hiddenLine xmlns:a14="http://schemas.microsoft.com/office/drawing/2010/main" xmlns="" w="9525">
                     <a:solidFill>
                       <a:srgbClr val="000000"/>
                     </a:solidFill>
@@ -9695,7 +10803,7 @@
               </a:ln>
               <a:extLst>
                 <a:ext uri="{91240B29-F687-4f45-9708-019B960494DF}">
-                  <a14:hiddenLine xmlns="" xmlns:a14="http://schemas.microsoft.com/office/drawing/2010/main" w="9525">
+                  <a14:hiddenLine xmlns:a14="http://schemas.microsoft.com/office/drawing/2010/main" xmlns="" w="9525">
                     <a:solidFill>
                       <a:srgbClr val="000000"/>
                     </a:solidFill>
@@ -9785,7 +10893,7 @@
               </a:ln>
               <a:extLst>
                 <a:ext uri="{91240B29-F687-4f45-9708-019B960494DF}">
-                  <a14:hiddenLine xmlns="" xmlns:a14="http://schemas.microsoft.com/office/drawing/2010/main" w="9525">
+                  <a14:hiddenLine xmlns:a14="http://schemas.microsoft.com/office/drawing/2010/main" xmlns="" w="9525">
                     <a:solidFill>
                       <a:srgbClr val="000000"/>
                     </a:solidFill>
@@ -9847,7 +10955,7 @@
               </a:ln>
               <a:extLst>
                 <a:ext uri="{91240B29-F687-4f45-9708-019B960494DF}">
-                  <a14:hiddenLine xmlns="" xmlns:a14="http://schemas.microsoft.com/office/drawing/2010/main" w="9525">
+                  <a14:hiddenLine xmlns:a14="http://schemas.microsoft.com/office/drawing/2010/main" xmlns="" w="9525">
                     <a:solidFill>
                       <a:srgbClr val="000000"/>
                     </a:solidFill>
@@ -9957,7 +11065,7 @@
               </a:ln>
               <a:extLst>
                 <a:ext uri="{91240B29-F687-4f45-9708-019B960494DF}">
-                  <a14:hiddenLine xmlns="" xmlns:a14="http://schemas.microsoft.com/office/drawing/2010/main" w="9525">
+                  <a14:hiddenLine xmlns:a14="http://schemas.microsoft.com/office/drawing/2010/main" xmlns="" w="9525">
                     <a:solidFill>
                       <a:srgbClr val="000000"/>
                     </a:solidFill>
@@ -10041,7 +11149,7 @@
               </a:ln>
               <a:extLst>
                 <a:ext uri="{91240B29-F687-4f45-9708-019B960494DF}">
-                  <a14:hiddenLine xmlns="" xmlns:a14="http://schemas.microsoft.com/office/drawing/2010/main" w="9525">
+                  <a14:hiddenLine xmlns:a14="http://schemas.microsoft.com/office/drawing/2010/main" xmlns="" w="9525">
                     <a:solidFill>
                       <a:srgbClr val="000000"/>
                     </a:solidFill>
@@ -10103,7 +11211,7 @@
               </a:ln>
               <a:extLst>
                 <a:ext uri="{91240B29-F687-4f45-9708-019B960494DF}">
-                  <a14:hiddenLine xmlns="" xmlns:a14="http://schemas.microsoft.com/office/drawing/2010/main" w="9525">
+                  <a14:hiddenLine xmlns:a14="http://schemas.microsoft.com/office/drawing/2010/main" xmlns="" w="9525">
                     <a:solidFill>
                       <a:srgbClr val="000000"/>
                     </a:solidFill>
@@ -10165,7 +11273,7 @@
               </a:ln>
               <a:extLst>
                 <a:ext uri="{91240B29-F687-4f45-9708-019B960494DF}">
-                  <a14:hiddenLine xmlns="" xmlns:a14="http://schemas.microsoft.com/office/drawing/2010/main" w="9525">
+                  <a14:hiddenLine xmlns:a14="http://schemas.microsoft.com/office/drawing/2010/main" xmlns="" w="9525">
                     <a:solidFill>
                       <a:srgbClr val="000000"/>
                     </a:solidFill>
@@ -10255,7 +11363,7 @@
               </a:ln>
               <a:extLst>
                 <a:ext uri="{91240B29-F687-4f45-9708-019B960494DF}">
-                  <a14:hiddenLine xmlns="" xmlns:a14="http://schemas.microsoft.com/office/drawing/2010/main" w="9525">
+                  <a14:hiddenLine xmlns:a14="http://schemas.microsoft.com/office/drawing/2010/main" xmlns="" w="9525">
                     <a:solidFill>
                       <a:srgbClr val="000000"/>
                     </a:solidFill>
@@ -10289,7 +11397,7 @@
               </a:ln>
               <a:extLst>
                 <a:ext uri="{91240B29-F687-4f45-9708-019B960494DF}">
-                  <a14:hiddenLine xmlns="" xmlns:a14="http://schemas.microsoft.com/office/drawing/2010/main" w="9525">
+                  <a14:hiddenLine xmlns:a14="http://schemas.microsoft.com/office/drawing/2010/main" xmlns="" w="9525">
                     <a:solidFill>
                       <a:srgbClr val="000000"/>
                     </a:solidFill>
@@ -10354,7 +11462,7 @@
               </a:ln>
               <a:extLst>
                 <a:ext uri="{91240B29-F687-4f45-9708-019B960494DF}">
-                  <a14:hiddenLine xmlns="" xmlns:a14="http://schemas.microsoft.com/office/drawing/2010/main" w="9525">
+                  <a14:hiddenLine xmlns:a14="http://schemas.microsoft.com/office/drawing/2010/main" xmlns="" w="9525">
                     <a:solidFill>
                       <a:srgbClr val="000000"/>
                     </a:solidFill>
@@ -10444,7 +11552,7 @@
               </a:ln>
               <a:extLst>
                 <a:ext uri="{91240B29-F687-4f45-9708-019B960494DF}">
-                  <a14:hiddenLine xmlns="" xmlns:a14="http://schemas.microsoft.com/office/drawing/2010/main" w="9525">
+                  <a14:hiddenLine xmlns:a14="http://schemas.microsoft.com/office/drawing/2010/main" xmlns="" w="9525">
                     <a:solidFill>
                       <a:srgbClr val="000000"/>
                     </a:solidFill>
@@ -10506,7 +11614,7 @@
               </a:ln>
               <a:extLst>
                 <a:ext uri="{91240B29-F687-4f45-9708-019B960494DF}">
-                  <a14:hiddenLine xmlns="" xmlns:a14="http://schemas.microsoft.com/office/drawing/2010/main" w="9525">
+                  <a14:hiddenLine xmlns:a14="http://schemas.microsoft.com/office/drawing/2010/main" xmlns="" w="9525">
                     <a:solidFill>
                       <a:srgbClr val="000000"/>
                     </a:solidFill>
@@ -10596,7 +11704,7 @@
               </a:ln>
               <a:extLst>
                 <a:ext uri="{91240B29-F687-4f45-9708-019B960494DF}">
-                  <a14:hiddenLine xmlns="" xmlns:a14="http://schemas.microsoft.com/office/drawing/2010/main" w="9525">
+                  <a14:hiddenLine xmlns:a14="http://schemas.microsoft.com/office/drawing/2010/main" xmlns="" w="9525">
                     <a:solidFill>
                       <a:srgbClr val="000000"/>
                     </a:solidFill>
@@ -10661,7 +11769,7 @@
               </a:ln>
               <a:extLst>
                 <a:ext uri="{91240B29-F687-4f45-9708-019B960494DF}">
-                  <a14:hiddenLine xmlns="" xmlns:a14="http://schemas.microsoft.com/office/drawing/2010/main" w="9525">
+                  <a14:hiddenLine xmlns:a14="http://schemas.microsoft.com/office/drawing/2010/main" xmlns="" w="9525">
                     <a:solidFill>
                       <a:srgbClr val="000000"/>
                     </a:solidFill>
@@ -10723,7 +11831,7 @@
               </a:ln>
               <a:extLst>
                 <a:ext uri="{91240B29-F687-4f45-9708-019B960494DF}">
-                  <a14:hiddenLine xmlns="" xmlns:a14="http://schemas.microsoft.com/office/drawing/2010/main" w="9525">
+                  <a14:hiddenLine xmlns:a14="http://schemas.microsoft.com/office/drawing/2010/main" xmlns="" w="9525">
                     <a:solidFill>
                       <a:srgbClr val="000000"/>
                     </a:solidFill>
@@ -10813,7 +11921,7 @@
               </a:ln>
               <a:extLst>
                 <a:ext uri="{91240B29-F687-4f45-9708-019B960494DF}">
-                  <a14:hiddenLine xmlns="" xmlns:a14="http://schemas.microsoft.com/office/drawing/2010/main" w="9525">
+                  <a14:hiddenLine xmlns:a14="http://schemas.microsoft.com/office/drawing/2010/main" xmlns="" w="9525">
                     <a:solidFill>
                       <a:srgbClr val="000000"/>
                     </a:solidFill>
@@ -10903,7 +12011,7 @@
               </a:ln>
               <a:extLst>
                 <a:ext uri="{91240B29-F687-4f45-9708-019B960494DF}">
-                  <a14:hiddenLine xmlns="" xmlns:a14="http://schemas.microsoft.com/office/drawing/2010/main" w="9525">
+                  <a14:hiddenLine xmlns:a14="http://schemas.microsoft.com/office/drawing/2010/main" xmlns="" w="9525">
                     <a:solidFill>
                       <a:srgbClr val="000000"/>
                     </a:solidFill>
@@ -10968,7 +12076,7 @@
               </a:ln>
               <a:extLst>
                 <a:ext uri="{91240B29-F687-4f45-9708-019B960494DF}">
-                  <a14:hiddenLine xmlns="" xmlns:a14="http://schemas.microsoft.com/office/drawing/2010/main" w="9525">
+                  <a14:hiddenLine xmlns:a14="http://schemas.microsoft.com/office/drawing/2010/main" xmlns="" w="9525">
                     <a:solidFill>
                       <a:srgbClr val="000000"/>
                     </a:solidFill>
@@ -11088,7 +12196,7 @@
               </a:ln>
               <a:extLst>
                 <a:ext uri="{91240B29-F687-4f45-9708-019B960494DF}">
-                  <a14:hiddenLine xmlns="" xmlns:a14="http://schemas.microsoft.com/office/drawing/2010/main" w="9525">
+                  <a14:hiddenLine xmlns:a14="http://schemas.microsoft.com/office/drawing/2010/main" xmlns="" w="9525">
                     <a:solidFill>
                       <a:srgbClr val="000000"/>
                     </a:solidFill>
@@ -11169,7 +12277,7 @@
               </a:ln>
               <a:extLst>
                 <a:ext uri="{91240B29-F687-4f45-9708-019B960494DF}">
-                  <a14:hiddenLine xmlns="" xmlns:a14="http://schemas.microsoft.com/office/drawing/2010/main" w="9525">
+                  <a14:hiddenLine xmlns:a14="http://schemas.microsoft.com/office/drawing/2010/main" xmlns="" w="9525">
                     <a:solidFill>
                       <a:srgbClr val="000000"/>
                     </a:solidFill>
@@ -11284,7 +12392,7 @@
               </a:ln>
               <a:extLst>
                 <a:ext uri="{91240B29-F687-4f45-9708-019B960494DF}">
-                  <a14:hiddenLine xmlns="" xmlns:a14="http://schemas.microsoft.com/office/drawing/2010/main" w="9525">
+                  <a14:hiddenLine xmlns:a14="http://schemas.microsoft.com/office/drawing/2010/main" xmlns="" w="9525">
                     <a:solidFill>
                       <a:srgbClr val="000000"/>
                     </a:solidFill>
@@ -11374,7 +12482,7 @@
               </a:ln>
               <a:extLst>
                 <a:ext uri="{91240B29-F687-4f45-9708-019B960494DF}">
-                  <a14:hiddenLine xmlns="" xmlns:a14="http://schemas.microsoft.com/office/drawing/2010/main" w="9525">
+                  <a14:hiddenLine xmlns:a14="http://schemas.microsoft.com/office/drawing/2010/main" xmlns="" w="9525">
                     <a:solidFill>
                       <a:srgbClr val="000000"/>
                     </a:solidFill>
@@ -11439,7 +12547,7 @@
               </a:ln>
               <a:extLst>
                 <a:ext uri="{91240B29-F687-4f45-9708-019B960494DF}">
-                  <a14:hiddenLine xmlns="" xmlns:a14="http://schemas.microsoft.com/office/drawing/2010/main" w="9525">
+                  <a14:hiddenLine xmlns:a14="http://schemas.microsoft.com/office/drawing/2010/main" xmlns="" w="9525">
                     <a:solidFill>
                       <a:srgbClr val="000000"/>
                     </a:solidFill>
@@ -11529,7 +12637,7 @@
               </a:ln>
               <a:extLst>
                 <a:ext uri="{91240B29-F687-4f45-9708-019B960494DF}">
-                  <a14:hiddenLine xmlns="" xmlns:a14="http://schemas.microsoft.com/office/drawing/2010/main" w="9525">
+                  <a14:hiddenLine xmlns:a14="http://schemas.microsoft.com/office/drawing/2010/main" xmlns="" w="9525">
                     <a:solidFill>
                       <a:srgbClr val="000000"/>
                     </a:solidFill>
@@ -11597,7 +12705,7 @@
               </a:ln>
               <a:extLst>
                 <a:ext uri="{91240B29-F687-4f45-9708-019B960494DF}">
-                  <a14:hiddenLine xmlns="" xmlns:a14="http://schemas.microsoft.com/office/drawing/2010/main" w="9525">
+                  <a14:hiddenLine xmlns:a14="http://schemas.microsoft.com/office/drawing/2010/main" xmlns="" w="9525">
                     <a:solidFill>
                       <a:srgbClr val="000000"/>
                     </a:solidFill>
@@ -11687,7 +12795,7 @@
               </a:ln>
               <a:extLst>
                 <a:ext uri="{91240B29-F687-4f45-9708-019B960494DF}">
-                  <a14:hiddenLine xmlns="" xmlns:a14="http://schemas.microsoft.com/office/drawing/2010/main" w="9525">
+                  <a14:hiddenLine xmlns:a14="http://schemas.microsoft.com/office/drawing/2010/main" xmlns="" w="9525">
                     <a:solidFill>
                       <a:srgbClr val="000000"/>
                     </a:solidFill>
@@ -11755,7 +12863,7 @@
               </a:ln>
               <a:extLst>
                 <a:ext uri="{91240B29-F687-4f45-9708-019B960494DF}">
-                  <a14:hiddenLine xmlns="" xmlns:a14="http://schemas.microsoft.com/office/drawing/2010/main" w="9525">
+                  <a14:hiddenLine xmlns:a14="http://schemas.microsoft.com/office/drawing/2010/main" xmlns="" w="9525">
                     <a:solidFill>
                       <a:srgbClr val="000000"/>
                     </a:solidFill>
@@ -11845,7 +12953,7 @@
               </a:ln>
               <a:extLst>
                 <a:ext uri="{91240B29-F687-4f45-9708-019B960494DF}">
-                  <a14:hiddenLine xmlns="" xmlns:a14="http://schemas.microsoft.com/office/drawing/2010/main" w="9525">
+                  <a14:hiddenLine xmlns:a14="http://schemas.microsoft.com/office/drawing/2010/main" xmlns="" w="9525">
                     <a:solidFill>
                       <a:srgbClr val="000000"/>
                     </a:solidFill>
@@ -11879,7 +12987,7 @@
               </a:ln>
               <a:extLst>
                 <a:ext uri="{91240B29-F687-4f45-9708-019B960494DF}">
-                  <a14:hiddenLine xmlns="" xmlns:a14="http://schemas.microsoft.com/office/drawing/2010/main" w="9525">
+                  <a14:hiddenLine xmlns:a14="http://schemas.microsoft.com/office/drawing/2010/main" xmlns="" w="9525">
                     <a:solidFill>
                       <a:srgbClr val="000000"/>
                     </a:solidFill>
@@ -12019,7 +13127,7 @@
           <a:p>
             <a:fld id="{FBA01FE2-1031-B943-BABC-7A6E3F1E80D7}" type="datetimeFigureOut">
               <a:rPr lang="en-US" smtClean="0"/>
-              <a:t>12/14/18</a:t>
+              <a:t>12/17/18</a:t>
             </a:fld>
             <a:endParaRPr lang="en-US"/>
           </a:p>
@@ -12615,7 +13723,7 @@
         </p:spPr>
         <p:txBody>
           <a:bodyPr>
-            <a:normAutofit/>
+            <a:normAutofit fontScale="77500" lnSpcReduction="20000"/>
           </a:bodyPr>
           <a:lstStyle/>
           <a:p>
@@ -12676,6 +13784,36 @@
                 <a:cs typeface="Arial" panose="020B0604020202020204" pitchFamily="34" charset="0"/>
               </a:rPr>
               <a:t>Demo</a:t>
+            </a:r>
+          </a:p>
+          <a:p>
+            <a:pPr>
+              <a:lnSpc>
+                <a:spcPct val="200000"/>
+              </a:lnSpc>
+              <a:buSzPct val="100000"/>
+            </a:pPr>
+            <a:r>
+              <a:rPr lang="en-US" altLang="ko-KR" sz="3200" dirty="0">
+                <a:latin typeface="Arial" panose="020B0604020202020204" pitchFamily="34" charset="0"/>
+                <a:cs typeface="Arial" panose="020B0604020202020204" pitchFamily="34" charset="0"/>
+              </a:rPr>
+              <a:t>Difficulty</a:t>
+            </a:r>
+          </a:p>
+          <a:p>
+            <a:pPr>
+              <a:lnSpc>
+                <a:spcPct val="200000"/>
+              </a:lnSpc>
+              <a:buSzPct val="100000"/>
+            </a:pPr>
+            <a:r>
+              <a:rPr lang="en-US" altLang="ko-KR" sz="3200" dirty="0">
+                <a:latin typeface="Arial" panose="020B0604020202020204" pitchFamily="34" charset="0"/>
+                <a:cs typeface="Arial" panose="020B0604020202020204" pitchFamily="34" charset="0"/>
+              </a:rPr>
+              <a:t>Future works</a:t>
             </a:r>
           </a:p>
         </p:txBody>
@@ -12804,19 +13942,29 @@
             </a:r>
           </a:p>
           <a:p>
-            <a:pPr>
+            <a:pPr lvl="1">
               <a:lnSpc>
                 <a:spcPct val="130000"/>
               </a:lnSpc>
               <a:buSzPct val="100000"/>
             </a:pPr>
             <a:r>
-              <a:rPr lang="en-US" altLang="ko-KR" sz="3200" dirty="0">
+              <a:rPr lang="en-US" altLang="ko-KR" sz="2400" dirty="0">
                 <a:latin typeface="Arial" panose="020B0604020202020204" pitchFamily="34" charset="0"/>
                 <a:cs typeface="Arial" panose="020B0604020202020204" pitchFamily="34" charset="0"/>
               </a:rPr>
-              <a:t>Some of original planned features are not successfully working</a:t>
-            </a:r>
+              <a:t>Deep learning – </a:t>
+            </a:r>
+            <a:r>
+              <a:rPr lang="en-US" sz="2400" dirty="0">
+                <a:latin typeface="tabular-numbers"/>
+              </a:rPr>
+              <a:t>a subset of machine learning where artificial neural networks, algorithms inspired by the human brain, learn from large amounts of data.</a:t>
+            </a:r>
+            <a:endParaRPr lang="en-US" altLang="ko-KR" sz="2400" dirty="0">
+              <a:latin typeface="Arial" panose="020B0604020202020204" pitchFamily="34" charset="0"/>
+              <a:cs typeface="Arial" panose="020B0604020202020204" pitchFamily="34" charset="0"/>
+            </a:endParaRPr>
           </a:p>
         </p:txBody>
       </p:sp>
@@ -13497,11 +14645,19 @@
           </a:bodyPr>
           <a:lstStyle/>
           <a:p>
-            <a:r>
-              <a:rPr lang="en-US" altLang="ko-KR" sz="4400" dirty="0"/>
-              <a:t>demo</a:t>
-            </a:r>
-            <a:endParaRPr lang="ko-KR" altLang="en-US" sz="4400" dirty="0"/>
+            <a:pPr>
+              <a:lnSpc>
+                <a:spcPct val="130000"/>
+              </a:lnSpc>
+              <a:buSzPct val="100000"/>
+            </a:pPr>
+            <a:r>
+              <a:rPr lang="en-US" altLang="ko-KR" sz="4400" dirty="0">
+                <a:latin typeface="Arial" panose="020B0604020202020204" pitchFamily="34" charset="0"/>
+                <a:cs typeface="Arial" panose="020B0604020202020204" pitchFamily="34" charset="0"/>
+              </a:rPr>
+              <a:t>Product Description</a:t>
+            </a:r>
           </a:p>
         </p:txBody>
       </p:sp>
@@ -13543,11 +14699,10 @@
               <a:rPr lang="en-US" altLang="ko-KR" sz="2800" dirty="0">
                 <a:latin typeface="Arial" panose="020B0604020202020204" pitchFamily="34" charset="0"/>
                 <a:cs typeface="Arial" panose="020B0604020202020204" pitchFamily="34" charset="0"/>
-                <a:hlinkClick r:id="rId2"/>
               </a:rPr>
-              <a:t>http://127.0.0.1:5001/</a:t>
-            </a:r>
-            <a:endParaRPr lang="en-US" altLang="ko-KR" sz="2800" dirty="0">
+              <a:t>Convolutional Neural Network(CNN)</a:t>
+            </a:r>
+            <a:endParaRPr lang="en-US" altLang="ko-KR" dirty="0">
               <a:latin typeface="Arial" panose="020B0604020202020204" pitchFamily="34" charset="0"/>
               <a:cs typeface="Arial" panose="020B0604020202020204" pitchFamily="34" charset="0"/>
             </a:endParaRPr>
@@ -13556,10 +14711,10 @@
       </p:sp>
       <p:pic>
         <p:nvPicPr>
-          <p:cNvPr id="3" name="Picture 2">
+          <p:cNvPr id="9" name="Picture 8">
             <a:extLst>
               <a:ext uri="{FF2B5EF4-FFF2-40B4-BE49-F238E27FC236}">
-                <a16:creationId xmlns:a16="http://schemas.microsoft.com/office/drawing/2014/main" id="{A5BA5F1C-A178-A443-BE68-AF6553405AFE}"/>
+                <a16:creationId xmlns:a16="http://schemas.microsoft.com/office/drawing/2014/main" id="{854E9EC2-A3FC-8F4D-B8BB-8109EAFF388A}"/>
               </a:ext>
             </a:extLst>
           </p:cNvPr>
@@ -13568,15 +14723,16 @@
           </p:cNvPicPr>
           <p:nvPr/>
         </p:nvPicPr>
-        <p:blipFill rotWithShape="1">
+        <p:blipFill>
           <a:blip r:embed="rId3"/>
-          <a:srcRect l="7561" t="5825" r="7561" b="3499"/>
-          <a:stretch/>
+          <a:stretch>
+            <a:fillRect/>
+          </a:stretch>
         </p:blipFill>
         <p:spPr>
           <a:xfrm>
-            <a:off x="1928814" y="1918060"/>
-            <a:ext cx="7986712" cy="4713786"/>
+            <a:off x="1920247" y="2151062"/>
+            <a:ext cx="8452477" cy="3766389"/>
           </a:xfrm>
           <a:prstGeom prst="rect">
             <a:avLst/>
@@ -13586,7 +14742,7 @@
     </p:spTree>
     <p:extLst>
       <p:ext uri="{BB962C8B-B14F-4D97-AF65-F5344CB8AC3E}">
-        <p14:creationId xmlns:p14="http://schemas.microsoft.com/office/powerpoint/2010/main" val="1962098957"/>
+        <p14:creationId xmlns:p14="http://schemas.microsoft.com/office/powerpoint/2010/main" val="1263634602"/>
       </p:ext>
     </p:extLst>
   </p:cSld>
@@ -13696,7 +14852,7 @@
                 <a:latin typeface="Arial" panose="020B0604020202020204" pitchFamily="34" charset="0"/>
                 <a:cs typeface="Arial" panose="020B0604020202020204" pitchFamily="34" charset="0"/>
               </a:rPr>
-              <a:t>Convolutional Neural Network(CNN)</a:t>
+              <a:t>RRDB</a:t>
             </a:r>
             <a:endParaRPr lang="en-US" altLang="ko-KR" dirty="0">
               <a:latin typeface="Arial" panose="020B0604020202020204" pitchFamily="34" charset="0"/>
@@ -13707,10 +14863,10 @@
       </p:sp>
       <p:pic>
         <p:nvPicPr>
-          <p:cNvPr id="9" name="Picture 8">
+          <p:cNvPr id="3" name="Picture 2">
             <a:extLst>
               <a:ext uri="{FF2B5EF4-FFF2-40B4-BE49-F238E27FC236}">
-                <a16:creationId xmlns:a16="http://schemas.microsoft.com/office/drawing/2014/main" id="{854E9EC2-A3FC-8F4D-B8BB-8109EAFF388A}"/>
+                <a16:creationId xmlns:a16="http://schemas.microsoft.com/office/drawing/2014/main" id="{58D3DE8A-711A-2042-B7F6-BB287B316C24}"/>
               </a:ext>
             </a:extLst>
           </p:cNvPr>
@@ -13720,25 +14876,61 @@
           <p:nvPr/>
         </p:nvPicPr>
         <p:blipFill>
-          <a:blip r:embed="rId2"/>
+          <a:blip r:embed="rId3"/>
           <a:stretch>
             <a:fillRect/>
           </a:stretch>
         </p:blipFill>
         <p:spPr>
           <a:xfrm>
-            <a:off x="1920247" y="2151062"/>
-            <a:ext cx="8452477" cy="3766389"/>
+            <a:off x="2843395" y="4321785"/>
+            <a:ext cx="7482254" cy="2069921"/>
           </a:xfrm>
           <a:prstGeom prst="rect">
             <a:avLst/>
           </a:prstGeom>
+          <a:solidFill>
+            <a:schemeClr val="tx1"/>
+          </a:solidFill>
+        </p:spPr>
+      </p:pic>
+      <p:pic>
+        <p:nvPicPr>
+          <p:cNvPr id="4" name="Picture 3">
+            <a:extLst>
+              <a:ext uri="{FF2B5EF4-FFF2-40B4-BE49-F238E27FC236}">
+                <a16:creationId xmlns:a16="http://schemas.microsoft.com/office/drawing/2014/main" id="{752D8169-80D8-1E40-AF4B-694C3AB051A5}"/>
+              </a:ext>
+            </a:extLst>
+          </p:cNvPr>
+          <p:cNvPicPr>
+            <a:picLocks noChangeAspect="1"/>
+          </p:cNvPicPr>
+          <p:nvPr/>
+        </p:nvPicPr>
+        <p:blipFill>
+          <a:blip r:embed="rId4"/>
+          <a:stretch>
+            <a:fillRect/>
+          </a:stretch>
+        </p:blipFill>
+        <p:spPr>
+          <a:xfrm>
+            <a:off x="2562591" y="2240253"/>
+            <a:ext cx="8043863" cy="1624860"/>
+          </a:xfrm>
+          <a:prstGeom prst="rect">
+            <a:avLst/>
+          </a:prstGeom>
+          <a:solidFill>
+            <a:schemeClr val="tx1"/>
+          </a:solidFill>
         </p:spPr>
       </p:pic>
     </p:spTree>
     <p:extLst>
       <p:ext uri="{BB962C8B-B14F-4D97-AF65-F5344CB8AC3E}">
-        <p14:creationId xmlns:p14="http://schemas.microsoft.com/office/powerpoint/2010/main" val="1263634602"/>
+        <p14:creationId xmlns:p14="http://schemas.microsoft.com/office/powerpoint/2010/main" val="2867863710"/>
       </p:ext>
     </p:extLst>
   </p:cSld>
@@ -13793,19 +14985,11 @@
           </a:bodyPr>
           <a:lstStyle/>
           <a:p>
-            <a:pPr>
-              <a:lnSpc>
-                <a:spcPct val="130000"/>
-              </a:lnSpc>
-              <a:buSzPct val="100000"/>
-            </a:pPr>
-            <a:r>
-              <a:rPr lang="en-US" altLang="ko-KR" sz="4400" dirty="0">
-                <a:latin typeface="Arial" panose="020B0604020202020204" pitchFamily="34" charset="0"/>
-                <a:cs typeface="Arial" panose="020B0604020202020204" pitchFamily="34" charset="0"/>
-              </a:rPr>
-              <a:t>Product Description</a:t>
-            </a:r>
+            <a:r>
+              <a:rPr lang="en-US" altLang="ko-KR" sz="4400" dirty="0"/>
+              <a:t>demo</a:t>
+            </a:r>
+            <a:endParaRPr lang="ko-KR" altLang="en-US" sz="4400" dirty="0"/>
           </a:p>
         </p:txBody>
       </p:sp>
@@ -13847,55 +15031,23 @@
               <a:rPr lang="en-US" altLang="ko-KR" sz="2800" dirty="0">
                 <a:latin typeface="Arial" panose="020B0604020202020204" pitchFamily="34" charset="0"/>
                 <a:cs typeface="Arial" panose="020B0604020202020204" pitchFamily="34" charset="0"/>
+                <a:hlinkClick r:id="rId2"/>
               </a:rPr>
-              <a:t>RRDB</a:t>
-            </a:r>
-            <a:endParaRPr lang="en-US" altLang="ko-KR" dirty="0">
+              <a:t>http://127.0.0.1:5001/</a:t>
+            </a:r>
+            <a:endParaRPr lang="en-US" altLang="ko-KR" sz="2800" dirty="0">
               <a:latin typeface="Arial" panose="020B0604020202020204" pitchFamily="34" charset="0"/>
               <a:cs typeface="Arial" panose="020B0604020202020204" pitchFamily="34" charset="0"/>
             </a:endParaRPr>
           </a:p>
         </p:txBody>
       </p:sp>
-      <p:pic>
-        <p:nvPicPr>
-          <p:cNvPr id="3" name="Picture 2">
-            <a:extLst>
-              <a:ext uri="{FF2B5EF4-FFF2-40B4-BE49-F238E27FC236}">
-                <a16:creationId xmlns:a16="http://schemas.microsoft.com/office/drawing/2014/main" id="{58D3DE8A-711A-2042-B7F6-BB287B316C24}"/>
-              </a:ext>
-            </a:extLst>
-          </p:cNvPr>
-          <p:cNvPicPr>
-            <a:picLocks noChangeAspect="1"/>
-          </p:cNvPicPr>
-          <p:nvPr/>
-        </p:nvPicPr>
-        <p:blipFill>
-          <a:blip r:embed="rId2"/>
-          <a:stretch>
-            <a:fillRect/>
-          </a:stretch>
-        </p:blipFill>
-        <p:spPr>
-          <a:xfrm>
-            <a:off x="2843395" y="4321785"/>
-            <a:ext cx="7482254" cy="2069921"/>
-          </a:xfrm>
-          <a:prstGeom prst="rect">
-            <a:avLst/>
-          </a:prstGeom>
-          <a:solidFill>
-            <a:schemeClr val="tx1"/>
-          </a:solidFill>
-        </p:spPr>
-      </p:pic>
       <p:pic>
         <p:nvPicPr>
           <p:cNvPr id="4" name="Picture 3">
             <a:extLst>
               <a:ext uri="{FF2B5EF4-FFF2-40B4-BE49-F238E27FC236}">
-                <a16:creationId xmlns:a16="http://schemas.microsoft.com/office/drawing/2014/main" id="{752D8169-80D8-1E40-AF4B-694C3AB051A5}"/>
+                <a16:creationId xmlns:a16="http://schemas.microsoft.com/office/drawing/2014/main" id="{5D220108-A831-CE41-8F71-968B726D8714}"/>
               </a:ext>
             </a:extLst>
           </p:cNvPr>
@@ -13912,21 +15064,158 @@
         </p:blipFill>
         <p:spPr>
           <a:xfrm>
-            <a:off x="2562591" y="2240253"/>
-            <a:ext cx="8043863" cy="1624860"/>
+            <a:off x="1900719" y="1882648"/>
+            <a:ext cx="8839200" cy="4883367"/>
           </a:xfrm>
           <a:prstGeom prst="rect">
             <a:avLst/>
           </a:prstGeom>
-          <a:solidFill>
-            <a:schemeClr val="tx1"/>
-          </a:solidFill>
         </p:spPr>
       </p:pic>
     </p:spTree>
     <p:extLst>
       <p:ext uri="{BB962C8B-B14F-4D97-AF65-F5344CB8AC3E}">
-        <p14:creationId xmlns:p14="http://schemas.microsoft.com/office/powerpoint/2010/main" val="2867863710"/>
+        <p14:creationId xmlns:p14="http://schemas.microsoft.com/office/powerpoint/2010/main" val="1962098957"/>
+      </p:ext>
+    </p:extLst>
+  </p:cSld>
+  <p:clrMapOvr>
+    <a:masterClrMapping/>
+  </p:clrMapOvr>
+</p:sld>
+</file>
+
+<file path=ppt/slides/slide9.xml><?xml version="1.0" encoding="utf-8"?>
+<p:sld xmlns:a="http://schemas.openxmlformats.org/drawingml/2006/main" xmlns:r="http://schemas.openxmlformats.org/officeDocument/2006/relationships" xmlns:p="http://schemas.openxmlformats.org/presentationml/2006/main">
+  <p:cSld>
+    <p:spTree>
+      <p:nvGrpSpPr>
+        <p:cNvPr id="1" name=""/>
+        <p:cNvGrpSpPr/>
+        <p:nvPr/>
+      </p:nvGrpSpPr>
+      <p:grpSpPr>
+        <a:xfrm>
+          <a:off x="0" y="0"/>
+          <a:ext cx="0" cy="0"/>
+          <a:chOff x="0" y="0"/>
+          <a:chExt cx="0" cy="0"/>
+        </a:xfrm>
+      </p:grpSpPr>
+      <p:sp>
+        <p:nvSpPr>
+          <p:cNvPr id="6" name="Title 1">
+            <a:extLst>
+              <a:ext uri="{FF2B5EF4-FFF2-40B4-BE49-F238E27FC236}">
+                <a16:creationId xmlns:a16="http://schemas.microsoft.com/office/drawing/2014/main" id="{742E3523-10DD-A248-96CA-3B64EEF97021}"/>
+              </a:ext>
+            </a:extLst>
+          </p:cNvPr>
+          <p:cNvSpPr>
+            <a:spLocks noGrp="1"/>
+          </p:cNvSpPr>
+          <p:nvPr>
+            <p:ph type="title"/>
+          </p:nvPr>
+        </p:nvSpPr>
+        <p:spPr>
+          <a:xfrm>
+            <a:off x="1585547" y="254730"/>
+            <a:ext cx="9905998" cy="1032465"/>
+          </a:xfrm>
+        </p:spPr>
+        <p:txBody>
+          <a:bodyPr>
+            <a:normAutofit/>
+          </a:bodyPr>
+          <a:lstStyle/>
+          <a:p>
+            <a:r>
+              <a:rPr lang="en-US" altLang="ko-KR" sz="4400" dirty="0"/>
+              <a:t>Future works </a:t>
+            </a:r>
+            <a:endParaRPr lang="ko-KR" altLang="en-US" sz="4400" dirty="0"/>
+          </a:p>
+        </p:txBody>
+      </p:sp>
+      <p:sp>
+        <p:nvSpPr>
+          <p:cNvPr id="7" name="Content Placeholder 2">
+            <a:extLst>
+              <a:ext uri="{FF2B5EF4-FFF2-40B4-BE49-F238E27FC236}">
+                <a16:creationId xmlns:a16="http://schemas.microsoft.com/office/drawing/2014/main" id="{50FB87F8-1E53-6E44-8B42-D4D82231D7CC}"/>
+              </a:ext>
+            </a:extLst>
+          </p:cNvPr>
+          <p:cNvSpPr>
+            <a:spLocks noGrp="1"/>
+          </p:cNvSpPr>
+          <p:nvPr>
+            <p:ph idx="1"/>
+          </p:nvPr>
+        </p:nvSpPr>
+        <p:spPr>
+          <a:xfrm>
+            <a:off x="1585546" y="1287196"/>
+            <a:ext cx="9905999" cy="4952286"/>
+          </a:xfrm>
+        </p:spPr>
+        <p:txBody>
+          <a:bodyPr>
+            <a:normAutofit/>
+          </a:bodyPr>
+          <a:lstStyle/>
+          <a:p>
+            <a:pPr>
+              <a:lnSpc>
+                <a:spcPct val="200000"/>
+              </a:lnSpc>
+              <a:buSzPct val="100000"/>
+            </a:pPr>
+            <a:r>
+              <a:rPr lang="en-US" altLang="ko-KR" sz="2800" dirty="0">
+                <a:latin typeface="Arial" panose="020B0604020202020204" pitchFamily="34" charset="0"/>
+                <a:cs typeface="Arial" panose="020B0604020202020204" pitchFamily="34" charset="0"/>
+              </a:rPr>
+              <a:t>More accuracy on detail </a:t>
+            </a:r>
+          </a:p>
+          <a:p>
+            <a:pPr>
+              <a:lnSpc>
+                <a:spcPct val="200000"/>
+              </a:lnSpc>
+              <a:buSzPct val="100000"/>
+            </a:pPr>
+            <a:r>
+              <a:rPr lang="en-US" altLang="ko-KR" sz="2800" dirty="0">
+                <a:latin typeface="Arial" panose="020B0604020202020204" pitchFamily="34" charset="0"/>
+                <a:cs typeface="Arial" panose="020B0604020202020204" pitchFamily="34" charset="0"/>
+              </a:rPr>
+              <a:t>Search engine</a:t>
+            </a:r>
+          </a:p>
+          <a:p>
+            <a:pPr lvl="1">
+              <a:lnSpc>
+                <a:spcPct val="200000"/>
+              </a:lnSpc>
+              <a:buSzPct val="100000"/>
+            </a:pPr>
+            <a:r>
+              <a:rPr lang="en-US" altLang="ko-KR" sz="2400" dirty="0">
+                <a:latin typeface="Arial" panose="020B0604020202020204" pitchFamily="34" charset="0"/>
+                <a:cs typeface="Arial" panose="020B0604020202020204" pitchFamily="34" charset="0"/>
+              </a:rPr>
+              <a:t>Can download super-resolution images directly</a:t>
+            </a:r>
+          </a:p>
+        </p:txBody>
+      </p:sp>
+    </p:spTree>
+    <p:extLst>
+      <p:ext uri="{BB962C8B-B14F-4D97-AF65-F5344CB8AC3E}">
+        <p14:creationId xmlns:p14="http://schemas.microsoft.com/office/powerpoint/2010/main" val="8497399"/>
       </p:ext>
     </p:extLst>
   </p:cSld>
@@ -14185,4 +15474,299 @@
     </a:ext>
   </a:extLst>
 </a:theme>
+</file>
+
+<file path=ppt/theme/theme2.xml><?xml version="1.0" encoding="utf-8"?>
+<a:theme xmlns:a="http://schemas.openxmlformats.org/drawingml/2006/main" name="Office Theme">
+  <a:themeElements>
+    <a:clrScheme name="Office">
+      <a:dk1>
+        <a:sysClr val="windowText" lastClr="000000"/>
+      </a:dk1>
+      <a:lt1>
+        <a:sysClr val="window" lastClr="FFFFFF"/>
+      </a:lt1>
+      <a:dk2>
+        <a:srgbClr val="44546A"/>
+      </a:dk2>
+      <a:lt2>
+        <a:srgbClr val="E7E6E6"/>
+      </a:lt2>
+      <a:accent1>
+        <a:srgbClr val="4472C4"/>
+      </a:accent1>
+      <a:accent2>
+        <a:srgbClr val="ED7D31"/>
+      </a:accent2>
+      <a:accent3>
+        <a:srgbClr val="A5A5A5"/>
+      </a:accent3>
+      <a:accent4>
+        <a:srgbClr val="FFC000"/>
+      </a:accent4>
+      <a:accent5>
+        <a:srgbClr val="5B9BD5"/>
+      </a:accent5>
+      <a:accent6>
+        <a:srgbClr val="70AD47"/>
+      </a:accent6>
+      <a:hlink>
+        <a:srgbClr val="0563C1"/>
+      </a:hlink>
+      <a:folHlink>
+        <a:srgbClr val="954F72"/>
+      </a:folHlink>
+    </a:clrScheme>
+    <a:fontScheme name="Office">
+      <a:majorFont>
+        <a:latin typeface="Calibri Light" panose="020F0302020204030204"/>
+        <a:ea typeface=""/>
+        <a:cs typeface=""/>
+        <a:font script="Jpan" typeface="游ゴシック Light"/>
+        <a:font script="Hang" typeface="맑은 고딕"/>
+        <a:font script="Hans" typeface="等线 Light"/>
+        <a:font script="Hant" typeface="新細明體"/>
+        <a:font script="Arab" typeface="Times New Roman"/>
+        <a:font script="Hebr" typeface="Times New Roman"/>
+        <a:font script="Thai" typeface="Angsana New"/>
+        <a:font script="Ethi" typeface="Nyala"/>
+        <a:font script="Beng" typeface="Vrinda"/>
+        <a:font script="Gujr" typeface="Shruti"/>
+        <a:font script="Khmr" typeface="MoolBoran"/>
+        <a:font script="Knda" typeface="Tunga"/>
+        <a:font script="Guru" typeface="Raavi"/>
+        <a:font script="Cans" typeface="Euphemia"/>
+        <a:font script="Cher" typeface="Plantagenet Cherokee"/>
+        <a:font script="Yiii" typeface="Microsoft Yi Baiti"/>
+        <a:font script="Tibt" typeface="Microsoft Himalaya"/>
+        <a:font script="Thaa" typeface="MV Boli"/>
+        <a:font script="Deva" typeface="Mangal"/>
+        <a:font script="Telu" typeface="Gautami"/>
+        <a:font script="Taml" typeface="Latha"/>
+        <a:font script="Syrc" typeface="Estrangelo Edessa"/>
+        <a:font script="Orya" typeface="Kalinga"/>
+        <a:font script="Mlym" typeface="Kartika"/>
+        <a:font script="Laoo" typeface="DokChampa"/>
+        <a:font script="Sinh" typeface="Iskoola Pota"/>
+        <a:font script="Mong" typeface="Mongolian Baiti"/>
+        <a:font script="Viet" typeface="Times New Roman"/>
+        <a:font script="Uigh" typeface="Microsoft Uighur"/>
+        <a:font script="Geor" typeface="Sylfaen"/>
+        <a:font script="Armn" typeface="Arial"/>
+        <a:font script="Bugi" typeface="Leelawadee UI"/>
+        <a:font script="Bopo" typeface="Microsoft JhengHei"/>
+        <a:font script="Java" typeface="Javanese Text"/>
+        <a:font script="Lisu" typeface="Segoe UI"/>
+        <a:font script="Mymr" typeface="Myanmar Text"/>
+        <a:font script="Nkoo" typeface="Ebrima"/>
+        <a:font script="Olck" typeface="Nirmala UI"/>
+        <a:font script="Osma" typeface="Ebrima"/>
+        <a:font script="Phag" typeface="Phagspa"/>
+        <a:font script="Syrn" typeface="Estrangelo Edessa"/>
+        <a:font script="Syrj" typeface="Estrangelo Edessa"/>
+        <a:font script="Syre" typeface="Estrangelo Edessa"/>
+        <a:font script="Sora" typeface="Nirmala UI"/>
+        <a:font script="Tale" typeface="Microsoft Tai Le"/>
+        <a:font script="Talu" typeface="Microsoft New Tai Lue"/>
+        <a:font script="Tfng" typeface="Ebrima"/>
+      </a:majorFont>
+      <a:minorFont>
+        <a:latin typeface="Calibri" panose="020F0502020204030204"/>
+        <a:ea typeface=""/>
+        <a:cs typeface=""/>
+        <a:font script="Jpan" typeface="游ゴシック"/>
+        <a:font script="Hang" typeface="맑은 고딕"/>
+        <a:font script="Hans" typeface="等线"/>
+        <a:font script="Hant" typeface="新細明體"/>
+        <a:font script="Arab" typeface="Arial"/>
+        <a:font script="Hebr" typeface="Arial"/>
+        <a:font script="Thai" typeface="Cordia New"/>
+        <a:font script="Ethi" typeface="Nyala"/>
+        <a:font script="Beng" typeface="Vrinda"/>
+        <a:font script="Gujr" typeface="Shruti"/>
+        <a:font script="Khmr" typeface="DaunPenh"/>
+        <a:font script="Knda" typeface="Tunga"/>
+        <a:font script="Guru" typeface="Raavi"/>
+        <a:font script="Cans" typeface="Euphemia"/>
+        <a:font script="Cher" typeface="Plantagenet Cherokee"/>
+        <a:font script="Yiii" typeface="Microsoft Yi Baiti"/>
+        <a:font script="Tibt" typeface="Microsoft Himalaya"/>
+        <a:font script="Thaa" typeface="MV Boli"/>
+        <a:font script="Deva" typeface="Mangal"/>
+        <a:font script="Telu" typeface="Gautami"/>
+        <a:font script="Taml" typeface="Latha"/>
+        <a:font script="Syrc" typeface="Estrangelo Edessa"/>
+        <a:font script="Orya" typeface="Kalinga"/>
+        <a:font script="Mlym" typeface="Kartika"/>
+        <a:font script="Laoo" typeface="DokChampa"/>
+        <a:font script="Sinh" typeface="Iskoola Pota"/>
+        <a:font script="Mong" typeface="Mongolian Baiti"/>
+        <a:font script="Viet" typeface="Arial"/>
+        <a:font script="Uigh" typeface="Microsoft Uighur"/>
+        <a:font script="Geor" typeface="Sylfaen"/>
+        <a:font script="Armn" typeface="Arial"/>
+        <a:font script="Bugi" typeface="Leelawadee UI"/>
+        <a:font script="Bopo" typeface="Microsoft JhengHei"/>
+        <a:font script="Java" typeface="Javanese Text"/>
+        <a:font script="Lisu" typeface="Segoe UI"/>
+        <a:font script="Mymr" typeface="Myanmar Text"/>
+        <a:font script="Nkoo" typeface="Ebrima"/>
+        <a:font script="Olck" typeface="Nirmala UI"/>
+        <a:font script="Osma" typeface="Ebrima"/>
+        <a:font script="Phag" typeface="Phagspa"/>
+        <a:font script="Syrn" typeface="Estrangelo Edessa"/>
+        <a:font script="Syrj" typeface="Estrangelo Edessa"/>
+        <a:font script="Syre" typeface="Estrangelo Edessa"/>
+        <a:font script="Sora" typeface="Nirmala UI"/>
+        <a:font script="Tale" typeface="Microsoft Tai Le"/>
+        <a:font script="Talu" typeface="Microsoft New Tai Lue"/>
+        <a:font script="Tfng" typeface="Ebrima"/>
+      </a:minorFont>
+    </a:fontScheme>
+    <a:fmtScheme name="Office">
+      <a:fillStyleLst>
+        <a:solidFill>
+          <a:schemeClr val="phClr"/>
+        </a:solidFill>
+        <a:gradFill rotWithShape="1">
+          <a:gsLst>
+            <a:gs pos="0">
+              <a:schemeClr val="phClr">
+                <a:lumMod val="110000"/>
+                <a:satMod val="105000"/>
+                <a:tint val="67000"/>
+              </a:schemeClr>
+            </a:gs>
+            <a:gs pos="50000">
+              <a:schemeClr val="phClr">
+                <a:lumMod val="105000"/>
+                <a:satMod val="103000"/>
+                <a:tint val="73000"/>
+              </a:schemeClr>
+            </a:gs>
+            <a:gs pos="100000">
+              <a:schemeClr val="phClr">
+                <a:lumMod val="105000"/>
+                <a:satMod val="109000"/>
+                <a:tint val="81000"/>
+              </a:schemeClr>
+            </a:gs>
+          </a:gsLst>
+          <a:lin ang="5400000" scaled="0"/>
+        </a:gradFill>
+        <a:gradFill rotWithShape="1">
+          <a:gsLst>
+            <a:gs pos="0">
+              <a:schemeClr val="phClr">
+                <a:satMod val="103000"/>
+                <a:lumMod val="102000"/>
+                <a:tint val="94000"/>
+              </a:schemeClr>
+            </a:gs>
+            <a:gs pos="50000">
+              <a:schemeClr val="phClr">
+                <a:satMod val="110000"/>
+                <a:lumMod val="100000"/>
+                <a:shade val="100000"/>
+              </a:schemeClr>
+            </a:gs>
+            <a:gs pos="100000">
+              <a:schemeClr val="phClr">
+                <a:lumMod val="99000"/>
+                <a:satMod val="120000"/>
+                <a:shade val="78000"/>
+              </a:schemeClr>
+            </a:gs>
+          </a:gsLst>
+          <a:lin ang="5400000" scaled="0"/>
+        </a:gradFill>
+      </a:fillStyleLst>
+      <a:lnStyleLst>
+        <a:ln w="6350" cap="flat" cmpd="sng" algn="ctr">
+          <a:solidFill>
+            <a:schemeClr val="phClr"/>
+          </a:solidFill>
+          <a:prstDash val="solid"/>
+          <a:miter lim="800000"/>
+        </a:ln>
+        <a:ln w="12700" cap="flat" cmpd="sng" algn="ctr">
+          <a:solidFill>
+            <a:schemeClr val="phClr"/>
+          </a:solidFill>
+          <a:prstDash val="solid"/>
+          <a:miter lim="800000"/>
+        </a:ln>
+        <a:ln w="19050" cap="flat" cmpd="sng" algn="ctr">
+          <a:solidFill>
+            <a:schemeClr val="phClr"/>
+          </a:solidFill>
+          <a:prstDash val="solid"/>
+          <a:miter lim="800000"/>
+        </a:ln>
+      </a:lnStyleLst>
+      <a:effectStyleLst>
+        <a:effectStyle>
+          <a:effectLst/>
+        </a:effectStyle>
+        <a:effectStyle>
+          <a:effectLst/>
+        </a:effectStyle>
+        <a:effectStyle>
+          <a:effectLst>
+            <a:outerShdw blurRad="57150" dist="19050" dir="5400000" algn="ctr" rotWithShape="0">
+              <a:srgbClr val="000000">
+                <a:alpha val="63000"/>
+              </a:srgbClr>
+            </a:outerShdw>
+          </a:effectLst>
+        </a:effectStyle>
+      </a:effectStyleLst>
+      <a:bgFillStyleLst>
+        <a:solidFill>
+          <a:schemeClr val="phClr"/>
+        </a:solidFill>
+        <a:solidFill>
+          <a:schemeClr val="phClr">
+            <a:tint val="95000"/>
+            <a:satMod val="170000"/>
+          </a:schemeClr>
+        </a:solidFill>
+        <a:gradFill rotWithShape="1">
+          <a:gsLst>
+            <a:gs pos="0">
+              <a:schemeClr val="phClr">
+                <a:tint val="93000"/>
+                <a:satMod val="150000"/>
+                <a:shade val="98000"/>
+                <a:lumMod val="102000"/>
+              </a:schemeClr>
+            </a:gs>
+            <a:gs pos="50000">
+              <a:schemeClr val="phClr">
+                <a:tint val="98000"/>
+                <a:satMod val="130000"/>
+                <a:shade val="90000"/>
+                <a:lumMod val="103000"/>
+              </a:schemeClr>
+            </a:gs>
+            <a:gs pos="100000">
+              <a:schemeClr val="phClr">
+                <a:shade val="63000"/>
+                <a:satMod val="120000"/>
+              </a:schemeClr>
+            </a:gs>
+          </a:gsLst>
+          <a:lin ang="5400000" scaled="0"/>
+        </a:gradFill>
+      </a:bgFillStyleLst>
+    </a:fmtScheme>
+  </a:themeElements>
+  <a:objectDefaults/>
+  <a:extraClrSchemeLst/>
+  <a:extLst>
+    <a:ext uri="{05A4C25C-085E-4340-85A3-A5531E510DB2}">
+      <thm15:themeFamily xmlns:thm15="http://schemas.microsoft.com/office/thememl/2012/main" name="Office Theme" id="{62F939B6-93AF-4DB8-9C6B-D6C7DFDC589F}" vid="{4A3C46E8-61CC-4603-A589-7422A47A8E4A}"/>
+    </a:ext>
+  </a:extLst>
+</a:theme>
 </file>